--- a/html-css_ppt/4강. css 선택자(Selector)와 배경 스타일.pptx
+++ b/html-css_ppt/4강. css 선택자(Selector)와 배경 스타일.pptx
@@ -5,7 +5,7 @@
     <p:sldMasterId id="2147483648" r:id="rId1"/>
   </p:sldMasterIdLst>
   <p:notesMasterIdLst>
-    <p:notesMasterId r:id="rId29"/>
+    <p:notesMasterId r:id="rId28"/>
   </p:notesMasterIdLst>
   <p:sldIdLst>
     <p:sldId id="256" r:id="rId2"/>
@@ -13,28 +13,27 @@
     <p:sldId id="378" r:id="rId4"/>
     <p:sldId id="370" r:id="rId5"/>
     <p:sldId id="414" r:id="rId6"/>
-    <p:sldId id="482" r:id="rId7"/>
-    <p:sldId id="462" r:id="rId8"/>
-    <p:sldId id="444" r:id="rId9"/>
-    <p:sldId id="445" r:id="rId10"/>
-    <p:sldId id="446" r:id="rId11"/>
-    <p:sldId id="466" r:id="rId12"/>
-    <p:sldId id="450" r:id="rId13"/>
-    <p:sldId id="486" r:id="rId14"/>
-    <p:sldId id="484" r:id="rId15"/>
-    <p:sldId id="474" r:id="rId16"/>
-    <p:sldId id="447" r:id="rId17"/>
-    <p:sldId id="454" r:id="rId18"/>
-    <p:sldId id="455" r:id="rId19"/>
-    <p:sldId id="483" r:id="rId20"/>
-    <p:sldId id="481" r:id="rId21"/>
-    <p:sldId id="477" r:id="rId22"/>
-    <p:sldId id="478" r:id="rId23"/>
-    <p:sldId id="479" r:id="rId24"/>
-    <p:sldId id="480" r:id="rId25"/>
-    <p:sldId id="468" r:id="rId26"/>
-    <p:sldId id="469" r:id="rId27"/>
-    <p:sldId id="470" r:id="rId28"/>
+    <p:sldId id="462" r:id="rId7"/>
+    <p:sldId id="444" r:id="rId8"/>
+    <p:sldId id="445" r:id="rId9"/>
+    <p:sldId id="446" r:id="rId10"/>
+    <p:sldId id="466" r:id="rId11"/>
+    <p:sldId id="450" r:id="rId12"/>
+    <p:sldId id="486" r:id="rId13"/>
+    <p:sldId id="484" r:id="rId14"/>
+    <p:sldId id="487" r:id="rId15"/>
+    <p:sldId id="488" r:id="rId16"/>
+    <p:sldId id="489" r:id="rId17"/>
+    <p:sldId id="474" r:id="rId18"/>
+    <p:sldId id="447" r:id="rId19"/>
+    <p:sldId id="454" r:id="rId20"/>
+    <p:sldId id="455" r:id="rId21"/>
+    <p:sldId id="483" r:id="rId22"/>
+    <p:sldId id="481" r:id="rId23"/>
+    <p:sldId id="477" r:id="rId24"/>
+    <p:sldId id="478" r:id="rId25"/>
+    <p:sldId id="479" r:id="rId26"/>
+    <p:sldId id="480" r:id="rId27"/>
   </p:sldIdLst>
   <p:sldSz cx="9906000" cy="6858000" type="A4"/>
   <p:notesSz cx="6858000" cy="9144000"/>
@@ -135,7 +134,7 @@
   </p:defaultTextStyle>
   <p:extLst>
     <p:ext uri="{EFAFB233-063F-42B5-8137-9DF3F51BA10A}">
-      <p15:sldGuideLst xmlns="" xmlns:p15="http://schemas.microsoft.com/office/powerpoint/2012/main">
+      <p15:sldGuideLst xmlns:p15="http://schemas.microsoft.com/office/powerpoint/2012/main">
         <p15:guide id="1" orient="horz" pos="2160">
           <p15:clr>
             <a:srgbClr val="A4A3A4"/>
@@ -234,7 +233,7 @@
           <a:p>
             <a:fld id="{7665CDAC-D627-4E87-877A-1B781DD4CADC}" type="datetimeFigureOut">
               <a:rPr lang="ko-KR" altLang="en-US" smtClean="0"/>
-              <a:t>2022-05-10</a:t>
+              <a:t>2023-03-20</a:t>
             </a:fld>
             <a:endParaRPr lang="ko-KR" altLang="en-US"/>
           </a:p>
@@ -648,7 +647,7 @@
           <a:p>
             <a:fld id="{C25BCFD5-C4DF-4EBC-B718-C69ED2FBDE6F}" type="datetime1">
               <a:rPr lang="ko-KR" altLang="en-US" smtClean="0"/>
-              <a:t>2022-05-10</a:t>
+              <a:t>2023-03-20</a:t>
             </a:fld>
             <a:endParaRPr lang="ko-KR" altLang="en-US"/>
           </a:p>
@@ -1066,7 +1065,7 @@
           <a:p>
             <a:fld id="{AB448CD7-D367-43D5-B461-ACE552E75063}" type="datetime1">
               <a:rPr lang="ko-KR" altLang="en-US" smtClean="0"/>
-              <a:t>2022-05-10</a:t>
+              <a:t>2023-03-20</a:t>
             </a:fld>
             <a:endParaRPr lang="ko-KR" altLang="en-US"/>
           </a:p>
@@ -1246,7 +1245,7 @@
           <a:p>
             <a:fld id="{B6E49E79-7361-4780-8BEF-7EDE3708298A}" type="datetime1">
               <a:rPr lang="ko-KR" altLang="en-US" smtClean="0"/>
-              <a:t>2022-05-10</a:t>
+              <a:t>2023-03-20</a:t>
             </a:fld>
             <a:endParaRPr lang="ko-KR" altLang="en-US"/>
           </a:p>
@@ -1420,7 +1419,7 @@
           <a:p>
             <a:fld id="{A4D42E3C-B70B-437C-85CF-1286301B9CBA}" type="datetime1">
               <a:rPr lang="ko-KR" altLang="en-US" smtClean="0"/>
-              <a:t>2022-05-10</a:t>
+              <a:t>2023-03-20</a:t>
             </a:fld>
             <a:endParaRPr lang="ko-KR" altLang="en-US"/>
           </a:p>
@@ -1666,7 +1665,7 @@
           <a:p>
             <a:fld id="{B3369A20-5B3D-4D98-A822-26B93D177A40}" type="datetime1">
               <a:rPr lang="ko-KR" altLang="en-US" smtClean="0"/>
-              <a:t>2022-05-10</a:t>
+              <a:t>2023-03-20</a:t>
             </a:fld>
             <a:endParaRPr lang="ko-KR" altLang="en-US"/>
           </a:p>
@@ -1954,7 +1953,7 @@
           <a:p>
             <a:fld id="{685CD4CE-9E43-4F70-A9D8-A2130CA7D92A}" type="datetime1">
               <a:rPr lang="ko-KR" altLang="en-US" smtClean="0"/>
-              <a:t>2022-05-10</a:t>
+              <a:t>2023-03-20</a:t>
             </a:fld>
             <a:endParaRPr lang="ko-KR" altLang="en-US"/>
           </a:p>
@@ -2376,7 +2375,7 @@
           <a:p>
             <a:fld id="{F752BD92-DA3E-4A0B-90C9-7DE5E15B6E96}" type="datetime1">
               <a:rPr lang="ko-KR" altLang="en-US" smtClean="0"/>
-              <a:t>2022-05-10</a:t>
+              <a:t>2023-03-20</a:t>
             </a:fld>
             <a:endParaRPr lang="ko-KR" altLang="en-US"/>
           </a:p>
@@ -2494,7 +2493,7 @@
           <a:p>
             <a:fld id="{8EA2B83A-F366-424E-B742-340ACF856BB5}" type="datetime1">
               <a:rPr lang="ko-KR" altLang="en-US" smtClean="0"/>
-              <a:t>2022-05-10</a:t>
+              <a:t>2023-03-20</a:t>
             </a:fld>
             <a:endParaRPr lang="ko-KR" altLang="en-US"/>
           </a:p>
@@ -2589,7 +2588,7 @@
           <a:p>
             <a:fld id="{9A49D68B-5DBD-48E9-A8D4-FCBC4B3DD9C6}" type="datetime1">
               <a:rPr lang="ko-KR" altLang="en-US" smtClean="0"/>
-              <a:t>2022-05-10</a:t>
+              <a:t>2023-03-20</a:t>
             </a:fld>
             <a:endParaRPr lang="ko-KR" altLang="en-US"/>
           </a:p>
@@ -2866,7 +2865,7 @@
           <a:p>
             <a:fld id="{4CAB534F-7D16-467B-9320-91F98915D181}" type="datetime1">
               <a:rPr lang="ko-KR" altLang="en-US" smtClean="0"/>
-              <a:t>2022-05-10</a:t>
+              <a:t>2023-03-20</a:t>
             </a:fld>
             <a:endParaRPr lang="ko-KR" altLang="en-US"/>
           </a:p>
@@ -3119,7 +3118,7 @@
           <a:p>
             <a:fld id="{A390A91F-2F8D-4486-A69D-D680F95444B0}" type="datetime1">
               <a:rPr lang="ko-KR" altLang="en-US" smtClean="0"/>
-              <a:t>2022-05-10</a:t>
+              <a:t>2023-03-20</a:t>
             </a:fld>
             <a:endParaRPr lang="ko-KR" altLang="en-US"/>
           </a:p>
@@ -3299,7 +3298,7 @@
           <a:p>
             <a:fld id="{2238BBEA-E8DD-414A-BF68-FC2AFA7CFF2D}" type="datetime1">
               <a:rPr lang="ko-KR" altLang="en-US" smtClean="0"/>
-              <a:t>2022-05-10</a:t>
+              <a:t>2023-03-20</a:t>
             </a:fld>
             <a:endParaRPr lang="ko-KR" altLang="en-US"/>
           </a:p>
@@ -4306,12 +4305,20 @@
           <a:p>
             <a:pPr algn="ctr"/>
             <a:r>
+              <a:rPr lang="en-US" altLang="ko-KR" sz="2800" dirty="0"/>
+              <a:t>c</a:t>
+            </a:r>
+            <a:r>
+              <a:rPr lang="en-US" altLang="ko-KR" sz="2800" dirty="0" smtClean="0"/>
+              <a:t>lass </a:t>
+            </a:r>
+            <a:r>
               <a:rPr lang="ko-KR" altLang="en-US" sz="2800" dirty="0" err="1" smtClean="0"/>
-              <a:t>캐스케이딩</a:t>
+              <a:t>선택자를</a:t>
             </a:r>
             <a:r>
               <a:rPr lang="ko-KR" altLang="en-US" sz="2800" dirty="0" smtClean="0"/>
-              <a:t> 스타일 시트</a:t>
+              <a:t> 이용한 표 스타일</a:t>
             </a:r>
             <a:endParaRPr lang="ko-KR" altLang="en-US" sz="2800" dirty="0"/>
           </a:p>
@@ -4342,47 +4349,62 @@
       </p:sp>
       <p:sp>
         <p:nvSpPr>
-          <p:cNvPr id="24" name="아래쪽 화살표 23"/>
-          <p:cNvSpPr/>
+          <p:cNvPr id="10" name="TextBox 9"/>
+          <p:cNvSpPr txBox="1"/>
           <p:nvPr/>
         </p:nvSpPr>
         <p:spPr>
           <a:xfrm>
-            <a:off x="2504728" y="6709874"/>
-            <a:ext cx="288032" cy="288032"/>
-          </a:xfrm>
-          <a:prstGeom prst="downArrow">
+            <a:off x="1136576" y="1264985"/>
+            <a:ext cx="4104456" cy="507831"/>
+          </a:xfrm>
+          <a:prstGeom prst="rect">
             <a:avLst/>
           </a:prstGeom>
-          <a:solidFill>
-            <a:schemeClr val="bg1">
-              <a:lumMod val="95000"/>
-            </a:schemeClr>
-          </a:solidFill>
-          <a:ln w="12700"/>
-        </p:spPr>
-        <p:style>
-          <a:lnRef idx="2">
-            <a:schemeClr val="accent1">
-              <a:shade val="50000"/>
-            </a:schemeClr>
-          </a:lnRef>
-          <a:fillRef idx="1">
-            <a:schemeClr val="accent1"/>
-          </a:fillRef>
-          <a:effectRef idx="0">
-            <a:schemeClr val="accent1"/>
-          </a:effectRef>
-          <a:fontRef idx="minor">
-            <a:schemeClr val="lt1"/>
-          </a:fontRef>
-        </p:style>
-        <p:txBody>
-          <a:bodyPr rtlCol="0" anchor="ctr"/>
-          <a:lstStyle/>
-          <a:p>
-            <a:pPr algn="ctr"/>
-            <a:endParaRPr lang="ko-KR" altLang="en-US"/>
+          <a:noFill/>
+        </p:spPr>
+        <p:txBody>
+          <a:bodyPr wrap="square" rtlCol="0">
+            <a:spAutoFit/>
+          </a:bodyPr>
+          <a:lstStyle/>
+          <a:p>
+            <a:pPr marL="285750" indent="-285750">
+              <a:lnSpc>
+                <a:spcPct val="150000"/>
+              </a:lnSpc>
+              <a:buFont typeface="Wingdings" panose="05000000000000000000" pitchFamily="2" charset="2"/>
+              <a:buChar char="§"/>
+            </a:pPr>
+            <a:r>
+              <a:rPr lang="en-US" altLang="ko-KR" b="1" dirty="0" smtClean="0">
+                <a:solidFill>
+                  <a:srgbClr val="C00000"/>
+                </a:solidFill>
+              </a:rPr>
+              <a:t>vertical-align </a:t>
+            </a:r>
+            <a:r>
+              <a:rPr lang="ko-KR" altLang="en-US" b="1" dirty="0">
+                <a:solidFill>
+                  <a:srgbClr val="C00000"/>
+                </a:solidFill>
+              </a:rPr>
+              <a:t>속성</a:t>
+            </a:r>
+            <a:r>
+              <a:rPr lang="ko-KR" altLang="en-US" b="1" dirty="0"/>
+              <a:t> </a:t>
+            </a:r>
+            <a:r>
+              <a:rPr lang="en-US" altLang="ko-KR" b="1" dirty="0"/>
+              <a:t>– </a:t>
+            </a:r>
+            <a:r>
+              <a:rPr lang="ko-KR" altLang="en-US" b="1" dirty="0" smtClean="0"/>
+              <a:t>수직 정렬</a:t>
+            </a:r>
+            <a:endParaRPr lang="en-US" altLang="ko-KR" b="1" dirty="0"/>
           </a:p>
         </p:txBody>
       </p:sp>
@@ -4408,67 +4430,14 @@
         </p:blipFill>
         <p:spPr>
           <a:xfrm>
-            <a:off x="995491" y="3789040"/>
-            <a:ext cx="8640960" cy="2038457"/>
+            <a:off x="1424608" y="1980383"/>
+            <a:ext cx="3024336" cy="2706394"/>
           </a:xfrm>
           <a:prstGeom prst="rect">
             <a:avLst/>
           </a:prstGeom>
-          <a:ln>
-            <a:solidFill>
-              <a:schemeClr val="bg1">
-                <a:lumMod val="85000"/>
-              </a:schemeClr>
-            </a:solidFill>
-          </a:ln>
         </p:spPr>
       </p:pic>
-      <p:sp>
-        <p:nvSpPr>
-          <p:cNvPr id="9" name="TextBox 8"/>
-          <p:cNvSpPr txBox="1"/>
-          <p:nvPr/>
-        </p:nvSpPr>
-        <p:spPr>
-          <a:xfrm>
-            <a:off x="1009446" y="3211503"/>
-            <a:ext cx="1800200" cy="461665"/>
-          </a:xfrm>
-          <a:prstGeom prst="rect">
-            <a:avLst/>
-          </a:prstGeom>
-          <a:noFill/>
-        </p:spPr>
-        <p:txBody>
-          <a:bodyPr wrap="square" rtlCol="0">
-            <a:spAutoFit/>
-          </a:bodyPr>
-          <a:lstStyle/>
-          <a:p>
-            <a:pPr>
-              <a:lnSpc>
-                <a:spcPct val="150000"/>
-              </a:lnSpc>
-            </a:pPr>
-            <a:r>
-              <a:rPr lang="en-US" altLang="ko-KR" sz="1600" dirty="0">
-                <a:solidFill>
-                  <a:srgbClr val="C00000"/>
-                </a:solidFill>
-              </a:rPr>
-              <a:t>c</a:t>
-            </a:r>
-            <a:r>
-              <a:rPr lang="en-US" altLang="ko-KR" sz="1600" dirty="0" smtClean="0">
-                <a:solidFill>
-                  <a:srgbClr val="C00000"/>
-                </a:solidFill>
-              </a:rPr>
-              <a:t>ascading.html</a:t>
-            </a:r>
-          </a:p>
-        </p:txBody>
-      </p:sp>
       <p:pic>
         <p:nvPicPr>
           <p:cNvPr id="5" name="그림 4"/>
@@ -4477,7 +4446,7 @@
           </p:cNvPicPr>
           <p:nvPr/>
         </p:nvPicPr>
-        <p:blipFill>
+        <p:blipFill rotWithShape="1">
           <a:blip r:embed="rId3">
             <a:extLst>
               <a:ext uri="{28A0092B-C50C-407E-A947-70E740481C1C}">
@@ -4485,59 +4454,22 @@
               </a:ext>
             </a:extLst>
           </a:blip>
-          <a:stretch>
-            <a:fillRect/>
-          </a:stretch>
+          <a:srcRect t="6817" b="2825"/>
+          <a:stretch/>
         </p:blipFill>
         <p:spPr>
           <a:xfrm>
-            <a:off x="962255" y="1574821"/>
-            <a:ext cx="5718938" cy="1448400"/>
+            <a:off x="5097016" y="1819118"/>
+            <a:ext cx="3997968" cy="4618737"/>
           </a:xfrm>
           <a:prstGeom prst="rect">
             <a:avLst/>
           </a:prstGeom>
           <a:ln>
             <a:solidFill>
-              <a:schemeClr val="bg1">
-                <a:lumMod val="85000"/>
-              </a:schemeClr>
-            </a:solidFill>
-          </a:ln>
-        </p:spPr>
-      </p:pic>
-      <p:pic>
-        <p:nvPicPr>
-          <p:cNvPr id="8" name="그림 7"/>
-          <p:cNvPicPr>
-            <a:picLocks noChangeAspect="1"/>
-          </p:cNvPicPr>
-          <p:nvPr/>
-        </p:nvPicPr>
-        <p:blipFill>
-          <a:blip r:embed="rId4">
-            <a:extLst>
-              <a:ext uri="{28A0092B-C50C-407E-A947-70E740481C1C}">
-                <a14:useLocalDpi xmlns:a14="http://schemas.microsoft.com/office/drawing/2010/main" val="0"/>
-              </a:ext>
-            </a:extLst>
-          </a:blip>
-          <a:stretch>
-            <a:fillRect/>
-          </a:stretch>
-        </p:blipFill>
-        <p:spPr>
-          <a:xfrm>
-            <a:off x="6825208" y="1691073"/>
-            <a:ext cx="2584367" cy="2664296"/>
-          </a:xfrm>
-          <a:prstGeom prst="rect">
-            <a:avLst/>
-          </a:prstGeom>
-          <a:ln>
-            <a:solidFill>
-              <a:schemeClr val="bg1">
-                <a:lumMod val="85000"/>
+              <a:schemeClr val="accent4">
+                <a:lumMod val="20000"/>
+                <a:lumOff val="80000"/>
               </a:schemeClr>
             </a:solidFill>
           </a:ln>
@@ -4546,7 +4478,7 @@
     </p:spTree>
     <p:extLst>
       <p:ext uri="{BB962C8B-B14F-4D97-AF65-F5344CB8AC3E}">
-        <p14:creationId xmlns:p14="http://schemas.microsoft.com/office/powerpoint/2010/main" val="4195732437"/>
+        <p14:creationId xmlns:p14="http://schemas.microsoft.com/office/powerpoint/2010/main" val="1783852160"/>
       </p:ext>
     </p:extLst>
   </p:cSld>
@@ -4556,83 +4488,7 @@
   <p:timing>
     <p:tnLst>
       <p:par>
-        <p:cTn id="1" dur="indefinite" restart="never" nodeType="tmRoot">
-          <p:childTnLst>
-            <p:seq concurrent="1" nextAc="seek">
-              <p:cTn id="2" dur="indefinite" nodeType="mainSeq">
-                <p:childTnLst>
-                  <p:par>
-                    <p:cTn id="3" fill="hold">
-                      <p:stCondLst>
-                        <p:cond delay="indefinite"/>
-                      </p:stCondLst>
-                      <p:childTnLst>
-                        <p:par>
-                          <p:cTn id="4" fill="hold">
-                            <p:stCondLst>
-                              <p:cond delay="0"/>
-                            </p:stCondLst>
-                            <p:childTnLst>
-                              <p:par>
-                                <p:cTn id="5" presetID="10" presetClass="entr" presetSubtype="0" fill="hold" nodeType="clickEffect">
-                                  <p:stCondLst>
-                                    <p:cond delay="0"/>
-                                  </p:stCondLst>
-                                  <p:childTnLst>
-                                    <p:set>
-                                      <p:cBhvr>
-                                        <p:cTn id="6" dur="1" fill="hold">
-                                          <p:stCondLst>
-                                            <p:cond delay="0"/>
-                                          </p:stCondLst>
-                                        </p:cTn>
-                                        <p:tgtEl>
-                                          <p:spTgt spid="8"/>
-                                        </p:tgtEl>
-                                        <p:attrNameLst>
-                                          <p:attrName>style.visibility</p:attrName>
-                                        </p:attrNameLst>
-                                      </p:cBhvr>
-                                      <p:to>
-                                        <p:strVal val="visible"/>
-                                      </p:to>
-                                    </p:set>
-                                    <p:animEffect transition="in" filter="fade">
-                                      <p:cBhvr>
-                                        <p:cTn id="7" dur="500"/>
-                                        <p:tgtEl>
-                                          <p:spTgt spid="8"/>
-                                        </p:tgtEl>
-                                      </p:cBhvr>
-                                    </p:animEffect>
-                                  </p:childTnLst>
-                                </p:cTn>
-                              </p:par>
-                            </p:childTnLst>
-                          </p:cTn>
-                        </p:par>
-                      </p:childTnLst>
-                    </p:cTn>
-                  </p:par>
-                </p:childTnLst>
-              </p:cTn>
-              <p:prevCondLst>
-                <p:cond evt="onPrev" delay="0">
-                  <p:tgtEl>
-                    <p:sldTgt/>
-                  </p:tgtEl>
-                </p:cond>
-              </p:prevCondLst>
-              <p:nextCondLst>
-                <p:cond evt="onNext" delay="0">
-                  <p:tgtEl>
-                    <p:sldTgt/>
-                  </p:tgtEl>
-                </p:cond>
-              </p:nextCondLst>
-            </p:seq>
-          </p:childTnLst>
-        </p:cTn>
+        <p:cTn id="1" dur="indefinite" restart="never" nodeType="tmRoot"/>
       </p:par>
     </p:tnLst>
   </p:timing>
@@ -4680,20 +4536,8 @@
           <a:p>
             <a:pPr algn="ctr"/>
             <a:r>
-              <a:rPr lang="en-US" altLang="ko-KR" sz="2800" dirty="0"/>
-              <a:t>c</a:t>
-            </a:r>
-            <a:r>
-              <a:rPr lang="en-US" altLang="ko-KR" sz="2800" dirty="0" smtClean="0"/>
-              <a:t>lass </a:t>
-            </a:r>
-            <a:r>
-              <a:rPr lang="ko-KR" altLang="en-US" sz="2800" dirty="0" err="1" smtClean="0"/>
-              <a:t>선택자를</a:t>
-            </a:r>
-            <a:r>
               <a:rPr lang="ko-KR" altLang="en-US" sz="2800" dirty="0" smtClean="0"/>
-              <a:t> 이용한 표 스타일</a:t>
+              <a:t>색상에 불투명도 넣기</a:t>
             </a:r>
             <a:endParaRPr lang="ko-KR" altLang="en-US" sz="2800" dirty="0"/>
           </a:p>
@@ -4717,225 +4561,6 @@
             <a:fld id="{1BDE3FE7-3AEA-4B05-AC5A-802D1816ACF0}" type="slidenum">
               <a:rPr lang="ko-KR" altLang="en-US" smtClean="0"/>
               <a:t>11</a:t>
-            </a:fld>
-            <a:endParaRPr lang="ko-KR" altLang="en-US"/>
-          </a:p>
-        </p:txBody>
-      </p:sp>
-      <p:sp>
-        <p:nvSpPr>
-          <p:cNvPr id="10" name="TextBox 9"/>
-          <p:cNvSpPr txBox="1"/>
-          <p:nvPr/>
-        </p:nvSpPr>
-        <p:spPr>
-          <a:xfrm>
-            <a:off x="1136576" y="1264985"/>
-            <a:ext cx="4104456" cy="507831"/>
-          </a:xfrm>
-          <a:prstGeom prst="rect">
-            <a:avLst/>
-          </a:prstGeom>
-          <a:noFill/>
-        </p:spPr>
-        <p:txBody>
-          <a:bodyPr wrap="square" rtlCol="0">
-            <a:spAutoFit/>
-          </a:bodyPr>
-          <a:lstStyle/>
-          <a:p>
-            <a:pPr marL="285750" indent="-285750">
-              <a:lnSpc>
-                <a:spcPct val="150000"/>
-              </a:lnSpc>
-              <a:buFont typeface="Wingdings" panose="05000000000000000000" pitchFamily="2" charset="2"/>
-              <a:buChar char="§"/>
-            </a:pPr>
-            <a:r>
-              <a:rPr lang="en-US" altLang="ko-KR" b="1" dirty="0" smtClean="0">
-                <a:solidFill>
-                  <a:srgbClr val="C00000"/>
-                </a:solidFill>
-              </a:rPr>
-              <a:t>vertical-align </a:t>
-            </a:r>
-            <a:r>
-              <a:rPr lang="ko-KR" altLang="en-US" b="1" dirty="0">
-                <a:solidFill>
-                  <a:srgbClr val="C00000"/>
-                </a:solidFill>
-              </a:rPr>
-              <a:t>속성</a:t>
-            </a:r>
-            <a:r>
-              <a:rPr lang="ko-KR" altLang="en-US" b="1" dirty="0"/>
-              <a:t> </a:t>
-            </a:r>
-            <a:r>
-              <a:rPr lang="en-US" altLang="ko-KR" b="1" dirty="0"/>
-              <a:t>– </a:t>
-            </a:r>
-            <a:r>
-              <a:rPr lang="ko-KR" altLang="en-US" b="1" dirty="0" smtClean="0"/>
-              <a:t>수직 정렬</a:t>
-            </a:r>
-            <a:endParaRPr lang="en-US" altLang="ko-KR" b="1" dirty="0"/>
-          </a:p>
-        </p:txBody>
-      </p:sp>
-      <p:pic>
-        <p:nvPicPr>
-          <p:cNvPr id="3" name="그림 2"/>
-          <p:cNvPicPr>
-            <a:picLocks noChangeAspect="1"/>
-          </p:cNvPicPr>
-          <p:nvPr/>
-        </p:nvPicPr>
-        <p:blipFill>
-          <a:blip r:embed="rId2">
-            <a:extLst>
-              <a:ext uri="{28A0092B-C50C-407E-A947-70E740481C1C}">
-                <a14:useLocalDpi xmlns:a14="http://schemas.microsoft.com/office/drawing/2010/main" val="0"/>
-              </a:ext>
-            </a:extLst>
-          </a:blip>
-          <a:stretch>
-            <a:fillRect/>
-          </a:stretch>
-        </p:blipFill>
-        <p:spPr>
-          <a:xfrm>
-            <a:off x="1424608" y="1980383"/>
-            <a:ext cx="3024336" cy="2706394"/>
-          </a:xfrm>
-          <a:prstGeom prst="rect">
-            <a:avLst/>
-          </a:prstGeom>
-        </p:spPr>
-      </p:pic>
-      <p:pic>
-        <p:nvPicPr>
-          <p:cNvPr id="5" name="그림 4"/>
-          <p:cNvPicPr>
-            <a:picLocks noChangeAspect="1"/>
-          </p:cNvPicPr>
-          <p:nvPr/>
-        </p:nvPicPr>
-        <p:blipFill rotWithShape="1">
-          <a:blip r:embed="rId3">
-            <a:extLst>
-              <a:ext uri="{28A0092B-C50C-407E-A947-70E740481C1C}">
-                <a14:useLocalDpi xmlns:a14="http://schemas.microsoft.com/office/drawing/2010/main" val="0"/>
-              </a:ext>
-            </a:extLst>
-          </a:blip>
-          <a:srcRect t="6817" b="2825"/>
-          <a:stretch/>
-        </p:blipFill>
-        <p:spPr>
-          <a:xfrm>
-            <a:off x="5097016" y="1819118"/>
-            <a:ext cx="3997968" cy="4618737"/>
-          </a:xfrm>
-          <a:prstGeom prst="rect">
-            <a:avLst/>
-          </a:prstGeom>
-          <a:ln>
-            <a:solidFill>
-              <a:schemeClr val="accent4">
-                <a:lumMod val="20000"/>
-                <a:lumOff val="80000"/>
-              </a:schemeClr>
-            </a:solidFill>
-          </a:ln>
-        </p:spPr>
-      </p:pic>
-    </p:spTree>
-    <p:extLst>
-      <p:ext uri="{BB962C8B-B14F-4D97-AF65-F5344CB8AC3E}">
-        <p14:creationId xmlns:p14="http://schemas.microsoft.com/office/powerpoint/2010/main" val="1783852160"/>
-      </p:ext>
-    </p:extLst>
-  </p:cSld>
-  <p:clrMapOvr>
-    <a:masterClrMapping/>
-  </p:clrMapOvr>
-  <p:timing>
-    <p:tnLst>
-      <p:par>
-        <p:cTn id="1" dur="indefinite" restart="never" nodeType="tmRoot"/>
-      </p:par>
-    </p:tnLst>
-  </p:timing>
-</p:sld>
-</file>
-
-<file path=ppt/slides/slide12.xml><?xml version="1.0" encoding="utf-8"?>
-<p:sld xmlns:a="http://schemas.openxmlformats.org/drawingml/2006/main" xmlns:r="http://schemas.openxmlformats.org/officeDocument/2006/relationships" xmlns:p="http://schemas.openxmlformats.org/presentationml/2006/main">
-  <p:cSld>
-    <p:spTree>
-      <p:nvGrpSpPr>
-        <p:cNvPr id="1" name=""/>
-        <p:cNvGrpSpPr/>
-        <p:nvPr/>
-      </p:nvGrpSpPr>
-      <p:grpSpPr>
-        <a:xfrm>
-          <a:off x="0" y="0"/>
-          <a:ext cx="0" cy="0"/>
-          <a:chOff x="0" y="0"/>
-          <a:chExt cx="0" cy="0"/>
-        </a:xfrm>
-      </p:grpSpPr>
-      <p:sp>
-        <p:nvSpPr>
-          <p:cNvPr id="2" name="제목 1"/>
-          <p:cNvSpPr>
-            <a:spLocks noGrp="1"/>
-          </p:cNvSpPr>
-          <p:nvPr>
-            <p:ph type="title"/>
-          </p:nvPr>
-        </p:nvSpPr>
-        <p:spPr>
-          <a:xfrm>
-            <a:off x="416497" y="197768"/>
-            <a:ext cx="6412780" cy="854968"/>
-          </a:xfrm>
-        </p:spPr>
-        <p:txBody>
-          <a:bodyPr>
-            <a:noAutofit/>
-          </a:bodyPr>
-          <a:lstStyle/>
-          <a:p>
-            <a:pPr algn="ctr"/>
-            <a:r>
-              <a:rPr lang="ko-KR" altLang="en-US" sz="2800" dirty="0" smtClean="0"/>
-              <a:t>색상에 불투명도 넣기</a:t>
-            </a:r>
-            <a:endParaRPr lang="ko-KR" altLang="en-US" sz="2800" dirty="0"/>
-          </a:p>
-        </p:txBody>
-      </p:sp>
-      <p:sp>
-        <p:nvSpPr>
-          <p:cNvPr id="4" name="슬라이드 번호 개체 틀 3"/>
-          <p:cNvSpPr>
-            <a:spLocks noGrp="1"/>
-          </p:cNvSpPr>
-          <p:nvPr>
-            <p:ph type="sldNum" sz="quarter" idx="12"/>
-          </p:nvPr>
-        </p:nvSpPr>
-        <p:spPr/>
-        <p:txBody>
-          <a:bodyPr/>
-          <a:lstStyle/>
-          <a:p>
-            <a:fld id="{1BDE3FE7-3AEA-4B05-AC5A-802D1816ACF0}" type="slidenum">
-              <a:rPr lang="ko-KR" altLang="en-US" smtClean="0"/>
-              <a:t>12</a:t>
             </a:fld>
             <a:endParaRPr lang="ko-KR" altLang="en-US"/>
           </a:p>
@@ -5513,7 +5138,7 @@
 </p:sld>
 </file>
 
-<file path=ppt/slides/slide13.xml><?xml version="1.0" encoding="utf-8"?>
+<file path=ppt/slides/slide12.xml><?xml version="1.0" encoding="utf-8"?>
 <p:sld xmlns:a="http://schemas.openxmlformats.org/drawingml/2006/main" xmlns:r="http://schemas.openxmlformats.org/officeDocument/2006/relationships" xmlns:p="http://schemas.openxmlformats.org/presentationml/2006/main">
   <p:cSld>
     <p:spTree>
@@ -5578,7 +5203,7 @@
           <a:p>
             <a:fld id="{1BDE3FE7-3AEA-4B05-AC5A-802D1816ACF0}" type="slidenum">
               <a:rPr lang="ko-KR" altLang="en-US" smtClean="0"/>
-              <a:t>13</a:t>
+              <a:t>12</a:t>
             </a:fld>
             <a:endParaRPr lang="ko-KR" altLang="en-US"/>
           </a:p>
@@ -5832,6 +5457,361 @@
     <p:extLst>
       <p:ext uri="{BB962C8B-B14F-4D97-AF65-F5344CB8AC3E}">
         <p14:creationId xmlns:p14="http://schemas.microsoft.com/office/powerpoint/2010/main" val="3096877979"/>
+      </p:ext>
+    </p:extLst>
+  </p:cSld>
+  <p:clrMapOvr>
+    <a:masterClrMapping/>
+  </p:clrMapOvr>
+  <p:timing>
+    <p:tnLst>
+      <p:par>
+        <p:cTn id="1" dur="indefinite" restart="never" nodeType="tmRoot"/>
+      </p:par>
+    </p:tnLst>
+  </p:timing>
+</p:sld>
+</file>
+
+<file path=ppt/slides/slide13.xml><?xml version="1.0" encoding="utf-8"?>
+<p:sld xmlns:a="http://schemas.openxmlformats.org/drawingml/2006/main" xmlns:r="http://schemas.openxmlformats.org/officeDocument/2006/relationships" xmlns:p="http://schemas.openxmlformats.org/presentationml/2006/main">
+  <p:cSld>
+    <p:spTree>
+      <p:nvGrpSpPr>
+        <p:cNvPr id="1" name=""/>
+        <p:cNvGrpSpPr/>
+        <p:nvPr/>
+      </p:nvGrpSpPr>
+      <p:grpSpPr>
+        <a:xfrm>
+          <a:off x="0" y="0"/>
+          <a:ext cx="0" cy="0"/>
+          <a:chOff x="0" y="0"/>
+          <a:chExt cx="0" cy="0"/>
+        </a:xfrm>
+      </p:grpSpPr>
+      <p:sp>
+        <p:nvSpPr>
+          <p:cNvPr id="2" name="제목 1"/>
+          <p:cNvSpPr>
+            <a:spLocks noGrp="1"/>
+          </p:cNvSpPr>
+          <p:nvPr>
+            <p:ph type="title"/>
+          </p:nvPr>
+        </p:nvSpPr>
+        <p:spPr>
+          <a:xfrm>
+            <a:off x="416497" y="197768"/>
+            <a:ext cx="6412780" cy="854968"/>
+          </a:xfrm>
+        </p:spPr>
+        <p:txBody>
+          <a:bodyPr>
+            <a:noAutofit/>
+          </a:bodyPr>
+          <a:lstStyle/>
+          <a:p>
+            <a:pPr algn="ctr"/>
+            <a:r>
+              <a:rPr lang="ko-KR" altLang="en-US" sz="2800" dirty="0" smtClean="0"/>
+              <a:t>실습 문제</a:t>
+            </a:r>
+            <a:endParaRPr lang="ko-KR" altLang="en-US" sz="2800" dirty="0"/>
+          </a:p>
+        </p:txBody>
+      </p:sp>
+      <p:sp>
+        <p:nvSpPr>
+          <p:cNvPr id="4" name="슬라이드 번호 개체 틀 3"/>
+          <p:cNvSpPr>
+            <a:spLocks noGrp="1"/>
+          </p:cNvSpPr>
+          <p:nvPr>
+            <p:ph type="sldNum" sz="quarter" idx="12"/>
+          </p:nvPr>
+        </p:nvSpPr>
+        <p:spPr/>
+        <p:txBody>
+          <a:bodyPr/>
+          <a:lstStyle/>
+          <a:p>
+            <a:fld id="{1BDE3FE7-3AEA-4B05-AC5A-802D1816ACF0}" type="slidenum">
+              <a:rPr lang="ko-KR" altLang="en-US" smtClean="0"/>
+              <a:t>13</a:t>
+            </a:fld>
+            <a:endParaRPr lang="ko-KR" altLang="en-US"/>
+          </a:p>
+        </p:txBody>
+      </p:sp>
+      <p:sp>
+        <p:nvSpPr>
+          <p:cNvPr id="14" name="직사각형 13"/>
+          <p:cNvSpPr/>
+          <p:nvPr/>
+        </p:nvSpPr>
+        <p:spPr>
+          <a:xfrm>
+            <a:off x="975403" y="1124744"/>
+            <a:ext cx="7433981" cy="923330"/>
+          </a:xfrm>
+          <a:prstGeom prst="rect">
+            <a:avLst/>
+          </a:prstGeom>
+        </p:spPr>
+        <p:txBody>
+          <a:bodyPr wrap="square">
+            <a:spAutoFit/>
+          </a:bodyPr>
+          <a:lstStyle/>
+          <a:p>
+            <a:r>
+              <a:rPr lang="en-US" altLang="ko-KR" dirty="0" smtClean="0"/>
+              <a:t>----------------------------------------------------------------------</a:t>
+            </a:r>
+            <a:r>
+              <a:rPr lang="ko-KR" altLang="en-US" dirty="0" smtClean="0"/>
+              <a:t> </a:t>
+            </a:r>
+            <a:endParaRPr lang="en-US" altLang="ko-KR" dirty="0" smtClean="0"/>
+          </a:p>
+          <a:p>
+            <a:r>
+              <a:rPr lang="ko-KR" altLang="en-US" dirty="0"/>
+              <a:t> </a:t>
+            </a:r>
+            <a:r>
+              <a:rPr lang="ko-KR" altLang="en-US" dirty="0" smtClean="0"/>
+              <a:t> </a:t>
+            </a:r>
+            <a:r>
+              <a:rPr lang="ko-KR" altLang="en-US" sz="1600" dirty="0" smtClean="0"/>
+              <a:t>아래의 조건을 적용한 </a:t>
+            </a:r>
+            <a:r>
+              <a:rPr lang="en-US" altLang="ko-KR" sz="1600" dirty="0" smtClean="0"/>
+              <a:t>web_design.html </a:t>
+            </a:r>
+            <a:r>
+              <a:rPr lang="ko-KR" altLang="en-US" sz="1600" dirty="0" smtClean="0"/>
+              <a:t>문서를 만들어 보세요</a:t>
+            </a:r>
+            <a:endParaRPr lang="en-US" altLang="ko-KR" dirty="0" smtClean="0"/>
+          </a:p>
+          <a:p>
+            <a:r>
+              <a:rPr lang="en-US" altLang="ko-KR" dirty="0" smtClean="0"/>
+              <a:t>----------------------------------------------------------------------</a:t>
+            </a:r>
+            <a:endParaRPr lang="ko-KR" altLang="en-US" dirty="0"/>
+          </a:p>
+        </p:txBody>
+      </p:sp>
+      <p:sp>
+        <p:nvSpPr>
+          <p:cNvPr id="5" name="TextBox 4"/>
+          <p:cNvSpPr txBox="1"/>
+          <p:nvPr/>
+        </p:nvSpPr>
+        <p:spPr>
+          <a:xfrm>
+            <a:off x="1436918" y="4739660"/>
+            <a:ext cx="7188490" cy="1569660"/>
+          </a:xfrm>
+          <a:prstGeom prst="rect">
+            <a:avLst/>
+          </a:prstGeom>
+          <a:noFill/>
+          <a:ln>
+            <a:solidFill>
+              <a:schemeClr val="bg1">
+                <a:lumMod val="85000"/>
+              </a:schemeClr>
+            </a:solidFill>
+          </a:ln>
+        </p:spPr>
+        <p:txBody>
+          <a:bodyPr wrap="square" rtlCol="0">
+            <a:spAutoFit/>
+          </a:bodyPr>
+          <a:lstStyle/>
+          <a:p>
+            <a:pPr marL="342900" indent="-342900">
+              <a:lnSpc>
+                <a:spcPct val="150000"/>
+              </a:lnSpc>
+              <a:buFont typeface="+mj-ea"/>
+              <a:buAutoNum type="circleNumDbPlain"/>
+            </a:pPr>
+            <a:r>
+              <a:rPr lang="ko-KR" altLang="en-US" sz="1600" dirty="0" smtClean="0"/>
+              <a:t>순서 없는 목록의 </a:t>
+            </a:r>
+            <a:r>
+              <a:rPr lang="ko-KR" altLang="en-US" sz="1600" dirty="0" err="1" smtClean="0"/>
+              <a:t>불릿을</a:t>
+            </a:r>
+            <a:r>
+              <a:rPr lang="ko-KR" altLang="en-US" sz="1600" dirty="0" smtClean="0"/>
+              <a:t> 없앱니다</a:t>
+            </a:r>
+            <a:r>
+              <a:rPr lang="en-US" altLang="ko-KR" sz="1600" dirty="0" smtClean="0"/>
+              <a:t>.</a:t>
+            </a:r>
+          </a:p>
+          <a:p>
+            <a:pPr marL="342900" indent="-342900">
+              <a:lnSpc>
+                <a:spcPct val="150000"/>
+              </a:lnSpc>
+              <a:buFont typeface="+mj-ea"/>
+              <a:buAutoNum type="circleNumDbPlain"/>
+            </a:pPr>
+            <a:r>
+              <a:rPr lang="ko-KR" altLang="en-US" sz="1600" dirty="0" smtClean="0"/>
+              <a:t>각 항목의 </a:t>
+            </a:r>
+            <a:r>
+              <a:rPr lang="ko-KR" altLang="en-US" sz="1600" dirty="0" err="1" smtClean="0"/>
+              <a:t>줄간격을</a:t>
+            </a:r>
+            <a:r>
+              <a:rPr lang="ko-KR" altLang="en-US" sz="1600" dirty="0" smtClean="0"/>
+              <a:t> 글자 크기의 </a:t>
+            </a:r>
+            <a:r>
+              <a:rPr lang="en-US" altLang="ko-KR" sz="1600" dirty="0" smtClean="0"/>
+              <a:t>2</a:t>
+            </a:r>
+            <a:r>
+              <a:rPr lang="ko-KR" altLang="en-US" sz="1600" dirty="0" smtClean="0"/>
+              <a:t>배로 지정합니다</a:t>
+            </a:r>
+            <a:r>
+              <a:rPr lang="en-US" altLang="ko-KR" sz="1600" dirty="0" smtClean="0"/>
+              <a:t>.</a:t>
+            </a:r>
+          </a:p>
+          <a:p>
+            <a:pPr marL="342900" indent="-342900">
+              <a:lnSpc>
+                <a:spcPct val="150000"/>
+              </a:lnSpc>
+              <a:buFont typeface="+mj-ea"/>
+              <a:buAutoNum type="circleNumDbPlain"/>
+            </a:pPr>
+            <a:r>
+              <a:rPr lang="ko-KR" altLang="en-US" sz="1600" dirty="0" smtClean="0"/>
+              <a:t>각 항목에서 진하게 표시된 부분의 </a:t>
+            </a:r>
+            <a:r>
+              <a:rPr lang="ko-KR" altLang="en-US" sz="1600" dirty="0" err="1" smtClean="0"/>
+              <a:t>글자색을</a:t>
+            </a:r>
+            <a:r>
+              <a:rPr lang="ko-KR" altLang="en-US" sz="1600" dirty="0" smtClean="0"/>
+              <a:t> </a:t>
+            </a:r>
+            <a:r>
+              <a:rPr lang="en-US" altLang="ko-KR" sz="1600" dirty="0" smtClean="0"/>
+              <a:t>#ad3000</a:t>
+            </a:r>
+            <a:r>
+              <a:rPr lang="ko-KR" altLang="en-US" sz="1600" dirty="0" smtClean="0"/>
+              <a:t>으로 수정합니다</a:t>
+            </a:r>
+            <a:r>
+              <a:rPr lang="en-US" altLang="ko-KR" sz="1600" dirty="0" smtClean="0"/>
+              <a:t>.</a:t>
+            </a:r>
+          </a:p>
+          <a:p>
+            <a:pPr>
+              <a:lnSpc>
+                <a:spcPct val="150000"/>
+              </a:lnSpc>
+            </a:pPr>
+            <a:r>
+              <a:rPr lang="en-US" altLang="ko-KR" sz="1600" dirty="0"/>
+              <a:t> </a:t>
+            </a:r>
+            <a:r>
+              <a:rPr lang="en-US" altLang="ko-KR" sz="1600" dirty="0" smtClean="0"/>
+              <a:t>    (</a:t>
+            </a:r>
+            <a:r>
+              <a:rPr lang="ko-KR" altLang="en-US" sz="1600" dirty="0" err="1" smtClean="0"/>
+              <a:t>선택자는</a:t>
+            </a:r>
+            <a:r>
+              <a:rPr lang="ko-KR" altLang="en-US" sz="1600" dirty="0" smtClean="0"/>
+              <a:t> </a:t>
+            </a:r>
+            <a:r>
+              <a:rPr lang="en-US" altLang="ko-KR" sz="1600" dirty="0" smtClean="0"/>
+              <a:t>class, </a:t>
+            </a:r>
+            <a:r>
+              <a:rPr lang="ko-KR" altLang="en-US" sz="1600" dirty="0" smtClean="0"/>
+              <a:t>이름은 </a:t>
+            </a:r>
+            <a:r>
+              <a:rPr lang="en-US" altLang="ko-KR" sz="1600" dirty="0" smtClean="0"/>
+              <a:t>subject</a:t>
+            </a:r>
+            <a:r>
+              <a:rPr lang="ko-KR" altLang="en-US" sz="1600" dirty="0" smtClean="0"/>
+              <a:t>를 사용</a:t>
+            </a:r>
+            <a:r>
+              <a:rPr lang="en-US" altLang="ko-KR" sz="1600" dirty="0" smtClean="0"/>
+              <a:t>)</a:t>
+            </a:r>
+          </a:p>
+        </p:txBody>
+      </p:sp>
+      <p:pic>
+        <p:nvPicPr>
+          <p:cNvPr id="3" name="그림 2"/>
+          <p:cNvPicPr>
+            <a:picLocks noChangeAspect="1"/>
+          </p:cNvPicPr>
+          <p:nvPr/>
+        </p:nvPicPr>
+        <p:blipFill>
+          <a:blip r:embed="rId2">
+            <a:extLst>
+              <a:ext uri="{28A0092B-C50C-407E-A947-70E740481C1C}">
+                <a14:useLocalDpi xmlns:a14="http://schemas.microsoft.com/office/drawing/2010/main" val="0"/>
+              </a:ext>
+            </a:extLst>
+          </a:blip>
+          <a:stretch>
+            <a:fillRect/>
+          </a:stretch>
+        </p:blipFill>
+        <p:spPr>
+          <a:xfrm>
+            <a:off x="1856656" y="2012460"/>
+            <a:ext cx="4324332" cy="2568223"/>
+          </a:xfrm>
+          <a:prstGeom prst="rect">
+            <a:avLst/>
+          </a:prstGeom>
+          <a:ln>
+            <a:solidFill>
+              <a:schemeClr val="bg1">
+                <a:lumMod val="85000"/>
+              </a:schemeClr>
+            </a:solidFill>
+          </a:ln>
+        </p:spPr>
+      </p:pic>
+    </p:spTree>
+    <p:extLst>
+      <p:ext uri="{BB962C8B-B14F-4D97-AF65-F5344CB8AC3E}">
+        <p14:creationId xmlns:p14="http://schemas.microsoft.com/office/powerpoint/2010/main" val="3705905996"/>
       </p:ext>
     </p:extLst>
   </p:cSld>
@@ -5889,10 +5869,46 @@
           <a:p>
             <a:pPr algn="ctr"/>
             <a:r>
-              <a:rPr lang="ko-KR" altLang="en-US" sz="2800" dirty="0" smtClean="0"/>
-              <a:t>실습 문제</a:t>
-            </a:r>
-            <a:endParaRPr lang="ko-KR" altLang="en-US" sz="2800" dirty="0"/>
+              <a:rPr lang="en-US" altLang="ko-KR" sz="2800" dirty="0" smtClean="0"/>
+              <a:t> </a:t>
+            </a:r>
+            <a:r>
+              <a:rPr lang="ko-KR" altLang="en-US" sz="2400" b="1" dirty="0">
+                <a:solidFill>
+                  <a:schemeClr val="tx1"/>
+                </a:solidFill>
+              </a:rPr>
+              <a:t>한 페이지 안에서 이동하는 </a:t>
+            </a:r>
+            <a:r>
+              <a:rPr lang="ko-KR" altLang="en-US" sz="2400" b="1" dirty="0" err="1" smtClean="0">
+                <a:solidFill>
+                  <a:schemeClr val="tx1"/>
+                </a:solidFill>
+              </a:rPr>
+              <a:t>앵커만</a:t>
+            </a:r>
+            <a:r>
+              <a:rPr lang="ko-KR" altLang="en-US" sz="2400" dirty="0" err="1" smtClean="0">
+                <a:solidFill>
+                  <a:schemeClr val="tx1"/>
+                </a:solidFill>
+              </a:rPr>
+              <a:t>들</a:t>
+            </a:r>
+            <a:r>
+              <a:rPr lang="ko-KR" altLang="en-US" sz="2400" dirty="0" err="1">
+                <a:solidFill>
+                  <a:schemeClr val="tx1"/>
+                </a:solidFill>
+              </a:rPr>
+              <a:t>기</a:t>
+            </a:r>
+            <a:endParaRPr lang="ko-KR" altLang="en-US" sz="2800" dirty="0">
+              <a:solidFill>
+                <a:schemeClr val="tx1"/>
+              </a:solidFill>
+            </a:endParaRPr>
           </a:p>
         </p:txBody>
       </p:sp>
@@ -5921,89 +5937,19 @@
       </p:sp>
       <p:sp>
         <p:nvSpPr>
-          <p:cNvPr id="14" name="직사각형 13"/>
-          <p:cNvSpPr/>
-          <p:nvPr/>
-        </p:nvSpPr>
-        <p:spPr>
-          <a:xfrm>
-            <a:off x="975403" y="1124744"/>
-            <a:ext cx="7433981" cy="923330"/>
-          </a:xfrm>
-          <a:prstGeom prst="rect">
-            <a:avLst/>
-          </a:prstGeom>
-        </p:spPr>
-        <p:txBody>
-          <a:bodyPr wrap="square">
-            <a:spAutoFit/>
-          </a:bodyPr>
-          <a:lstStyle/>
-          <a:p>
-            <a:r>
-              <a:rPr lang="en-US" altLang="ko-KR" dirty="0" smtClean="0"/>
-              <a:t>----------------------------------------------------------------------</a:t>
-            </a:r>
-            <a:r>
-              <a:rPr lang="ko-KR" altLang="en-US" dirty="0" smtClean="0"/>
-              <a:t> </a:t>
-            </a:r>
-            <a:endParaRPr lang="en-US" altLang="ko-KR" dirty="0" smtClean="0"/>
-          </a:p>
-          <a:p>
-            <a:r>
-              <a:rPr lang="ko-KR" altLang="en-US" dirty="0"/>
-              <a:t> </a:t>
-            </a:r>
-            <a:r>
-              <a:rPr lang="ko-KR" altLang="en-US" dirty="0" smtClean="0"/>
-              <a:t> </a:t>
-            </a:r>
-            <a:r>
-              <a:rPr lang="ko-KR" altLang="en-US" sz="1600" dirty="0" smtClean="0"/>
-              <a:t>아래의 조건을 적용한 </a:t>
-            </a:r>
-            <a:r>
-              <a:rPr lang="en-US" altLang="ko-KR" sz="1600" dirty="0" smtClean="0"/>
-              <a:t>web_design.html </a:t>
-            </a:r>
-            <a:r>
-              <a:rPr lang="ko-KR" altLang="en-US" sz="1600" dirty="0" smtClean="0"/>
-              <a:t>문서를 만들어 보세요</a:t>
-            </a:r>
-            <a:endParaRPr lang="en-US" altLang="ko-KR" dirty="0" smtClean="0"/>
-          </a:p>
-          <a:p>
-            <a:r>
-              <a:rPr lang="en-US" altLang="ko-KR" dirty="0" smtClean="0"/>
-              <a:t>----------------------------------------------------------------------</a:t>
-            </a:r>
-            <a:endParaRPr lang="ko-KR" altLang="en-US" dirty="0"/>
-          </a:p>
-        </p:txBody>
-      </p:sp>
-      <p:sp>
-        <p:nvSpPr>
-          <p:cNvPr id="5" name="TextBox 4"/>
+          <p:cNvPr id="9" name="TextBox 8"/>
           <p:cNvSpPr txBox="1"/>
           <p:nvPr/>
         </p:nvSpPr>
         <p:spPr>
           <a:xfrm>
-            <a:off x="1436918" y="4739660"/>
-            <a:ext cx="7188490" cy="1569660"/>
+            <a:off x="704528" y="1155809"/>
+            <a:ext cx="8568952" cy="1985159"/>
           </a:xfrm>
           <a:prstGeom prst="rect">
             <a:avLst/>
           </a:prstGeom>
           <a:noFill/>
-          <a:ln>
-            <a:solidFill>
-              <a:schemeClr val="bg1">
-                <a:lumMod val="85000"/>
-              </a:schemeClr>
-            </a:solidFill>
-          </a:ln>
         </p:spPr>
         <p:txBody>
           <a:bodyPr wrap="square" rtlCol="0">
@@ -6011,144 +5957,183 @@
           </a:bodyPr>
           <a:lstStyle/>
           <a:p>
-            <a:pPr marL="342900" indent="-342900">
+            <a:pPr marL="285750" indent="-285750">
               <a:lnSpc>
                 <a:spcPct val="150000"/>
               </a:lnSpc>
-              <a:buFont typeface="+mj-ea"/>
-              <a:buAutoNum type="circleNumDbPlain"/>
+              <a:buFont typeface="Wingdings" panose="05000000000000000000" pitchFamily="2" charset="2"/>
+              <a:buChar char="Ø"/>
             </a:pPr>
             <a:r>
-              <a:rPr lang="ko-KR" altLang="en-US" sz="1600" dirty="0" smtClean="0"/>
-              <a:t>순서 없는 목록의 </a:t>
-            </a:r>
-            <a:r>
-              <a:rPr lang="ko-KR" altLang="en-US" sz="1600" dirty="0" err="1" smtClean="0"/>
-              <a:t>불릿을</a:t>
-            </a:r>
-            <a:r>
-              <a:rPr lang="ko-KR" altLang="en-US" sz="1600" dirty="0" smtClean="0"/>
-              <a:t> 없앱니다</a:t>
-            </a:r>
-            <a:r>
-              <a:rPr lang="en-US" altLang="ko-KR" sz="1600" dirty="0" smtClean="0"/>
-              <a:t>.</a:t>
-            </a:r>
-          </a:p>
-          <a:p>
-            <a:pPr marL="342900" indent="-342900">
+              <a:rPr lang="ko-KR" altLang="en-US" b="1" dirty="0" smtClean="0">
+                <a:solidFill>
+                  <a:srgbClr val="C00000"/>
+                </a:solidFill>
+              </a:rPr>
+              <a:t>한 페이지 안에서 이</a:t>
+            </a:r>
+            <a:r>
+              <a:rPr lang="ko-KR" altLang="en-US" b="1" dirty="0">
+                <a:solidFill>
+                  <a:srgbClr val="C00000"/>
+                </a:solidFill>
+              </a:rPr>
+              <a:t>동</a:t>
+            </a:r>
+            <a:r>
+              <a:rPr lang="ko-KR" altLang="en-US" b="1" dirty="0" smtClean="0">
+                <a:solidFill>
+                  <a:srgbClr val="C00000"/>
+                </a:solidFill>
+              </a:rPr>
+              <a:t>하는 </a:t>
+            </a:r>
+            <a:r>
+              <a:rPr lang="ko-KR" altLang="en-US" b="1" dirty="0" err="1" smtClean="0">
+                <a:solidFill>
+                  <a:srgbClr val="C00000"/>
+                </a:solidFill>
+              </a:rPr>
+              <a:t>앵커만들기</a:t>
+            </a:r>
+            <a:endParaRPr lang="en-US" altLang="ko-KR" b="1" dirty="0" smtClean="0">
+              <a:solidFill>
+                <a:srgbClr val="C00000"/>
+              </a:solidFill>
+            </a:endParaRPr>
+          </a:p>
+          <a:p>
+            <a:pPr marL="742950" lvl="1" indent="-285750">
               <a:lnSpc>
                 <a:spcPct val="150000"/>
               </a:lnSpc>
-              <a:buFont typeface="+mj-ea"/>
-              <a:buAutoNum type="circleNumDbPlain"/>
+              <a:buFont typeface="Arial" panose="020B0604020202020204" pitchFamily="34" charset="0"/>
+              <a:buChar char="•"/>
             </a:pPr>
             <a:r>
               <a:rPr lang="ko-KR" altLang="en-US" sz="1600" dirty="0" smtClean="0"/>
-              <a:t>각 항목의 </a:t>
-            </a:r>
-            <a:r>
-              <a:rPr lang="ko-KR" altLang="en-US" sz="1600" dirty="0" err="1" smtClean="0"/>
-              <a:t>줄간격을</a:t>
+              <a:t>앵커를 사용하려면 우선 이동하고 싶은 위치마다 고유 </a:t>
+            </a:r>
+            <a:r>
+              <a:rPr lang="en-US" altLang="ko-KR" sz="1600" dirty="0" smtClean="0"/>
+              <a:t>id</a:t>
             </a:r>
             <a:r>
               <a:rPr lang="ko-KR" altLang="en-US" sz="1600" dirty="0" smtClean="0"/>
-              <a:t> 글자 크기의 </a:t>
-            </a:r>
-            <a:r>
-              <a:rPr lang="en-US" altLang="ko-KR" sz="1600" dirty="0" smtClean="0"/>
-              <a:t>2</a:t>
-            </a:r>
-            <a:r>
-              <a:rPr lang="ko-KR" altLang="en-US" sz="1600" dirty="0" smtClean="0"/>
-              <a:t>배로 지정합니다</a:t>
-            </a:r>
-            <a:r>
-              <a:rPr lang="en-US" altLang="ko-KR" sz="1600" dirty="0" smtClean="0"/>
-              <a:t>.</a:t>
-            </a:r>
-          </a:p>
-          <a:p>
-            <a:pPr marL="342900" indent="-342900">
-              <a:lnSpc>
-                <a:spcPct val="150000"/>
-              </a:lnSpc>
-              <a:buFont typeface="+mj-ea"/>
-              <a:buAutoNum type="circleNumDbPlain"/>
-            </a:pPr>
-            <a:r>
-              <a:rPr lang="ko-KR" altLang="en-US" sz="1600" dirty="0" smtClean="0"/>
-              <a:t>각 항목에서 진하게 표시된 부분의 </a:t>
-            </a:r>
-            <a:r>
-              <a:rPr lang="ko-KR" altLang="en-US" sz="1600" dirty="0" err="1" smtClean="0"/>
-              <a:t>글자색을</a:t>
-            </a:r>
-            <a:r>
-              <a:rPr lang="ko-KR" altLang="en-US" sz="1600" dirty="0" smtClean="0"/>
-              <a:t> </a:t>
-            </a:r>
-            <a:r>
-              <a:rPr lang="en-US" altLang="ko-KR" sz="1600" dirty="0" smtClean="0"/>
-              <a:t>#ad3000</a:t>
-            </a:r>
-            <a:r>
-              <a:rPr lang="ko-KR" altLang="en-US" sz="1600" dirty="0" smtClean="0"/>
-              <a:t>으로 수정합니다</a:t>
-            </a:r>
-            <a:r>
-              <a:rPr lang="en-US" altLang="ko-KR" sz="1600" dirty="0" smtClean="0"/>
-              <a:t>.</a:t>
-            </a:r>
-          </a:p>
-          <a:p>
-            <a:pPr>
+              <a:t>를 이용해 앵커를 만들고</a:t>
+            </a:r>
+            <a:endParaRPr lang="en-US" altLang="ko-KR" sz="1600" dirty="0" smtClean="0"/>
+          </a:p>
+          <a:p>
+            <a:pPr lvl="1">
               <a:lnSpc>
                 <a:spcPct val="150000"/>
               </a:lnSpc>
             </a:pPr>
             <a:r>
-              <a:rPr lang="en-US" altLang="ko-KR" sz="1600" dirty="0"/>
-              <a:t> </a:t>
+              <a:rPr lang="ko-KR" altLang="en-US" sz="1600" dirty="0" smtClean="0"/>
+              <a:t>    각각 다른 이름을 지정해야 한다</a:t>
             </a:r>
             <a:r>
               <a:rPr lang="en-US" altLang="ko-KR" sz="1600" dirty="0" smtClean="0"/>
-              <a:t>    (</a:t>
-            </a:r>
-            <a:r>
-              <a:rPr lang="ko-KR" altLang="en-US" sz="1600" dirty="0" err="1" smtClean="0"/>
-              <a:t>선택자는</a:t>
+              <a:t>.</a:t>
+            </a:r>
+          </a:p>
+          <a:p>
+            <a:pPr marL="742950" lvl="1" indent="-285750">
+              <a:lnSpc>
+                <a:spcPct val="150000"/>
+              </a:lnSpc>
+              <a:buFont typeface="Arial" panose="020B0604020202020204" pitchFamily="34" charset="0"/>
+              <a:buChar char="•"/>
+            </a:pPr>
+            <a:r>
+              <a:rPr lang="en-US" altLang="ko-KR" sz="1600" dirty="0" smtClean="0"/>
+              <a:t>&lt;</a:t>
             </a:r>
             <a:r>
               <a:rPr lang="ko-KR" altLang="en-US" sz="1600" dirty="0" smtClean="0"/>
-              <a:t> </a:t>
+              <a:t>태그 </a:t>
+            </a:r>
+            <a:r>
+              <a:rPr lang="en-US" altLang="ko-KR" sz="1600" b="1" dirty="0" smtClean="0"/>
+              <a:t>id=“</a:t>
+            </a:r>
+            <a:r>
+              <a:rPr lang="ko-KR" altLang="en-US" sz="1600" b="1" dirty="0" smtClean="0"/>
+              <a:t>앵커 이름</a:t>
+            </a:r>
+            <a:r>
+              <a:rPr lang="en-US" altLang="ko-KR" sz="1600" b="1" dirty="0" smtClean="0"/>
+              <a:t>“</a:t>
             </a:r>
             <a:r>
               <a:rPr lang="en-US" altLang="ko-KR" sz="1600" dirty="0" smtClean="0"/>
-              <a:t>class, </a:t>
+              <a:t>&gt;</a:t>
             </a:r>
             <a:r>
               <a:rPr lang="ko-KR" altLang="en-US" sz="1600" dirty="0" smtClean="0"/>
-              <a:t>이름은 </a:t>
+              <a:t>텍스트 또는 이미지</a:t>
             </a:r>
             <a:r>
               <a:rPr lang="en-US" altLang="ko-KR" sz="1600" dirty="0" smtClean="0"/>
-              <a:t>subject</a:t>
+              <a:t>&lt;/</a:t>
             </a:r>
             <a:r>
               <a:rPr lang="ko-KR" altLang="en-US" sz="1600" dirty="0" smtClean="0"/>
-              <a:t>를 사용</a:t>
+              <a:t>태그</a:t>
             </a:r>
             <a:r>
               <a:rPr lang="en-US" altLang="ko-KR" sz="1600" dirty="0" smtClean="0"/>
-              <a:t>)</a:t>
+              <a:t>&gt;</a:t>
+            </a:r>
+          </a:p>
+          <a:p>
+            <a:pPr marL="742950" lvl="1" indent="-285750">
+              <a:lnSpc>
+                <a:spcPct val="150000"/>
+              </a:lnSpc>
+              <a:buFont typeface="Arial" panose="020B0604020202020204" pitchFamily="34" charset="0"/>
+              <a:buChar char="•"/>
+            </a:pPr>
+            <a:r>
+              <a:rPr lang="en-US" altLang="ko-KR" sz="1600" dirty="0" smtClean="0"/>
+              <a:t>&lt;a </a:t>
+            </a:r>
+            <a:r>
+              <a:rPr lang="en-US" altLang="ko-KR" sz="1600" dirty="0" err="1" smtClean="0"/>
+              <a:t>href</a:t>
+            </a:r>
+            <a:r>
+              <a:rPr lang="en-US" altLang="ko-KR" sz="1600" dirty="0" smtClean="0"/>
+              <a:t>=“</a:t>
+            </a:r>
+            <a:r>
+              <a:rPr lang="en-US" altLang="ko-KR" sz="1600" b="1" dirty="0" smtClean="0"/>
+              <a:t>#</a:t>
+            </a:r>
+            <a:r>
+              <a:rPr lang="ko-KR" altLang="en-US" sz="1600" b="1" dirty="0" smtClean="0"/>
+              <a:t>앵커이름</a:t>
+            </a:r>
+            <a:r>
+              <a:rPr lang="en-US" altLang="ko-KR" sz="1600" dirty="0" smtClean="0"/>
+              <a:t>”&gt;</a:t>
+            </a:r>
+            <a:r>
+              <a:rPr lang="ko-KR" altLang="en-US" sz="1600" dirty="0" smtClean="0"/>
+              <a:t>텍스트 또는 이미지 </a:t>
+            </a:r>
+            <a:r>
+              <a:rPr lang="en-US" altLang="ko-KR" sz="1600" dirty="0" smtClean="0"/>
+              <a:t>&lt;/a&gt;</a:t>
             </a:r>
           </a:p>
         </p:txBody>
       </p:sp>
       <p:pic>
         <p:nvPicPr>
-          <p:cNvPr id="3" name="그림 2"/>
+          <p:cNvPr id="6" name="그림 5"/>
           <p:cNvPicPr>
             <a:picLocks noChangeAspect="1"/>
           </p:cNvPicPr>
@@ -6168,8 +6153,8 @@
         </p:blipFill>
         <p:spPr>
           <a:xfrm>
-            <a:off x="1856656" y="2012460"/>
-            <a:ext cx="4324332" cy="2568223"/>
+            <a:off x="2288703" y="3068960"/>
+            <a:ext cx="3342123" cy="3456384"/>
           </a:xfrm>
           <a:prstGeom prst="rect">
             <a:avLst/>
@@ -6183,10 +6168,61 @@
           </a:ln>
         </p:spPr>
       </p:pic>
+      <p:sp>
+        <p:nvSpPr>
+          <p:cNvPr id="12" name="모서리가 둥근 사각형 설명선 11"/>
+          <p:cNvSpPr/>
+          <p:nvPr/>
+        </p:nvSpPr>
+        <p:spPr>
+          <a:xfrm>
+            <a:off x="6033120" y="4077072"/>
+            <a:ext cx="1624697" cy="576064"/>
+          </a:xfrm>
+          <a:prstGeom prst="wedgeRoundRectCallout">
+            <a:avLst>
+              <a:gd name="adj1" fmla="val -68520"/>
+              <a:gd name="adj2" fmla="val -32342"/>
+              <a:gd name="adj3" fmla="val 16667"/>
+            </a:avLst>
+          </a:prstGeom>
+          <a:ln/>
+        </p:spPr>
+        <p:style>
+          <a:lnRef idx="2">
+            <a:schemeClr val="accent1"/>
+          </a:lnRef>
+          <a:fillRef idx="1">
+            <a:schemeClr val="lt1"/>
+          </a:fillRef>
+          <a:effectRef idx="0">
+            <a:schemeClr val="accent1"/>
+          </a:effectRef>
+          <a:fontRef idx="minor">
+            <a:schemeClr val="dk1"/>
+          </a:fontRef>
+        </p:style>
+        <p:txBody>
+          <a:bodyPr rtlCol="0" anchor="ctr"/>
+          <a:lstStyle/>
+          <a:p>
+            <a:pPr algn="ctr"/>
+            <a:r>
+              <a:rPr lang="ko-KR" altLang="en-US" sz="1400" dirty="0" smtClean="0"/>
+              <a:t>인터넷 서점 </a:t>
+            </a:r>
+            <a:r>
+              <a:rPr lang="en-US" altLang="ko-KR" sz="1400" dirty="0" smtClean="0"/>
+              <a:t>: yes24</a:t>
+            </a:r>
+            <a:endParaRPr lang="ko-KR" altLang="en-US" sz="1400" dirty="0"/>
+          </a:p>
+        </p:txBody>
+      </p:sp>
     </p:spTree>
     <p:extLst>
       <p:ext uri="{BB962C8B-B14F-4D97-AF65-F5344CB8AC3E}">
-        <p14:creationId xmlns:p14="http://schemas.microsoft.com/office/powerpoint/2010/main" val="3705905996"/>
+        <p14:creationId xmlns:p14="http://schemas.microsoft.com/office/powerpoint/2010/main" val="988630613"/>
       </p:ext>
     </p:extLst>
   </p:cSld>
@@ -6220,6 +6256,43 @@
           <a:chExt cx="0" cy="0"/>
         </a:xfrm>
       </p:grpSpPr>
+      <p:pic>
+        <p:nvPicPr>
+          <p:cNvPr id="3" name="그림 2"/>
+          <p:cNvPicPr>
+            <a:picLocks noChangeAspect="1"/>
+          </p:cNvPicPr>
+          <p:nvPr/>
+        </p:nvPicPr>
+        <p:blipFill>
+          <a:blip r:embed="rId2">
+            <a:extLst>
+              <a:ext uri="{28A0092B-C50C-407E-A947-70E740481C1C}">
+                <a14:useLocalDpi xmlns:a14="http://schemas.microsoft.com/office/drawing/2010/main" val="0"/>
+              </a:ext>
+            </a:extLst>
+          </a:blip>
+          <a:stretch>
+            <a:fillRect/>
+          </a:stretch>
+        </p:blipFill>
+        <p:spPr>
+          <a:xfrm>
+            <a:off x="700445" y="2000327"/>
+            <a:ext cx="4421702" cy="3156865"/>
+          </a:xfrm>
+          <a:prstGeom prst="rect">
+            <a:avLst/>
+          </a:prstGeom>
+          <a:ln>
+            <a:solidFill>
+              <a:schemeClr val="bg1">
+                <a:lumMod val="85000"/>
+              </a:schemeClr>
+            </a:solidFill>
+          </a:ln>
+        </p:spPr>
+      </p:pic>
       <p:sp>
         <p:nvSpPr>
           <p:cNvPr id="2" name="제목 1"/>
@@ -6244,13 +6317,34 @@
           <a:p>
             <a:pPr algn="ctr"/>
             <a:r>
-              <a:rPr lang="ko-KR" altLang="en-US" sz="2800" dirty="0" smtClean="0"/>
-              <a:t>배경 색상 스타</a:t>
-            </a:r>
-            <a:r>
-              <a:rPr lang="ko-KR" altLang="en-US" sz="2800" dirty="0"/>
-              <a:t>일</a:t>
-            </a:r>
+              <a:rPr lang="en-US" altLang="ko-KR" sz="2400" dirty="0" smtClean="0"/>
+              <a:t> </a:t>
+            </a:r>
+            <a:r>
+              <a:rPr lang="ko-KR" altLang="en-US" sz="2400" b="1" dirty="0">
+                <a:solidFill>
+                  <a:schemeClr val="tx1"/>
+                </a:solidFill>
+              </a:rPr>
+              <a:t>한 페이지 안에서 이동하는 </a:t>
+            </a:r>
+            <a:r>
+              <a:rPr lang="ko-KR" altLang="en-US" sz="2400" b="1" dirty="0" err="1">
+                <a:solidFill>
+                  <a:schemeClr val="tx1"/>
+                </a:solidFill>
+              </a:rPr>
+              <a:t>앵커만</a:t>
+            </a:r>
+            <a:r>
+              <a:rPr lang="ko-KR" altLang="en-US" sz="2400" dirty="0" err="1">
+                <a:solidFill>
+                  <a:schemeClr val="tx1"/>
+                </a:solidFill>
+              </a:rPr>
+              <a:t>들기</a:t>
+            </a:r>
+            <a:endParaRPr lang="ko-KR" altLang="en-US" sz="2400" dirty="0"/>
           </a:p>
         </p:txBody>
       </p:sp>
@@ -6272,6 +6366,482 @@
             <a:fld id="{1BDE3FE7-3AEA-4B05-AC5A-802D1816ACF0}" type="slidenum">
               <a:rPr lang="ko-KR" altLang="en-US" smtClean="0"/>
               <a:t>15</a:t>
+            </a:fld>
+            <a:endParaRPr lang="ko-KR" altLang="en-US"/>
+          </a:p>
+        </p:txBody>
+      </p:sp>
+      <p:sp>
+        <p:nvSpPr>
+          <p:cNvPr id="9" name="TextBox 8"/>
+          <p:cNvSpPr txBox="1"/>
+          <p:nvPr/>
+        </p:nvSpPr>
+        <p:spPr>
+          <a:xfrm>
+            <a:off x="632520" y="1268760"/>
+            <a:ext cx="4968552" cy="507831"/>
+          </a:xfrm>
+          <a:prstGeom prst="rect">
+            <a:avLst/>
+          </a:prstGeom>
+          <a:noFill/>
+        </p:spPr>
+        <p:txBody>
+          <a:bodyPr wrap="square" rtlCol="0">
+            <a:spAutoFit/>
+          </a:bodyPr>
+          <a:lstStyle/>
+          <a:p>
+            <a:pPr>
+              <a:lnSpc>
+                <a:spcPct val="150000"/>
+              </a:lnSpc>
+            </a:pPr>
+            <a:r>
+              <a:rPr lang="ko-KR" altLang="en-US" dirty="0" smtClean="0"/>
+              <a:t> </a:t>
+            </a:r>
+            <a:r>
+              <a:rPr lang="ko-KR" altLang="en-US" b="1" dirty="0" smtClean="0"/>
+              <a:t>한 페이지 안에서 점프하는 </a:t>
+            </a:r>
+            <a:r>
+              <a:rPr lang="ko-KR" altLang="en-US" b="1" dirty="0" err="1" smtClean="0"/>
+              <a:t>앵커만들기</a:t>
+            </a:r>
+            <a:endParaRPr lang="en-US" altLang="ko-KR" b="1" dirty="0" smtClean="0"/>
+          </a:p>
+        </p:txBody>
+      </p:sp>
+      <p:sp>
+        <p:nvSpPr>
+          <p:cNvPr id="5" name="모서리가 둥근 사각형 설명선 4"/>
+          <p:cNvSpPr/>
+          <p:nvPr/>
+        </p:nvSpPr>
+        <p:spPr>
+          <a:xfrm>
+            <a:off x="3872880" y="5229200"/>
+            <a:ext cx="1624697" cy="576064"/>
+          </a:xfrm>
+          <a:prstGeom prst="wedgeRoundRectCallout">
+            <a:avLst>
+              <a:gd name="adj1" fmla="val 24295"/>
+              <a:gd name="adj2" fmla="val -81076"/>
+              <a:gd name="adj3" fmla="val 16667"/>
+            </a:avLst>
+          </a:prstGeom>
+          <a:ln/>
+        </p:spPr>
+        <p:style>
+          <a:lnRef idx="2">
+            <a:schemeClr val="accent1"/>
+          </a:lnRef>
+          <a:fillRef idx="1">
+            <a:schemeClr val="lt1"/>
+          </a:fillRef>
+          <a:effectRef idx="0">
+            <a:schemeClr val="accent1"/>
+          </a:effectRef>
+          <a:fontRef idx="minor">
+            <a:schemeClr val="dk1"/>
+          </a:fontRef>
+        </p:style>
+        <p:txBody>
+          <a:bodyPr rtlCol="0" anchor="ctr"/>
+          <a:lstStyle/>
+          <a:p>
+            <a:pPr algn="ctr"/>
+            <a:r>
+              <a:rPr lang="ko-KR" altLang="en-US" sz="1400" dirty="0" smtClean="0"/>
+              <a:t>브라우저 </a:t>
+            </a:r>
+            <a:r>
+              <a:rPr lang="ko-KR" altLang="en-US" sz="1400" dirty="0" err="1" smtClean="0"/>
+              <a:t>창크기를</a:t>
+            </a:r>
+            <a:r>
+              <a:rPr lang="ko-KR" altLang="en-US" sz="1400" dirty="0" smtClean="0"/>
+              <a:t> </a:t>
+            </a:r>
+            <a:r>
+              <a:rPr lang="ko-KR" altLang="en-US" sz="1400" dirty="0" err="1" smtClean="0"/>
+              <a:t>줄인다음</a:t>
+            </a:r>
+            <a:r>
+              <a:rPr lang="ko-KR" altLang="en-US" sz="1400" dirty="0" smtClean="0"/>
+              <a:t> 확인</a:t>
+            </a:r>
+            <a:endParaRPr lang="ko-KR" altLang="en-US" sz="1400" dirty="0"/>
+          </a:p>
+        </p:txBody>
+      </p:sp>
+      <p:pic>
+        <p:nvPicPr>
+          <p:cNvPr id="8" name="그림 7"/>
+          <p:cNvPicPr>
+            <a:picLocks noChangeAspect="1"/>
+          </p:cNvPicPr>
+          <p:nvPr/>
+        </p:nvPicPr>
+        <p:blipFill rotWithShape="1">
+          <a:blip r:embed="rId3">
+            <a:extLst>
+              <a:ext uri="{28A0092B-C50C-407E-A947-70E740481C1C}">
+                <a14:useLocalDpi xmlns:a14="http://schemas.microsoft.com/office/drawing/2010/main" val="0"/>
+              </a:ext>
+            </a:extLst>
+          </a:blip>
+          <a:srcRect t="7852"/>
+          <a:stretch/>
+        </p:blipFill>
+        <p:spPr>
+          <a:xfrm>
+            <a:off x="5374303" y="2000327"/>
+            <a:ext cx="4237077" cy="3156865"/>
+          </a:xfrm>
+          <a:prstGeom prst="rect">
+            <a:avLst/>
+          </a:prstGeom>
+          <a:ln>
+            <a:solidFill>
+              <a:schemeClr val="bg1">
+                <a:lumMod val="85000"/>
+              </a:schemeClr>
+            </a:solidFill>
+          </a:ln>
+        </p:spPr>
+      </p:pic>
+    </p:spTree>
+    <p:extLst>
+      <p:ext uri="{BB962C8B-B14F-4D97-AF65-F5344CB8AC3E}">
+        <p14:creationId xmlns:p14="http://schemas.microsoft.com/office/powerpoint/2010/main" val="1734504751"/>
+      </p:ext>
+    </p:extLst>
+  </p:cSld>
+  <p:clrMapOvr>
+    <a:masterClrMapping/>
+  </p:clrMapOvr>
+  <p:timing>
+    <p:tnLst>
+      <p:par>
+        <p:cTn id="1" dur="indefinite" restart="never" nodeType="tmRoot"/>
+      </p:par>
+    </p:tnLst>
+  </p:timing>
+</p:sld>
+</file>
+
+<file path=ppt/slides/slide16.xml><?xml version="1.0" encoding="utf-8"?>
+<p:sld xmlns:a="http://schemas.openxmlformats.org/drawingml/2006/main" xmlns:r="http://schemas.openxmlformats.org/officeDocument/2006/relationships" xmlns:p="http://schemas.openxmlformats.org/presentationml/2006/main">
+  <p:cSld>
+    <p:spTree>
+      <p:nvGrpSpPr>
+        <p:cNvPr id="1" name=""/>
+        <p:cNvGrpSpPr/>
+        <p:nvPr/>
+      </p:nvGrpSpPr>
+      <p:grpSpPr>
+        <a:xfrm>
+          <a:off x="0" y="0"/>
+          <a:ext cx="0" cy="0"/>
+          <a:chOff x="0" y="0"/>
+          <a:chExt cx="0" cy="0"/>
+        </a:xfrm>
+      </p:grpSpPr>
+      <p:sp>
+        <p:nvSpPr>
+          <p:cNvPr id="2" name="제목 1"/>
+          <p:cNvSpPr>
+            <a:spLocks noGrp="1"/>
+          </p:cNvSpPr>
+          <p:nvPr>
+            <p:ph type="title"/>
+          </p:nvPr>
+        </p:nvSpPr>
+        <p:spPr>
+          <a:xfrm>
+            <a:off x="416497" y="197768"/>
+            <a:ext cx="6412780" cy="854968"/>
+          </a:xfrm>
+        </p:spPr>
+        <p:txBody>
+          <a:bodyPr>
+            <a:noAutofit/>
+          </a:bodyPr>
+          <a:lstStyle/>
+          <a:p>
+            <a:pPr algn="ctr"/>
+            <a:r>
+              <a:rPr lang="en-US" altLang="ko-KR" sz="2800" dirty="0" smtClean="0"/>
+              <a:t> </a:t>
+            </a:r>
+            <a:r>
+              <a:rPr lang="ko-KR" altLang="en-US" sz="2400" b="1" dirty="0">
+                <a:solidFill>
+                  <a:schemeClr val="tx1"/>
+                </a:solidFill>
+              </a:rPr>
+              <a:t>한 페이지 안에서 이동하는 </a:t>
+            </a:r>
+            <a:r>
+              <a:rPr lang="ko-KR" altLang="en-US" sz="2400" b="1" dirty="0" err="1">
+                <a:solidFill>
+                  <a:schemeClr val="tx1"/>
+                </a:solidFill>
+              </a:rPr>
+              <a:t>앵커만</a:t>
+            </a:r>
+            <a:r>
+              <a:rPr lang="ko-KR" altLang="en-US" sz="2400" dirty="0" err="1">
+                <a:solidFill>
+                  <a:schemeClr val="tx1"/>
+                </a:solidFill>
+              </a:rPr>
+              <a:t>들기</a:t>
+            </a:r>
+            <a:endParaRPr lang="ko-KR" altLang="en-US" sz="2400" dirty="0"/>
+          </a:p>
+        </p:txBody>
+      </p:sp>
+      <p:sp>
+        <p:nvSpPr>
+          <p:cNvPr id="4" name="슬라이드 번호 개체 틀 3"/>
+          <p:cNvSpPr>
+            <a:spLocks noGrp="1"/>
+          </p:cNvSpPr>
+          <p:nvPr>
+            <p:ph type="sldNum" sz="quarter" idx="12"/>
+          </p:nvPr>
+        </p:nvSpPr>
+        <p:spPr/>
+        <p:txBody>
+          <a:bodyPr/>
+          <a:lstStyle/>
+          <a:p>
+            <a:fld id="{1BDE3FE7-3AEA-4B05-AC5A-802D1816ACF0}" type="slidenum">
+              <a:rPr lang="ko-KR" altLang="en-US" smtClean="0"/>
+              <a:t>16</a:t>
+            </a:fld>
+            <a:endParaRPr lang="ko-KR" altLang="en-US"/>
+          </a:p>
+        </p:txBody>
+      </p:sp>
+      <p:pic>
+        <p:nvPicPr>
+          <p:cNvPr id="10" name="그림 9"/>
+          <p:cNvPicPr>
+            <a:picLocks noChangeAspect="1"/>
+          </p:cNvPicPr>
+          <p:nvPr/>
+        </p:nvPicPr>
+        <p:blipFill>
+          <a:blip r:embed="rId2">
+            <a:extLst>
+              <a:ext uri="{28A0092B-C50C-407E-A947-70E740481C1C}">
+                <a14:useLocalDpi xmlns:a14="http://schemas.microsoft.com/office/drawing/2010/main" val="0"/>
+              </a:ext>
+            </a:extLst>
+          </a:blip>
+          <a:stretch>
+            <a:fillRect/>
+          </a:stretch>
+        </p:blipFill>
+        <p:spPr>
+          <a:xfrm>
+            <a:off x="776370" y="1730425"/>
+            <a:ext cx="4270387" cy="3168352"/>
+          </a:xfrm>
+          <a:prstGeom prst="rect">
+            <a:avLst/>
+          </a:prstGeom>
+          <a:ln>
+            <a:solidFill>
+              <a:schemeClr val="bg1">
+                <a:lumMod val="85000"/>
+              </a:schemeClr>
+            </a:solidFill>
+          </a:ln>
+        </p:spPr>
+      </p:pic>
+      <p:pic>
+        <p:nvPicPr>
+          <p:cNvPr id="11" name="그림 10"/>
+          <p:cNvPicPr>
+            <a:picLocks noChangeAspect="1"/>
+          </p:cNvPicPr>
+          <p:nvPr/>
+        </p:nvPicPr>
+        <p:blipFill>
+          <a:blip r:embed="rId3">
+            <a:extLst>
+              <a:ext uri="{28A0092B-C50C-407E-A947-70E740481C1C}">
+                <a14:useLocalDpi xmlns:a14="http://schemas.microsoft.com/office/drawing/2010/main" val="0"/>
+              </a:ext>
+            </a:extLst>
+          </a:blip>
+          <a:stretch>
+            <a:fillRect/>
+          </a:stretch>
+        </p:blipFill>
+        <p:spPr>
+          <a:xfrm>
+            <a:off x="5254685" y="1721524"/>
+            <a:ext cx="4018795" cy="3177253"/>
+          </a:xfrm>
+          <a:prstGeom prst="rect">
+            <a:avLst/>
+          </a:prstGeom>
+          <a:ln>
+            <a:solidFill>
+              <a:schemeClr val="bg1">
+                <a:lumMod val="85000"/>
+              </a:schemeClr>
+            </a:solidFill>
+          </a:ln>
+        </p:spPr>
+      </p:pic>
+      <p:sp>
+        <p:nvSpPr>
+          <p:cNvPr id="7" name="TextBox 6"/>
+          <p:cNvSpPr txBox="1"/>
+          <p:nvPr/>
+        </p:nvSpPr>
+        <p:spPr>
+          <a:xfrm>
+            <a:off x="7630949" y="1268760"/>
+            <a:ext cx="1512168" cy="461665"/>
+          </a:xfrm>
+          <a:prstGeom prst="rect">
+            <a:avLst/>
+          </a:prstGeom>
+          <a:noFill/>
+        </p:spPr>
+        <p:txBody>
+          <a:bodyPr wrap="square" rtlCol="0">
+            <a:spAutoFit/>
+          </a:bodyPr>
+          <a:lstStyle/>
+          <a:p>
+            <a:pPr>
+              <a:lnSpc>
+                <a:spcPct val="150000"/>
+              </a:lnSpc>
+            </a:pPr>
+            <a:r>
+              <a:rPr lang="en-US" altLang="ko-KR" sz="1600" dirty="0" smtClean="0">
+                <a:solidFill>
+                  <a:srgbClr val="C00000"/>
+                </a:solidFill>
+              </a:rPr>
+              <a:t>anchor.html </a:t>
+            </a:r>
+            <a:r>
+              <a:rPr lang="ko-KR" altLang="en-US" sz="1600" dirty="0" smtClean="0">
+                <a:solidFill>
+                  <a:srgbClr val="C00000"/>
+                </a:solidFill>
+              </a:rPr>
+              <a:t> </a:t>
+            </a:r>
+            <a:endParaRPr lang="en-US" altLang="ko-KR" sz="1600" dirty="0" smtClean="0">
+              <a:solidFill>
+                <a:srgbClr val="C00000"/>
+              </a:solidFill>
+            </a:endParaRPr>
+          </a:p>
+        </p:txBody>
+      </p:sp>
+    </p:spTree>
+    <p:extLst>
+      <p:ext uri="{BB962C8B-B14F-4D97-AF65-F5344CB8AC3E}">
+        <p14:creationId xmlns:p14="http://schemas.microsoft.com/office/powerpoint/2010/main" val="2050199377"/>
+      </p:ext>
+    </p:extLst>
+  </p:cSld>
+  <p:clrMapOvr>
+    <a:masterClrMapping/>
+  </p:clrMapOvr>
+  <p:timing>
+    <p:tnLst>
+      <p:par>
+        <p:cTn id="1" dur="indefinite" restart="never" nodeType="tmRoot"/>
+      </p:par>
+    </p:tnLst>
+  </p:timing>
+</p:sld>
+</file>
+
+<file path=ppt/slides/slide17.xml><?xml version="1.0" encoding="utf-8"?>
+<p:sld xmlns:a="http://schemas.openxmlformats.org/drawingml/2006/main" xmlns:r="http://schemas.openxmlformats.org/officeDocument/2006/relationships" xmlns:p="http://schemas.openxmlformats.org/presentationml/2006/main">
+  <p:cSld>
+    <p:spTree>
+      <p:nvGrpSpPr>
+        <p:cNvPr id="1" name=""/>
+        <p:cNvGrpSpPr/>
+        <p:nvPr/>
+      </p:nvGrpSpPr>
+      <p:grpSpPr>
+        <a:xfrm>
+          <a:off x="0" y="0"/>
+          <a:ext cx="0" cy="0"/>
+          <a:chOff x="0" y="0"/>
+          <a:chExt cx="0" cy="0"/>
+        </a:xfrm>
+      </p:grpSpPr>
+      <p:sp>
+        <p:nvSpPr>
+          <p:cNvPr id="2" name="제목 1"/>
+          <p:cNvSpPr>
+            <a:spLocks noGrp="1"/>
+          </p:cNvSpPr>
+          <p:nvPr>
+            <p:ph type="title"/>
+          </p:nvPr>
+        </p:nvSpPr>
+        <p:spPr>
+          <a:xfrm>
+            <a:off x="416497" y="197768"/>
+            <a:ext cx="6412780" cy="854968"/>
+          </a:xfrm>
+        </p:spPr>
+        <p:txBody>
+          <a:bodyPr>
+            <a:noAutofit/>
+          </a:bodyPr>
+          <a:lstStyle/>
+          <a:p>
+            <a:pPr algn="ctr"/>
+            <a:r>
+              <a:rPr lang="ko-KR" altLang="en-US" sz="2800" dirty="0" smtClean="0"/>
+              <a:t>배경 색상 스타</a:t>
+            </a:r>
+            <a:r>
+              <a:rPr lang="ko-KR" altLang="en-US" sz="2800" dirty="0"/>
+              <a:t>일</a:t>
+            </a:r>
+          </a:p>
+        </p:txBody>
+      </p:sp>
+      <p:sp>
+        <p:nvSpPr>
+          <p:cNvPr id="4" name="슬라이드 번호 개체 틀 3"/>
+          <p:cNvSpPr>
+            <a:spLocks noGrp="1"/>
+          </p:cNvSpPr>
+          <p:nvPr>
+            <p:ph type="sldNum" sz="quarter" idx="12"/>
+          </p:nvPr>
+        </p:nvSpPr>
+        <p:spPr/>
+        <p:txBody>
+          <a:bodyPr/>
+          <a:lstStyle/>
+          <a:p>
+            <a:fld id="{1BDE3FE7-3AEA-4B05-AC5A-802D1816ACF0}" type="slidenum">
+              <a:rPr lang="ko-KR" altLang="en-US" smtClean="0"/>
+              <a:t>17</a:t>
             </a:fld>
             <a:endParaRPr lang="ko-KR" altLang="en-US"/>
           </a:p>
@@ -6345,8 +6915,20 @@
                 <a:tableStyleId>{5940675A-B579-460E-94D1-54222C63F5DA}</a:tableStyleId>
               </a:tblPr>
               <a:tblGrid>
-                <a:gridCol w="2592288"/>
-                <a:gridCol w="5832648"/>
+                <a:gridCol w="2592288">
+                  <a:extLst>
+                    <a:ext uri="{9D8B030D-6E8A-4147-A177-3AD203B41FA5}">
+                      <a16:colId xmlns:a16="http://schemas.microsoft.com/office/drawing/2014/main" val="20000"/>
+                    </a:ext>
+                  </a:extLst>
+                </a:gridCol>
+                <a:gridCol w="5832648">
+                  <a:extLst>
+                    <a:ext uri="{9D8B030D-6E8A-4147-A177-3AD203B41FA5}">
+                      <a16:colId xmlns:a16="http://schemas.microsoft.com/office/drawing/2014/main" val="20001"/>
+                    </a:ext>
+                  </a:extLst>
+                </a:gridCol>
               </a:tblGrid>
               <a:tr h="394053">
                 <a:tc>
@@ -6397,6 +6979,11 @@
                     </a:solidFill>
                   </a:tcPr>
                 </a:tc>
+                <a:extLst>
+                  <a:ext uri="{0D108BD9-81ED-4DB2-BD59-A6C34878D82A}">
+                    <a16:rowId xmlns:a16="http://schemas.microsoft.com/office/drawing/2014/main" val="10000"/>
+                  </a:ext>
+                </a:extLst>
               </a:tr>
               <a:tr h="788105">
                 <a:tc>
@@ -6498,6 +7085,11 @@
                     </a:lnR>
                   </a:tcPr>
                 </a:tc>
+                <a:extLst>
+                  <a:ext uri="{0D108BD9-81ED-4DB2-BD59-A6C34878D82A}">
+                    <a16:rowId xmlns:a16="http://schemas.microsoft.com/office/drawing/2014/main" val="10001"/>
+                  </a:ext>
+                </a:extLst>
               </a:tr>
               <a:tr h="835789">
                 <a:tc>
@@ -6637,6 +7229,11 @@
                     </a:lnR>
                   </a:tcPr>
                 </a:tc>
+                <a:extLst>
+                  <a:ext uri="{0D108BD9-81ED-4DB2-BD59-A6C34878D82A}">
+                    <a16:rowId xmlns:a16="http://schemas.microsoft.com/office/drawing/2014/main" val="10002"/>
+                  </a:ext>
+                </a:extLst>
               </a:tr>
               <a:tr h="835789">
                 <a:tc>
@@ -6744,6 +7341,11 @@
                     </a:lnR>
                   </a:tcPr>
                 </a:tc>
+                <a:extLst>
+                  <a:ext uri="{0D108BD9-81ED-4DB2-BD59-A6C34878D82A}">
+                    <a16:rowId xmlns:a16="http://schemas.microsoft.com/office/drawing/2014/main" val="10003"/>
+                  </a:ext>
+                </a:extLst>
               </a:tr>
               <a:tr h="886619">
                 <a:tc>
@@ -6887,6 +7489,11 @@
                     </a:lnR>
                   </a:tcPr>
                 </a:tc>
+                <a:extLst>
+                  <a:ext uri="{0D108BD9-81ED-4DB2-BD59-A6C34878D82A}">
+                    <a16:rowId xmlns:a16="http://schemas.microsoft.com/office/drawing/2014/main" val="10004"/>
+                  </a:ext>
+                </a:extLst>
               </a:tr>
             </a:tbl>
           </a:graphicData>
@@ -6896,716 +7503,6 @@
     <p:extLst>
       <p:ext uri="{BB962C8B-B14F-4D97-AF65-F5344CB8AC3E}">
         <p14:creationId xmlns:p14="http://schemas.microsoft.com/office/powerpoint/2010/main" val="1303145126"/>
-      </p:ext>
-    </p:extLst>
-  </p:cSld>
-  <p:clrMapOvr>
-    <a:masterClrMapping/>
-  </p:clrMapOvr>
-  <p:timing>
-    <p:tnLst>
-      <p:par>
-        <p:cTn id="1" dur="indefinite" restart="never" nodeType="tmRoot"/>
-      </p:par>
-    </p:tnLst>
-  </p:timing>
-</p:sld>
-</file>
-
-<file path=ppt/slides/slide16.xml><?xml version="1.0" encoding="utf-8"?>
-<p:sld xmlns:a="http://schemas.openxmlformats.org/drawingml/2006/main" xmlns:r="http://schemas.openxmlformats.org/officeDocument/2006/relationships" xmlns:p="http://schemas.openxmlformats.org/presentationml/2006/main">
-  <p:cSld>
-    <p:spTree>
-      <p:nvGrpSpPr>
-        <p:cNvPr id="1" name=""/>
-        <p:cNvGrpSpPr/>
-        <p:nvPr/>
-      </p:nvGrpSpPr>
-      <p:grpSpPr>
-        <a:xfrm>
-          <a:off x="0" y="0"/>
-          <a:ext cx="0" cy="0"/>
-          <a:chOff x="0" y="0"/>
-          <a:chExt cx="0" cy="0"/>
-        </a:xfrm>
-      </p:grpSpPr>
-      <p:sp>
-        <p:nvSpPr>
-          <p:cNvPr id="2" name="제목 1"/>
-          <p:cNvSpPr>
-            <a:spLocks noGrp="1"/>
-          </p:cNvSpPr>
-          <p:nvPr>
-            <p:ph type="title"/>
-          </p:nvPr>
-        </p:nvSpPr>
-        <p:spPr>
-          <a:xfrm>
-            <a:off x="416497" y="197768"/>
-            <a:ext cx="6412780" cy="854968"/>
-          </a:xfrm>
-        </p:spPr>
-        <p:txBody>
-          <a:bodyPr>
-            <a:noAutofit/>
-          </a:bodyPr>
-          <a:lstStyle/>
-          <a:p>
-            <a:pPr algn="ctr"/>
-            <a:r>
-              <a:rPr lang="ko-KR" altLang="en-US" sz="2800" dirty="0" smtClean="0"/>
-              <a:t>배경 색상 스타일</a:t>
-            </a:r>
-            <a:endParaRPr lang="ko-KR" altLang="en-US" sz="2800" dirty="0"/>
-          </a:p>
-        </p:txBody>
-      </p:sp>
-      <p:sp>
-        <p:nvSpPr>
-          <p:cNvPr id="4" name="슬라이드 번호 개체 틀 3"/>
-          <p:cNvSpPr>
-            <a:spLocks noGrp="1"/>
-          </p:cNvSpPr>
-          <p:nvPr>
-            <p:ph type="sldNum" sz="quarter" idx="12"/>
-          </p:nvPr>
-        </p:nvSpPr>
-        <p:spPr/>
-        <p:txBody>
-          <a:bodyPr/>
-          <a:lstStyle/>
-          <a:p>
-            <a:fld id="{1BDE3FE7-3AEA-4B05-AC5A-802D1816ACF0}" type="slidenum">
-              <a:rPr lang="ko-KR" altLang="en-US" smtClean="0"/>
-              <a:t>16</a:t>
-            </a:fld>
-            <a:endParaRPr lang="ko-KR" altLang="en-US"/>
-          </a:p>
-        </p:txBody>
-      </p:sp>
-      <p:sp>
-        <p:nvSpPr>
-          <p:cNvPr id="21" name="TextBox 20"/>
-          <p:cNvSpPr txBox="1"/>
-          <p:nvPr/>
-        </p:nvSpPr>
-        <p:spPr>
-          <a:xfrm>
-            <a:off x="704527" y="1175548"/>
-            <a:ext cx="8706173" cy="915956"/>
-          </a:xfrm>
-          <a:prstGeom prst="rect">
-            <a:avLst/>
-          </a:prstGeom>
-          <a:noFill/>
-        </p:spPr>
-        <p:txBody>
-          <a:bodyPr wrap="square" rtlCol="0">
-            <a:spAutoFit/>
-          </a:bodyPr>
-          <a:lstStyle/>
-          <a:p>
-            <a:pPr>
-              <a:lnSpc>
-                <a:spcPct val="150000"/>
-              </a:lnSpc>
-            </a:pPr>
-            <a:r>
-              <a:rPr lang="ko-KR" altLang="en-US" dirty="0"/>
-              <a:t> </a:t>
-            </a:r>
-            <a:r>
-              <a:rPr lang="ko-KR" altLang="en-US" dirty="0" smtClean="0"/>
-              <a:t>  </a:t>
-            </a:r>
-            <a:r>
-              <a:rPr lang="en-US" altLang="ko-KR" sz="2000" b="1" dirty="0" smtClean="0">
-                <a:solidFill>
-                  <a:srgbClr val="C00000"/>
-                </a:solidFill>
-              </a:rPr>
-              <a:t>background-color</a:t>
-            </a:r>
-            <a:r>
-              <a:rPr lang="en-US" altLang="ko-KR" dirty="0" smtClean="0">
-                <a:solidFill>
-                  <a:srgbClr val="C00000"/>
-                </a:solidFill>
-              </a:rPr>
-              <a:t> </a:t>
-            </a:r>
-            <a:r>
-              <a:rPr lang="ko-KR" altLang="en-US" dirty="0" smtClean="0">
-                <a:solidFill>
-                  <a:srgbClr val="C00000"/>
-                </a:solidFill>
-              </a:rPr>
-              <a:t>속성 </a:t>
-            </a:r>
-            <a:endParaRPr lang="en-US" altLang="ko-KR" dirty="0" smtClean="0">
-              <a:solidFill>
-                <a:srgbClr val="C00000"/>
-              </a:solidFill>
-            </a:endParaRPr>
-          </a:p>
-          <a:p>
-            <a:pPr marL="742950" lvl="1" indent="-285750">
-              <a:lnSpc>
-                <a:spcPct val="150000"/>
-              </a:lnSpc>
-              <a:buFont typeface="Arial" panose="020B0604020202020204" pitchFamily="34" charset="0"/>
-              <a:buChar char="•"/>
-            </a:pPr>
-            <a:r>
-              <a:rPr lang="ko-KR" altLang="en-US" dirty="0" smtClean="0"/>
-              <a:t>웹 문서의 전체 배경색을 지정하려면 </a:t>
-            </a:r>
-            <a:r>
-              <a:rPr lang="en-US" altLang="ko-KR" dirty="0" smtClean="0"/>
-              <a:t>background-color </a:t>
-            </a:r>
-            <a:r>
-              <a:rPr lang="ko-KR" altLang="en-US" dirty="0" smtClean="0"/>
-              <a:t>속성을 사용 </a:t>
-            </a:r>
-            <a:endParaRPr lang="en-US" altLang="ko-KR" dirty="0" smtClean="0"/>
-          </a:p>
-        </p:txBody>
-      </p:sp>
-      <p:sp>
-        <p:nvSpPr>
-          <p:cNvPr id="5" name="TextBox 4"/>
-          <p:cNvSpPr txBox="1"/>
-          <p:nvPr/>
-        </p:nvSpPr>
-        <p:spPr>
-          <a:xfrm>
-            <a:off x="1496616" y="2204864"/>
-            <a:ext cx="5760640" cy="923330"/>
-          </a:xfrm>
-          <a:prstGeom prst="rect">
-            <a:avLst/>
-          </a:prstGeom>
-          <a:solidFill>
-            <a:schemeClr val="accent4">
-              <a:lumMod val="20000"/>
-              <a:lumOff val="80000"/>
-            </a:schemeClr>
-          </a:solidFill>
-        </p:spPr>
-        <p:txBody>
-          <a:bodyPr wrap="square" rtlCol="0">
-            <a:spAutoFit/>
-          </a:bodyPr>
-          <a:lstStyle/>
-          <a:p>
-            <a:r>
-              <a:rPr lang="en-US" altLang="ko-KR" b="1" dirty="0" smtClean="0">
-                <a:solidFill>
-                  <a:srgbClr val="C00000"/>
-                </a:solidFill>
-              </a:rPr>
-              <a:t>background-color: </a:t>
-            </a:r>
-            <a:r>
-              <a:rPr lang="en-US" altLang="ko-KR" b="1" dirty="0" smtClean="0">
-                <a:solidFill>
-                  <a:srgbClr val="0070C0"/>
-                </a:solidFill>
-              </a:rPr>
-              <a:t>#00ff00;</a:t>
-            </a:r>
-          </a:p>
-          <a:p>
-            <a:r>
-              <a:rPr lang="en-US" altLang="ko-KR" b="1" dirty="0">
-                <a:solidFill>
-                  <a:srgbClr val="C00000"/>
-                </a:solidFill>
-              </a:rPr>
-              <a:t>background-color: </a:t>
-            </a:r>
-            <a:r>
-              <a:rPr lang="en-US" altLang="ko-KR" b="1" dirty="0" err="1" smtClean="0">
-                <a:solidFill>
-                  <a:srgbClr val="0070C0"/>
-                </a:solidFill>
-              </a:rPr>
-              <a:t>rgb</a:t>
-            </a:r>
-            <a:r>
-              <a:rPr lang="en-US" altLang="ko-KR" b="1" dirty="0" smtClean="0">
-                <a:solidFill>
-                  <a:srgbClr val="0070C0"/>
-                </a:solidFill>
-              </a:rPr>
-              <a:t>(0, 255, 0);</a:t>
-            </a:r>
-            <a:endParaRPr lang="en-US" altLang="ko-KR" b="1" dirty="0">
-              <a:solidFill>
-                <a:srgbClr val="0070C0"/>
-              </a:solidFill>
-            </a:endParaRPr>
-          </a:p>
-          <a:p>
-            <a:r>
-              <a:rPr lang="en-US" altLang="ko-KR" b="1" dirty="0">
-                <a:solidFill>
-                  <a:srgbClr val="C00000"/>
-                </a:solidFill>
-              </a:rPr>
-              <a:t>background-color: </a:t>
-            </a:r>
-            <a:r>
-              <a:rPr lang="en-US" altLang="ko-KR" b="1" dirty="0" smtClean="0">
-                <a:solidFill>
-                  <a:srgbClr val="0070C0"/>
-                </a:solidFill>
-              </a:rPr>
-              <a:t>green;</a:t>
-            </a:r>
-            <a:endParaRPr lang="en-US" altLang="ko-KR" b="1" dirty="0">
-              <a:solidFill>
-                <a:srgbClr val="0070C0"/>
-              </a:solidFill>
-            </a:endParaRPr>
-          </a:p>
-        </p:txBody>
-      </p:sp>
-      <p:pic>
-        <p:nvPicPr>
-          <p:cNvPr id="6" name="그림 5"/>
-          <p:cNvPicPr>
-            <a:picLocks noChangeAspect="1"/>
-          </p:cNvPicPr>
-          <p:nvPr/>
-        </p:nvPicPr>
-        <p:blipFill>
-          <a:blip r:embed="rId2">
-            <a:extLst>
-              <a:ext uri="{28A0092B-C50C-407E-A947-70E740481C1C}">
-                <a14:useLocalDpi xmlns:a14="http://schemas.microsoft.com/office/drawing/2010/main" val="0"/>
-              </a:ext>
-            </a:extLst>
-          </a:blip>
-          <a:stretch>
-            <a:fillRect/>
-          </a:stretch>
-        </p:blipFill>
-        <p:spPr>
-          <a:xfrm>
-            <a:off x="4967998" y="3499082"/>
-            <a:ext cx="3715771" cy="1255913"/>
-          </a:xfrm>
-          <a:prstGeom prst="rect">
-            <a:avLst/>
-          </a:prstGeom>
-          <a:ln>
-            <a:solidFill>
-              <a:schemeClr val="bg1">
-                <a:lumMod val="95000"/>
-              </a:schemeClr>
-            </a:solidFill>
-          </a:ln>
-        </p:spPr>
-      </p:pic>
-      <p:pic>
-        <p:nvPicPr>
-          <p:cNvPr id="7" name="그림 6"/>
-          <p:cNvPicPr>
-            <a:picLocks noChangeAspect="1"/>
-          </p:cNvPicPr>
-          <p:nvPr/>
-        </p:nvPicPr>
-        <p:blipFill>
-          <a:blip r:embed="rId3">
-            <a:extLst>
-              <a:ext uri="{28A0092B-C50C-407E-A947-70E740481C1C}">
-                <a14:useLocalDpi xmlns:a14="http://schemas.microsoft.com/office/drawing/2010/main" val="0"/>
-              </a:ext>
-            </a:extLst>
-          </a:blip>
-          <a:stretch>
-            <a:fillRect/>
-          </a:stretch>
-        </p:blipFill>
-        <p:spPr>
-          <a:xfrm>
-            <a:off x="1568624" y="3429000"/>
-            <a:ext cx="3139712" cy="2651990"/>
-          </a:xfrm>
-          <a:prstGeom prst="rect">
-            <a:avLst/>
-          </a:prstGeom>
-        </p:spPr>
-      </p:pic>
-    </p:spTree>
-    <p:extLst>
-      <p:ext uri="{BB962C8B-B14F-4D97-AF65-F5344CB8AC3E}">
-        <p14:creationId xmlns:p14="http://schemas.microsoft.com/office/powerpoint/2010/main" val="3650585690"/>
-      </p:ext>
-    </p:extLst>
-  </p:cSld>
-  <p:clrMapOvr>
-    <a:masterClrMapping/>
-  </p:clrMapOvr>
-  <p:timing>
-    <p:tnLst>
-      <p:par>
-        <p:cTn id="1" dur="indefinite" restart="never" nodeType="tmRoot"/>
-      </p:par>
-    </p:tnLst>
-  </p:timing>
-</p:sld>
-</file>
-
-<file path=ppt/slides/slide17.xml><?xml version="1.0" encoding="utf-8"?>
-<p:sld xmlns:a="http://schemas.openxmlformats.org/drawingml/2006/main" xmlns:r="http://schemas.openxmlformats.org/officeDocument/2006/relationships" xmlns:p="http://schemas.openxmlformats.org/presentationml/2006/main">
-  <p:cSld>
-    <p:spTree>
-      <p:nvGrpSpPr>
-        <p:cNvPr id="1" name=""/>
-        <p:cNvGrpSpPr/>
-        <p:nvPr/>
-      </p:nvGrpSpPr>
-      <p:grpSpPr>
-        <a:xfrm>
-          <a:off x="0" y="0"/>
-          <a:ext cx="0" cy="0"/>
-          <a:chOff x="0" y="0"/>
-          <a:chExt cx="0" cy="0"/>
-        </a:xfrm>
-      </p:grpSpPr>
-      <p:sp>
-        <p:nvSpPr>
-          <p:cNvPr id="2" name="제목 1"/>
-          <p:cNvSpPr>
-            <a:spLocks noGrp="1"/>
-          </p:cNvSpPr>
-          <p:nvPr>
-            <p:ph type="title"/>
-          </p:nvPr>
-        </p:nvSpPr>
-        <p:spPr>
-          <a:xfrm>
-            <a:off x="416497" y="197768"/>
-            <a:ext cx="6412780" cy="854968"/>
-          </a:xfrm>
-        </p:spPr>
-        <p:txBody>
-          <a:bodyPr>
-            <a:noAutofit/>
-          </a:bodyPr>
-          <a:lstStyle/>
-          <a:p>
-            <a:pPr algn="ctr"/>
-            <a:r>
-              <a:rPr lang="ko-KR" altLang="en-US" sz="2800" dirty="0" smtClean="0"/>
-              <a:t>배경 이미지 넣</a:t>
-            </a:r>
-            <a:r>
-              <a:rPr lang="ko-KR" altLang="en-US" sz="2800" dirty="0"/>
-              <a:t>기</a:t>
-            </a:r>
-          </a:p>
-        </p:txBody>
-      </p:sp>
-      <p:sp>
-        <p:nvSpPr>
-          <p:cNvPr id="4" name="슬라이드 번호 개체 틀 3"/>
-          <p:cNvSpPr>
-            <a:spLocks noGrp="1"/>
-          </p:cNvSpPr>
-          <p:nvPr>
-            <p:ph type="sldNum" sz="quarter" idx="12"/>
-          </p:nvPr>
-        </p:nvSpPr>
-        <p:spPr/>
-        <p:txBody>
-          <a:bodyPr/>
-          <a:lstStyle/>
-          <a:p>
-            <a:fld id="{1BDE3FE7-3AEA-4B05-AC5A-802D1816ACF0}" type="slidenum">
-              <a:rPr lang="ko-KR" altLang="en-US" smtClean="0"/>
-              <a:t>17</a:t>
-            </a:fld>
-            <a:endParaRPr lang="ko-KR" altLang="en-US"/>
-          </a:p>
-        </p:txBody>
-      </p:sp>
-      <p:sp>
-        <p:nvSpPr>
-          <p:cNvPr id="21" name="TextBox 20"/>
-          <p:cNvSpPr txBox="1"/>
-          <p:nvPr/>
-        </p:nvSpPr>
-        <p:spPr>
-          <a:xfrm>
-            <a:off x="704528" y="1175548"/>
-            <a:ext cx="6768752" cy="1246495"/>
-          </a:xfrm>
-          <a:prstGeom prst="rect">
-            <a:avLst/>
-          </a:prstGeom>
-          <a:noFill/>
-        </p:spPr>
-        <p:txBody>
-          <a:bodyPr wrap="square" rtlCol="0">
-            <a:spAutoFit/>
-          </a:bodyPr>
-          <a:lstStyle/>
-          <a:p>
-            <a:pPr>
-              <a:lnSpc>
-                <a:spcPct val="150000"/>
-              </a:lnSpc>
-            </a:pPr>
-            <a:r>
-              <a:rPr lang="ko-KR" altLang="en-US" dirty="0"/>
-              <a:t> </a:t>
-            </a:r>
-            <a:r>
-              <a:rPr lang="ko-KR" altLang="en-US" dirty="0" smtClean="0"/>
-              <a:t> </a:t>
-            </a:r>
-            <a:r>
-              <a:rPr lang="en-US" altLang="ko-KR" sz="2000" b="1" dirty="0" smtClean="0">
-                <a:solidFill>
-                  <a:srgbClr val="C00000"/>
-                </a:solidFill>
-              </a:rPr>
-              <a:t>background-image </a:t>
-            </a:r>
-            <a:r>
-              <a:rPr lang="ko-KR" altLang="en-US" dirty="0" smtClean="0">
-                <a:solidFill>
-                  <a:srgbClr val="C00000"/>
-                </a:solidFill>
-              </a:rPr>
-              <a:t>속성 </a:t>
-            </a:r>
-            <a:r>
-              <a:rPr lang="en-US" altLang="ko-KR" dirty="0" smtClean="0">
-                <a:solidFill>
-                  <a:srgbClr val="C00000"/>
-                </a:solidFill>
-              </a:rPr>
-              <a:t>– </a:t>
-            </a:r>
-            <a:r>
-              <a:rPr lang="ko-KR" altLang="en-US" dirty="0" smtClean="0">
-                <a:solidFill>
-                  <a:srgbClr val="C00000"/>
-                </a:solidFill>
-              </a:rPr>
-              <a:t>웹 요소에 배경 이미지 넣기</a:t>
-            </a:r>
-            <a:r>
-              <a:rPr lang="en-US" altLang="ko-KR" dirty="0">
-                <a:solidFill>
-                  <a:srgbClr val="C00000"/>
-                </a:solidFill>
-              </a:rPr>
-              <a:t> </a:t>
-            </a:r>
-            <a:r>
-              <a:rPr lang="en-US" altLang="ko-KR" dirty="0" smtClean="0">
-                <a:solidFill>
-                  <a:srgbClr val="C00000"/>
-                </a:solidFill>
-              </a:rPr>
-              <a:t>    </a:t>
-            </a:r>
-          </a:p>
-          <a:p>
-            <a:pPr>
-              <a:lnSpc>
-                <a:spcPct val="150000"/>
-              </a:lnSpc>
-            </a:pPr>
-            <a:r>
-              <a:rPr lang="en-US" altLang="ko-KR" dirty="0" smtClean="0"/>
-              <a:t>     background-image :</a:t>
-            </a:r>
-            <a:r>
-              <a:rPr lang="ko-KR" altLang="en-US" dirty="0" smtClean="0"/>
-              <a:t> </a:t>
-            </a:r>
-            <a:r>
-              <a:rPr lang="en-US" altLang="ko-KR" dirty="0" err="1" smtClean="0"/>
-              <a:t>url</a:t>
-            </a:r>
-            <a:r>
-              <a:rPr lang="en-US" altLang="ko-KR" dirty="0" smtClean="0"/>
-              <a:t>(</a:t>
-            </a:r>
-            <a:r>
-              <a:rPr lang="ko-KR" altLang="en-US" dirty="0" smtClean="0"/>
-              <a:t>파일경로</a:t>
-            </a:r>
-            <a:r>
-              <a:rPr lang="en-US" altLang="ko-KR" dirty="0" smtClean="0"/>
-              <a:t>)</a:t>
-            </a:r>
-          </a:p>
-          <a:p>
-            <a:r>
-              <a:rPr lang="en-US" altLang="ko-KR" dirty="0"/>
-              <a:t> </a:t>
-            </a:r>
-            <a:r>
-              <a:rPr lang="en-US" altLang="ko-KR" dirty="0" smtClean="0"/>
-              <a:t>    </a:t>
-            </a:r>
-            <a:r>
-              <a:rPr lang="ko-KR" altLang="en-US" dirty="0"/>
-              <a:t>브라우저 화면에 가득 찰 때까지 가로와 세로로 반복한다</a:t>
-            </a:r>
-            <a:r>
-              <a:rPr lang="en-US" altLang="ko-KR" dirty="0"/>
-              <a:t>.</a:t>
-            </a:r>
-            <a:endParaRPr lang="ko-KR" altLang="en-US" dirty="0"/>
-          </a:p>
-        </p:txBody>
-      </p:sp>
-      <p:pic>
-        <p:nvPicPr>
-          <p:cNvPr id="3" name="그림 2"/>
-          <p:cNvPicPr>
-            <a:picLocks noChangeAspect="1"/>
-          </p:cNvPicPr>
-          <p:nvPr/>
-        </p:nvPicPr>
-        <p:blipFill>
-          <a:blip r:embed="rId2">
-            <a:extLst>
-              <a:ext uri="{28A0092B-C50C-407E-A947-70E740481C1C}">
-                <a14:useLocalDpi xmlns:a14="http://schemas.microsoft.com/office/drawing/2010/main" val="0"/>
-              </a:ext>
-            </a:extLst>
-          </a:blip>
-          <a:stretch>
-            <a:fillRect/>
-          </a:stretch>
-        </p:blipFill>
-        <p:spPr>
-          <a:xfrm>
-            <a:off x="5045306" y="3429000"/>
-            <a:ext cx="4410691" cy="2057687"/>
-          </a:xfrm>
-          <a:prstGeom prst="rect">
-            <a:avLst/>
-          </a:prstGeom>
-          <a:ln>
-            <a:solidFill>
-              <a:schemeClr val="bg1">
-                <a:lumMod val="85000"/>
-              </a:schemeClr>
-            </a:solidFill>
-          </a:ln>
-        </p:spPr>
-      </p:pic>
-      <p:sp>
-        <p:nvSpPr>
-          <p:cNvPr id="7" name="TextBox 6"/>
-          <p:cNvSpPr txBox="1"/>
-          <p:nvPr/>
-        </p:nvSpPr>
-        <p:spPr>
-          <a:xfrm>
-            <a:off x="920552" y="2451229"/>
-            <a:ext cx="2592288" cy="454292"/>
-          </a:xfrm>
-          <a:prstGeom prst="rect">
-            <a:avLst/>
-          </a:prstGeom>
-          <a:noFill/>
-        </p:spPr>
-        <p:txBody>
-          <a:bodyPr wrap="square" rtlCol="0">
-            <a:spAutoFit/>
-          </a:bodyPr>
-          <a:lstStyle/>
-          <a:p>
-            <a:pPr>
-              <a:lnSpc>
-                <a:spcPct val="150000"/>
-              </a:lnSpc>
-            </a:pPr>
-            <a:r>
-              <a:rPr lang="ko-KR" altLang="en-US" dirty="0" smtClean="0">
-                <a:solidFill>
-                  <a:srgbClr val="C00000"/>
-                </a:solidFill>
-              </a:rPr>
-              <a:t>예제</a:t>
-            </a:r>
-            <a:r>
-              <a:rPr lang="en-US" altLang="ko-KR" dirty="0" smtClean="0">
-                <a:solidFill>
-                  <a:srgbClr val="C00000"/>
-                </a:solidFill>
-              </a:rPr>
-              <a:t>. bg-image.html </a:t>
-            </a:r>
-            <a:r>
-              <a:rPr lang="ko-KR" altLang="en-US" dirty="0" smtClean="0">
-                <a:solidFill>
-                  <a:srgbClr val="C00000"/>
-                </a:solidFill>
-              </a:rPr>
-              <a:t> </a:t>
-            </a:r>
-            <a:endParaRPr lang="en-US" altLang="ko-KR" dirty="0" smtClean="0">
-              <a:solidFill>
-                <a:srgbClr val="C00000"/>
-              </a:solidFill>
-            </a:endParaRPr>
-          </a:p>
-        </p:txBody>
-      </p:sp>
-      <p:pic>
-        <p:nvPicPr>
-          <p:cNvPr id="5" name="그림 4"/>
-          <p:cNvPicPr>
-            <a:picLocks noChangeAspect="1"/>
-          </p:cNvPicPr>
-          <p:nvPr/>
-        </p:nvPicPr>
-        <p:blipFill>
-          <a:blip r:embed="rId3">
-            <a:extLst>
-              <a:ext uri="{28A0092B-C50C-407E-A947-70E740481C1C}">
-                <a14:useLocalDpi xmlns:a14="http://schemas.microsoft.com/office/drawing/2010/main" val="0"/>
-              </a:ext>
-            </a:extLst>
-          </a:blip>
-          <a:stretch>
-            <a:fillRect/>
-          </a:stretch>
-        </p:blipFill>
-        <p:spPr>
-          <a:xfrm>
-            <a:off x="1214681" y="3089604"/>
-            <a:ext cx="3589331" cy="2972058"/>
-          </a:xfrm>
-          <a:prstGeom prst="rect">
-            <a:avLst/>
-          </a:prstGeom>
-          <a:ln>
-            <a:solidFill>
-              <a:schemeClr val="bg1">
-                <a:lumMod val="85000"/>
-              </a:schemeClr>
-            </a:solidFill>
-          </a:ln>
-        </p:spPr>
-      </p:pic>
-    </p:spTree>
-    <p:extLst>
-      <p:ext uri="{BB962C8B-B14F-4D97-AF65-F5344CB8AC3E}">
-        <p14:creationId xmlns:p14="http://schemas.microsoft.com/office/powerpoint/2010/main" val="2247882387"/>
       </p:ext>
     </p:extLst>
   </p:cSld>
@@ -7663,9 +7560,10 @@
           <a:p>
             <a:pPr algn="ctr"/>
             <a:r>
-              <a:rPr lang="ko-KR" altLang="en-US" sz="2800" dirty="0"/>
-              <a:t>배경 이미지 넣기</a:t>
-            </a:r>
+              <a:rPr lang="ko-KR" altLang="en-US" sz="2800" dirty="0" smtClean="0"/>
+              <a:t>배경 색상 스타일</a:t>
+            </a:r>
+            <a:endParaRPr lang="ko-KR" altLang="en-US" sz="2800" dirty="0"/>
           </a:p>
         </p:txBody>
       </p:sp>
@@ -7687,6 +7585,1248 @@
             <a:fld id="{1BDE3FE7-3AEA-4B05-AC5A-802D1816ACF0}" type="slidenum">
               <a:rPr lang="ko-KR" altLang="en-US" smtClean="0"/>
               <a:t>18</a:t>
+            </a:fld>
+            <a:endParaRPr lang="ko-KR" altLang="en-US"/>
+          </a:p>
+        </p:txBody>
+      </p:sp>
+      <p:sp>
+        <p:nvSpPr>
+          <p:cNvPr id="21" name="TextBox 20"/>
+          <p:cNvSpPr txBox="1"/>
+          <p:nvPr/>
+        </p:nvSpPr>
+        <p:spPr>
+          <a:xfrm>
+            <a:off x="704527" y="1175548"/>
+            <a:ext cx="8706173" cy="915956"/>
+          </a:xfrm>
+          <a:prstGeom prst="rect">
+            <a:avLst/>
+          </a:prstGeom>
+          <a:noFill/>
+        </p:spPr>
+        <p:txBody>
+          <a:bodyPr wrap="square" rtlCol="0">
+            <a:spAutoFit/>
+          </a:bodyPr>
+          <a:lstStyle/>
+          <a:p>
+            <a:pPr>
+              <a:lnSpc>
+                <a:spcPct val="150000"/>
+              </a:lnSpc>
+            </a:pPr>
+            <a:r>
+              <a:rPr lang="ko-KR" altLang="en-US" dirty="0"/>
+              <a:t> </a:t>
+            </a:r>
+            <a:r>
+              <a:rPr lang="ko-KR" altLang="en-US" dirty="0" smtClean="0"/>
+              <a:t>  </a:t>
+            </a:r>
+            <a:r>
+              <a:rPr lang="en-US" altLang="ko-KR" sz="2000" b="1" dirty="0" smtClean="0">
+                <a:solidFill>
+                  <a:srgbClr val="C00000"/>
+                </a:solidFill>
+              </a:rPr>
+              <a:t>background-color</a:t>
+            </a:r>
+            <a:r>
+              <a:rPr lang="en-US" altLang="ko-KR" dirty="0" smtClean="0">
+                <a:solidFill>
+                  <a:srgbClr val="C00000"/>
+                </a:solidFill>
+              </a:rPr>
+              <a:t> </a:t>
+            </a:r>
+            <a:r>
+              <a:rPr lang="ko-KR" altLang="en-US" dirty="0" smtClean="0">
+                <a:solidFill>
+                  <a:srgbClr val="C00000"/>
+                </a:solidFill>
+              </a:rPr>
+              <a:t>속성 </a:t>
+            </a:r>
+            <a:endParaRPr lang="en-US" altLang="ko-KR" dirty="0" smtClean="0">
+              <a:solidFill>
+                <a:srgbClr val="C00000"/>
+              </a:solidFill>
+            </a:endParaRPr>
+          </a:p>
+          <a:p>
+            <a:pPr marL="742950" lvl="1" indent="-285750">
+              <a:lnSpc>
+                <a:spcPct val="150000"/>
+              </a:lnSpc>
+              <a:buFont typeface="Arial" panose="020B0604020202020204" pitchFamily="34" charset="0"/>
+              <a:buChar char="•"/>
+            </a:pPr>
+            <a:r>
+              <a:rPr lang="ko-KR" altLang="en-US" dirty="0" smtClean="0"/>
+              <a:t>웹 문서의 전체 배경색을 지정하려면 </a:t>
+            </a:r>
+            <a:r>
+              <a:rPr lang="en-US" altLang="ko-KR" dirty="0" smtClean="0"/>
+              <a:t>background-color </a:t>
+            </a:r>
+            <a:r>
+              <a:rPr lang="ko-KR" altLang="en-US" dirty="0" smtClean="0"/>
+              <a:t>속성을 사용 </a:t>
+            </a:r>
+            <a:endParaRPr lang="en-US" altLang="ko-KR" dirty="0" smtClean="0"/>
+          </a:p>
+        </p:txBody>
+      </p:sp>
+      <p:sp>
+        <p:nvSpPr>
+          <p:cNvPr id="5" name="TextBox 4"/>
+          <p:cNvSpPr txBox="1"/>
+          <p:nvPr/>
+        </p:nvSpPr>
+        <p:spPr>
+          <a:xfrm>
+            <a:off x="1496616" y="2204864"/>
+            <a:ext cx="5760640" cy="923330"/>
+          </a:xfrm>
+          <a:prstGeom prst="rect">
+            <a:avLst/>
+          </a:prstGeom>
+          <a:solidFill>
+            <a:schemeClr val="accent4">
+              <a:lumMod val="20000"/>
+              <a:lumOff val="80000"/>
+            </a:schemeClr>
+          </a:solidFill>
+        </p:spPr>
+        <p:txBody>
+          <a:bodyPr wrap="square" rtlCol="0">
+            <a:spAutoFit/>
+          </a:bodyPr>
+          <a:lstStyle/>
+          <a:p>
+            <a:r>
+              <a:rPr lang="en-US" altLang="ko-KR" b="1" dirty="0" smtClean="0">
+                <a:solidFill>
+                  <a:srgbClr val="C00000"/>
+                </a:solidFill>
+              </a:rPr>
+              <a:t>background-color: </a:t>
+            </a:r>
+            <a:r>
+              <a:rPr lang="en-US" altLang="ko-KR" b="1" dirty="0" smtClean="0">
+                <a:solidFill>
+                  <a:srgbClr val="0070C0"/>
+                </a:solidFill>
+              </a:rPr>
+              <a:t>#00ff00;</a:t>
+            </a:r>
+          </a:p>
+          <a:p>
+            <a:r>
+              <a:rPr lang="en-US" altLang="ko-KR" b="1" dirty="0">
+                <a:solidFill>
+                  <a:srgbClr val="C00000"/>
+                </a:solidFill>
+              </a:rPr>
+              <a:t>background-color: </a:t>
+            </a:r>
+            <a:r>
+              <a:rPr lang="en-US" altLang="ko-KR" b="1" dirty="0" err="1" smtClean="0">
+                <a:solidFill>
+                  <a:srgbClr val="0070C0"/>
+                </a:solidFill>
+              </a:rPr>
+              <a:t>rgb</a:t>
+            </a:r>
+            <a:r>
+              <a:rPr lang="en-US" altLang="ko-KR" b="1" dirty="0" smtClean="0">
+                <a:solidFill>
+                  <a:srgbClr val="0070C0"/>
+                </a:solidFill>
+              </a:rPr>
+              <a:t>(0, 255, 0);</a:t>
+            </a:r>
+            <a:endParaRPr lang="en-US" altLang="ko-KR" b="1" dirty="0">
+              <a:solidFill>
+                <a:srgbClr val="0070C0"/>
+              </a:solidFill>
+            </a:endParaRPr>
+          </a:p>
+          <a:p>
+            <a:r>
+              <a:rPr lang="en-US" altLang="ko-KR" b="1" dirty="0">
+                <a:solidFill>
+                  <a:srgbClr val="C00000"/>
+                </a:solidFill>
+              </a:rPr>
+              <a:t>background-color: </a:t>
+            </a:r>
+            <a:r>
+              <a:rPr lang="en-US" altLang="ko-KR" b="1" dirty="0" smtClean="0">
+                <a:solidFill>
+                  <a:srgbClr val="0070C0"/>
+                </a:solidFill>
+              </a:rPr>
+              <a:t>green;</a:t>
+            </a:r>
+            <a:endParaRPr lang="en-US" altLang="ko-KR" b="1" dirty="0">
+              <a:solidFill>
+                <a:srgbClr val="0070C0"/>
+              </a:solidFill>
+            </a:endParaRPr>
+          </a:p>
+        </p:txBody>
+      </p:sp>
+      <p:pic>
+        <p:nvPicPr>
+          <p:cNvPr id="6" name="그림 5"/>
+          <p:cNvPicPr>
+            <a:picLocks noChangeAspect="1"/>
+          </p:cNvPicPr>
+          <p:nvPr/>
+        </p:nvPicPr>
+        <p:blipFill>
+          <a:blip r:embed="rId2">
+            <a:extLst>
+              <a:ext uri="{28A0092B-C50C-407E-A947-70E740481C1C}">
+                <a14:useLocalDpi xmlns:a14="http://schemas.microsoft.com/office/drawing/2010/main" val="0"/>
+              </a:ext>
+            </a:extLst>
+          </a:blip>
+          <a:stretch>
+            <a:fillRect/>
+          </a:stretch>
+        </p:blipFill>
+        <p:spPr>
+          <a:xfrm>
+            <a:off x="4967998" y="3499082"/>
+            <a:ext cx="3715771" cy="1255913"/>
+          </a:xfrm>
+          <a:prstGeom prst="rect">
+            <a:avLst/>
+          </a:prstGeom>
+          <a:ln>
+            <a:solidFill>
+              <a:schemeClr val="bg1">
+                <a:lumMod val="95000"/>
+              </a:schemeClr>
+            </a:solidFill>
+          </a:ln>
+        </p:spPr>
+      </p:pic>
+      <p:pic>
+        <p:nvPicPr>
+          <p:cNvPr id="7" name="그림 6"/>
+          <p:cNvPicPr>
+            <a:picLocks noChangeAspect="1"/>
+          </p:cNvPicPr>
+          <p:nvPr/>
+        </p:nvPicPr>
+        <p:blipFill>
+          <a:blip r:embed="rId3">
+            <a:extLst>
+              <a:ext uri="{28A0092B-C50C-407E-A947-70E740481C1C}">
+                <a14:useLocalDpi xmlns:a14="http://schemas.microsoft.com/office/drawing/2010/main" val="0"/>
+              </a:ext>
+            </a:extLst>
+          </a:blip>
+          <a:stretch>
+            <a:fillRect/>
+          </a:stretch>
+        </p:blipFill>
+        <p:spPr>
+          <a:xfrm>
+            <a:off x="1568624" y="3429000"/>
+            <a:ext cx="3139712" cy="2651990"/>
+          </a:xfrm>
+          <a:prstGeom prst="rect">
+            <a:avLst/>
+          </a:prstGeom>
+        </p:spPr>
+      </p:pic>
+    </p:spTree>
+    <p:extLst>
+      <p:ext uri="{BB962C8B-B14F-4D97-AF65-F5344CB8AC3E}">
+        <p14:creationId xmlns:p14="http://schemas.microsoft.com/office/powerpoint/2010/main" val="3650585690"/>
+      </p:ext>
+    </p:extLst>
+  </p:cSld>
+  <p:clrMapOvr>
+    <a:masterClrMapping/>
+  </p:clrMapOvr>
+  <p:timing>
+    <p:tnLst>
+      <p:par>
+        <p:cTn id="1" dur="indefinite" restart="never" nodeType="tmRoot"/>
+      </p:par>
+    </p:tnLst>
+  </p:timing>
+</p:sld>
+</file>
+
+<file path=ppt/slides/slide19.xml><?xml version="1.0" encoding="utf-8"?>
+<p:sld xmlns:a="http://schemas.openxmlformats.org/drawingml/2006/main" xmlns:r="http://schemas.openxmlformats.org/officeDocument/2006/relationships" xmlns:p="http://schemas.openxmlformats.org/presentationml/2006/main">
+  <p:cSld>
+    <p:spTree>
+      <p:nvGrpSpPr>
+        <p:cNvPr id="1" name=""/>
+        <p:cNvGrpSpPr/>
+        <p:nvPr/>
+      </p:nvGrpSpPr>
+      <p:grpSpPr>
+        <a:xfrm>
+          <a:off x="0" y="0"/>
+          <a:ext cx="0" cy="0"/>
+          <a:chOff x="0" y="0"/>
+          <a:chExt cx="0" cy="0"/>
+        </a:xfrm>
+      </p:grpSpPr>
+      <p:sp>
+        <p:nvSpPr>
+          <p:cNvPr id="2" name="제목 1"/>
+          <p:cNvSpPr>
+            <a:spLocks noGrp="1"/>
+          </p:cNvSpPr>
+          <p:nvPr>
+            <p:ph type="title"/>
+          </p:nvPr>
+        </p:nvSpPr>
+        <p:spPr>
+          <a:xfrm>
+            <a:off x="416497" y="197768"/>
+            <a:ext cx="6412780" cy="854968"/>
+          </a:xfrm>
+        </p:spPr>
+        <p:txBody>
+          <a:bodyPr>
+            <a:noAutofit/>
+          </a:bodyPr>
+          <a:lstStyle/>
+          <a:p>
+            <a:pPr algn="ctr"/>
+            <a:r>
+              <a:rPr lang="ko-KR" altLang="en-US" sz="2800" dirty="0" smtClean="0"/>
+              <a:t>배경 이미지 넣</a:t>
+            </a:r>
+            <a:r>
+              <a:rPr lang="ko-KR" altLang="en-US" sz="2800" dirty="0"/>
+              <a:t>기</a:t>
+            </a:r>
+          </a:p>
+        </p:txBody>
+      </p:sp>
+      <p:sp>
+        <p:nvSpPr>
+          <p:cNvPr id="4" name="슬라이드 번호 개체 틀 3"/>
+          <p:cNvSpPr>
+            <a:spLocks noGrp="1"/>
+          </p:cNvSpPr>
+          <p:nvPr>
+            <p:ph type="sldNum" sz="quarter" idx="12"/>
+          </p:nvPr>
+        </p:nvSpPr>
+        <p:spPr/>
+        <p:txBody>
+          <a:bodyPr/>
+          <a:lstStyle/>
+          <a:p>
+            <a:fld id="{1BDE3FE7-3AEA-4B05-AC5A-802D1816ACF0}" type="slidenum">
+              <a:rPr lang="ko-KR" altLang="en-US" smtClean="0"/>
+              <a:t>19</a:t>
+            </a:fld>
+            <a:endParaRPr lang="ko-KR" altLang="en-US"/>
+          </a:p>
+        </p:txBody>
+      </p:sp>
+      <p:sp>
+        <p:nvSpPr>
+          <p:cNvPr id="21" name="TextBox 20"/>
+          <p:cNvSpPr txBox="1"/>
+          <p:nvPr/>
+        </p:nvSpPr>
+        <p:spPr>
+          <a:xfrm>
+            <a:off x="704528" y="1175548"/>
+            <a:ext cx="6768752" cy="1246495"/>
+          </a:xfrm>
+          <a:prstGeom prst="rect">
+            <a:avLst/>
+          </a:prstGeom>
+          <a:noFill/>
+        </p:spPr>
+        <p:txBody>
+          <a:bodyPr wrap="square" rtlCol="0">
+            <a:spAutoFit/>
+          </a:bodyPr>
+          <a:lstStyle/>
+          <a:p>
+            <a:pPr>
+              <a:lnSpc>
+                <a:spcPct val="150000"/>
+              </a:lnSpc>
+            </a:pPr>
+            <a:r>
+              <a:rPr lang="ko-KR" altLang="en-US" dirty="0"/>
+              <a:t> </a:t>
+            </a:r>
+            <a:r>
+              <a:rPr lang="ko-KR" altLang="en-US" dirty="0" smtClean="0"/>
+              <a:t> </a:t>
+            </a:r>
+            <a:r>
+              <a:rPr lang="en-US" altLang="ko-KR" sz="2000" b="1" dirty="0" smtClean="0">
+                <a:solidFill>
+                  <a:srgbClr val="C00000"/>
+                </a:solidFill>
+              </a:rPr>
+              <a:t>background-image </a:t>
+            </a:r>
+            <a:r>
+              <a:rPr lang="ko-KR" altLang="en-US" dirty="0" smtClean="0">
+                <a:solidFill>
+                  <a:srgbClr val="C00000"/>
+                </a:solidFill>
+              </a:rPr>
+              <a:t>속성 </a:t>
+            </a:r>
+            <a:r>
+              <a:rPr lang="en-US" altLang="ko-KR" dirty="0" smtClean="0">
+                <a:solidFill>
+                  <a:srgbClr val="C00000"/>
+                </a:solidFill>
+              </a:rPr>
+              <a:t>– </a:t>
+            </a:r>
+            <a:r>
+              <a:rPr lang="ko-KR" altLang="en-US" dirty="0" smtClean="0">
+                <a:solidFill>
+                  <a:srgbClr val="C00000"/>
+                </a:solidFill>
+              </a:rPr>
+              <a:t>웹 요소에 배경 이미지 넣기</a:t>
+            </a:r>
+            <a:r>
+              <a:rPr lang="en-US" altLang="ko-KR" dirty="0">
+                <a:solidFill>
+                  <a:srgbClr val="C00000"/>
+                </a:solidFill>
+              </a:rPr>
+              <a:t> </a:t>
+            </a:r>
+            <a:r>
+              <a:rPr lang="en-US" altLang="ko-KR" dirty="0" smtClean="0">
+                <a:solidFill>
+                  <a:srgbClr val="C00000"/>
+                </a:solidFill>
+              </a:rPr>
+              <a:t>    </a:t>
+            </a:r>
+          </a:p>
+          <a:p>
+            <a:pPr>
+              <a:lnSpc>
+                <a:spcPct val="150000"/>
+              </a:lnSpc>
+            </a:pPr>
+            <a:r>
+              <a:rPr lang="en-US" altLang="ko-KR" dirty="0" smtClean="0"/>
+              <a:t>     background-image :</a:t>
+            </a:r>
+            <a:r>
+              <a:rPr lang="ko-KR" altLang="en-US" dirty="0" smtClean="0"/>
+              <a:t> </a:t>
+            </a:r>
+            <a:r>
+              <a:rPr lang="en-US" altLang="ko-KR" dirty="0" err="1" smtClean="0"/>
+              <a:t>url</a:t>
+            </a:r>
+            <a:r>
+              <a:rPr lang="en-US" altLang="ko-KR" dirty="0" smtClean="0"/>
+              <a:t>(</a:t>
+            </a:r>
+            <a:r>
+              <a:rPr lang="ko-KR" altLang="en-US" dirty="0" smtClean="0"/>
+              <a:t>파일경로</a:t>
+            </a:r>
+            <a:r>
+              <a:rPr lang="en-US" altLang="ko-KR" dirty="0" smtClean="0"/>
+              <a:t>)</a:t>
+            </a:r>
+          </a:p>
+          <a:p>
+            <a:r>
+              <a:rPr lang="en-US" altLang="ko-KR" dirty="0"/>
+              <a:t> </a:t>
+            </a:r>
+            <a:r>
+              <a:rPr lang="en-US" altLang="ko-KR" dirty="0" smtClean="0"/>
+              <a:t>    </a:t>
+            </a:r>
+            <a:r>
+              <a:rPr lang="ko-KR" altLang="en-US" dirty="0"/>
+              <a:t>브라우저 화면에 가득 찰 때까지 가로와 세로로 반복한다</a:t>
+            </a:r>
+            <a:r>
+              <a:rPr lang="en-US" altLang="ko-KR" dirty="0"/>
+              <a:t>.</a:t>
+            </a:r>
+            <a:endParaRPr lang="ko-KR" altLang="en-US" dirty="0"/>
+          </a:p>
+        </p:txBody>
+      </p:sp>
+      <p:pic>
+        <p:nvPicPr>
+          <p:cNvPr id="3" name="그림 2"/>
+          <p:cNvPicPr>
+            <a:picLocks noChangeAspect="1"/>
+          </p:cNvPicPr>
+          <p:nvPr/>
+        </p:nvPicPr>
+        <p:blipFill>
+          <a:blip r:embed="rId2">
+            <a:extLst>
+              <a:ext uri="{28A0092B-C50C-407E-A947-70E740481C1C}">
+                <a14:useLocalDpi xmlns:a14="http://schemas.microsoft.com/office/drawing/2010/main" val="0"/>
+              </a:ext>
+            </a:extLst>
+          </a:blip>
+          <a:stretch>
+            <a:fillRect/>
+          </a:stretch>
+        </p:blipFill>
+        <p:spPr>
+          <a:xfrm>
+            <a:off x="5045306" y="3429000"/>
+            <a:ext cx="4410691" cy="2057687"/>
+          </a:xfrm>
+          <a:prstGeom prst="rect">
+            <a:avLst/>
+          </a:prstGeom>
+          <a:ln>
+            <a:solidFill>
+              <a:schemeClr val="bg1">
+                <a:lumMod val="85000"/>
+              </a:schemeClr>
+            </a:solidFill>
+          </a:ln>
+        </p:spPr>
+      </p:pic>
+      <p:sp>
+        <p:nvSpPr>
+          <p:cNvPr id="7" name="TextBox 6"/>
+          <p:cNvSpPr txBox="1"/>
+          <p:nvPr/>
+        </p:nvSpPr>
+        <p:spPr>
+          <a:xfrm>
+            <a:off x="920552" y="2451229"/>
+            <a:ext cx="2592288" cy="454292"/>
+          </a:xfrm>
+          <a:prstGeom prst="rect">
+            <a:avLst/>
+          </a:prstGeom>
+          <a:noFill/>
+        </p:spPr>
+        <p:txBody>
+          <a:bodyPr wrap="square" rtlCol="0">
+            <a:spAutoFit/>
+          </a:bodyPr>
+          <a:lstStyle/>
+          <a:p>
+            <a:pPr>
+              <a:lnSpc>
+                <a:spcPct val="150000"/>
+              </a:lnSpc>
+            </a:pPr>
+            <a:r>
+              <a:rPr lang="ko-KR" altLang="en-US" dirty="0" smtClean="0">
+                <a:solidFill>
+                  <a:srgbClr val="C00000"/>
+                </a:solidFill>
+              </a:rPr>
+              <a:t>예제</a:t>
+            </a:r>
+            <a:r>
+              <a:rPr lang="en-US" altLang="ko-KR" dirty="0" smtClean="0">
+                <a:solidFill>
+                  <a:srgbClr val="C00000"/>
+                </a:solidFill>
+              </a:rPr>
+              <a:t>. bg-image.html </a:t>
+            </a:r>
+            <a:r>
+              <a:rPr lang="ko-KR" altLang="en-US" dirty="0" smtClean="0">
+                <a:solidFill>
+                  <a:srgbClr val="C00000"/>
+                </a:solidFill>
+              </a:rPr>
+              <a:t> </a:t>
+            </a:r>
+            <a:endParaRPr lang="en-US" altLang="ko-KR" dirty="0" smtClean="0">
+              <a:solidFill>
+                <a:srgbClr val="C00000"/>
+              </a:solidFill>
+            </a:endParaRPr>
+          </a:p>
+        </p:txBody>
+      </p:sp>
+      <p:pic>
+        <p:nvPicPr>
+          <p:cNvPr id="5" name="그림 4"/>
+          <p:cNvPicPr>
+            <a:picLocks noChangeAspect="1"/>
+          </p:cNvPicPr>
+          <p:nvPr/>
+        </p:nvPicPr>
+        <p:blipFill>
+          <a:blip r:embed="rId3">
+            <a:extLst>
+              <a:ext uri="{28A0092B-C50C-407E-A947-70E740481C1C}">
+                <a14:useLocalDpi xmlns:a14="http://schemas.microsoft.com/office/drawing/2010/main" val="0"/>
+              </a:ext>
+            </a:extLst>
+          </a:blip>
+          <a:stretch>
+            <a:fillRect/>
+          </a:stretch>
+        </p:blipFill>
+        <p:spPr>
+          <a:xfrm>
+            <a:off x="1214681" y="3089604"/>
+            <a:ext cx="3589331" cy="2972058"/>
+          </a:xfrm>
+          <a:prstGeom prst="rect">
+            <a:avLst/>
+          </a:prstGeom>
+          <a:ln>
+            <a:solidFill>
+              <a:schemeClr val="bg1">
+                <a:lumMod val="85000"/>
+              </a:schemeClr>
+            </a:solidFill>
+          </a:ln>
+        </p:spPr>
+      </p:pic>
+    </p:spTree>
+    <p:extLst>
+      <p:ext uri="{BB962C8B-B14F-4D97-AF65-F5344CB8AC3E}">
+        <p14:creationId xmlns:p14="http://schemas.microsoft.com/office/powerpoint/2010/main" val="2247882387"/>
+      </p:ext>
+    </p:extLst>
+  </p:cSld>
+  <p:clrMapOvr>
+    <a:masterClrMapping/>
+  </p:clrMapOvr>
+  <p:timing>
+    <p:tnLst>
+      <p:par>
+        <p:cTn id="1" dur="indefinite" restart="never" nodeType="tmRoot"/>
+      </p:par>
+    </p:tnLst>
+  </p:timing>
+</p:sld>
+</file>
+
+<file path=ppt/slides/slide2.xml><?xml version="1.0" encoding="utf-8"?>
+<p:sld xmlns:a="http://schemas.openxmlformats.org/drawingml/2006/main" xmlns:r="http://schemas.openxmlformats.org/officeDocument/2006/relationships" xmlns:p="http://schemas.openxmlformats.org/presentationml/2006/main">
+  <p:cSld>
+    <p:spTree>
+      <p:nvGrpSpPr>
+        <p:cNvPr id="1" name=""/>
+        <p:cNvGrpSpPr/>
+        <p:nvPr/>
+      </p:nvGrpSpPr>
+      <p:grpSpPr>
+        <a:xfrm>
+          <a:off x="0" y="0"/>
+          <a:ext cx="0" cy="0"/>
+          <a:chOff x="0" y="0"/>
+          <a:chExt cx="0" cy="0"/>
+        </a:xfrm>
+      </p:grpSpPr>
+      <p:sp>
+        <p:nvSpPr>
+          <p:cNvPr id="2" name="제목 1"/>
+          <p:cNvSpPr>
+            <a:spLocks noGrp="1"/>
+          </p:cNvSpPr>
+          <p:nvPr>
+            <p:ph type="title"/>
+          </p:nvPr>
+        </p:nvSpPr>
+        <p:spPr>
+          <a:xfrm>
+            <a:off x="416497" y="197768"/>
+            <a:ext cx="6412780" cy="854968"/>
+          </a:xfrm>
+        </p:spPr>
+        <p:txBody>
+          <a:bodyPr>
+            <a:noAutofit/>
+          </a:bodyPr>
+          <a:lstStyle/>
+          <a:p>
+            <a:r>
+              <a:rPr lang="ko-KR" altLang="en-US" sz="2800" dirty="0" smtClean="0"/>
+              <a:t>    목 차</a:t>
+            </a:r>
+            <a:endParaRPr lang="ko-KR" altLang="en-US" sz="2800" dirty="0"/>
+          </a:p>
+        </p:txBody>
+      </p:sp>
+      <p:sp>
+        <p:nvSpPr>
+          <p:cNvPr id="4" name="슬라이드 번호 개체 틀 3"/>
+          <p:cNvSpPr>
+            <a:spLocks noGrp="1"/>
+          </p:cNvSpPr>
+          <p:nvPr>
+            <p:ph type="sldNum" sz="quarter" idx="12"/>
+          </p:nvPr>
+        </p:nvSpPr>
+        <p:spPr/>
+        <p:txBody>
+          <a:bodyPr/>
+          <a:lstStyle/>
+          <a:p>
+            <a:fld id="{1BDE3FE7-3AEA-4B05-AC5A-802D1816ACF0}" type="slidenum">
+              <a:rPr lang="ko-KR" altLang="en-US" smtClean="0"/>
+              <a:t>2</a:t>
+            </a:fld>
+            <a:endParaRPr lang="ko-KR" altLang="en-US"/>
+          </a:p>
+        </p:txBody>
+      </p:sp>
+      <p:sp>
+        <p:nvSpPr>
+          <p:cNvPr id="3" name="모서리가 둥근 직사각형 2"/>
+          <p:cNvSpPr/>
+          <p:nvPr/>
+        </p:nvSpPr>
+        <p:spPr>
+          <a:xfrm>
+            <a:off x="1779566" y="1628800"/>
+            <a:ext cx="5261665" cy="792088"/>
+          </a:xfrm>
+          <a:prstGeom prst="roundRect">
+            <a:avLst/>
+          </a:prstGeom>
+          <a:solidFill>
+            <a:schemeClr val="accent6">
+              <a:lumMod val="20000"/>
+              <a:lumOff val="80000"/>
+            </a:schemeClr>
+          </a:solidFill>
+          <a:ln>
+            <a:solidFill>
+              <a:schemeClr val="accent6">
+                <a:lumMod val="40000"/>
+                <a:lumOff val="60000"/>
+              </a:schemeClr>
+            </a:solidFill>
+          </a:ln>
+        </p:spPr>
+        <p:style>
+          <a:lnRef idx="2">
+            <a:schemeClr val="dk1"/>
+          </a:lnRef>
+          <a:fillRef idx="1">
+            <a:schemeClr val="lt1"/>
+          </a:fillRef>
+          <a:effectRef idx="0">
+            <a:schemeClr val="dk1"/>
+          </a:effectRef>
+          <a:fontRef idx="minor">
+            <a:schemeClr val="dk1"/>
+          </a:fontRef>
+        </p:style>
+        <p:txBody>
+          <a:bodyPr rtlCol="0" anchor="ctr"/>
+          <a:lstStyle/>
+          <a:p>
+            <a:r>
+              <a:rPr lang="en-US" altLang="ko-KR" sz="2000" b="1" dirty="0" smtClean="0">
+                <a:solidFill>
+                  <a:schemeClr val="tx1"/>
+                </a:solidFill>
+              </a:rPr>
+              <a:t>     CSS</a:t>
+            </a:r>
+            <a:r>
+              <a:rPr lang="ko-KR" altLang="en-US" sz="2000" b="1" dirty="0">
+                <a:solidFill>
+                  <a:schemeClr val="tx1"/>
+                </a:solidFill>
+              </a:rPr>
+              <a:t> </a:t>
+            </a:r>
+            <a:r>
+              <a:rPr lang="ko-KR" altLang="en-US" sz="2000" b="1" dirty="0" err="1" smtClean="0">
+                <a:solidFill>
+                  <a:schemeClr val="tx1"/>
+                </a:solidFill>
+              </a:rPr>
+              <a:t>선택자</a:t>
+            </a:r>
+            <a:r>
+              <a:rPr lang="en-US" altLang="ko-KR" sz="2000" b="1" dirty="0" smtClean="0">
+                <a:solidFill>
+                  <a:schemeClr val="tx1"/>
+                </a:solidFill>
+              </a:rPr>
+              <a:t>(</a:t>
+            </a:r>
+            <a:r>
+              <a:rPr lang="en-US" altLang="ko-KR" sz="2000" b="1" dirty="0" err="1">
+                <a:solidFill>
+                  <a:schemeClr val="tx1"/>
+                </a:solidFill>
+              </a:rPr>
+              <a:t>S</a:t>
+            </a:r>
+            <a:r>
+              <a:rPr lang="en-US" altLang="ko-KR" sz="2000" b="1" dirty="0" err="1" smtClean="0">
+                <a:solidFill>
+                  <a:schemeClr val="tx1"/>
+                </a:solidFill>
+              </a:rPr>
+              <a:t>elctor</a:t>
+            </a:r>
+            <a:r>
+              <a:rPr lang="en-US" altLang="ko-KR" sz="2000" b="1" dirty="0" smtClean="0">
+                <a:solidFill>
+                  <a:schemeClr val="tx1"/>
+                </a:solidFill>
+              </a:rPr>
+              <a:t>)</a:t>
+            </a:r>
+            <a:endParaRPr lang="ko-KR" altLang="en-US" sz="2000" b="1" dirty="0">
+              <a:solidFill>
+                <a:schemeClr val="tx1"/>
+              </a:solidFill>
+            </a:endParaRPr>
+          </a:p>
+        </p:txBody>
+      </p:sp>
+      <p:sp>
+        <p:nvSpPr>
+          <p:cNvPr id="5" name="타원 4"/>
+          <p:cNvSpPr/>
+          <p:nvPr/>
+        </p:nvSpPr>
+        <p:spPr>
+          <a:xfrm>
+            <a:off x="1424608" y="1340768"/>
+            <a:ext cx="792088" cy="648072"/>
+          </a:xfrm>
+          <a:prstGeom prst="ellipse">
+            <a:avLst/>
+          </a:prstGeom>
+          <a:solidFill>
+            <a:schemeClr val="accent6">
+              <a:lumMod val="75000"/>
+            </a:schemeClr>
+          </a:solidFill>
+          <a:ln w="12700">
+            <a:solidFill>
+              <a:schemeClr val="accent6">
+                <a:lumMod val="60000"/>
+                <a:lumOff val="40000"/>
+              </a:schemeClr>
+            </a:solidFill>
+          </a:ln>
+        </p:spPr>
+        <p:style>
+          <a:lnRef idx="2">
+            <a:schemeClr val="accent1">
+              <a:shade val="50000"/>
+            </a:schemeClr>
+          </a:lnRef>
+          <a:fillRef idx="1">
+            <a:schemeClr val="accent1"/>
+          </a:fillRef>
+          <a:effectRef idx="0">
+            <a:schemeClr val="accent1"/>
+          </a:effectRef>
+          <a:fontRef idx="minor">
+            <a:schemeClr val="lt1"/>
+          </a:fontRef>
+        </p:style>
+        <p:txBody>
+          <a:bodyPr rtlCol="0" anchor="ctr"/>
+          <a:lstStyle/>
+          <a:p>
+            <a:pPr algn="ctr"/>
+            <a:r>
+              <a:rPr lang="en-US" altLang="ko-KR" dirty="0" smtClean="0"/>
+              <a:t>1</a:t>
+            </a:r>
+            <a:endParaRPr lang="ko-KR" altLang="en-US" dirty="0"/>
+          </a:p>
+        </p:txBody>
+      </p:sp>
+      <p:sp>
+        <p:nvSpPr>
+          <p:cNvPr id="11" name="모서리가 둥근 직사각형 10"/>
+          <p:cNvSpPr/>
+          <p:nvPr/>
+        </p:nvSpPr>
+        <p:spPr>
+          <a:xfrm>
+            <a:off x="1779567" y="2852936"/>
+            <a:ext cx="5261665" cy="792088"/>
+          </a:xfrm>
+          <a:prstGeom prst="roundRect">
+            <a:avLst/>
+          </a:prstGeom>
+          <a:solidFill>
+            <a:schemeClr val="accent6">
+              <a:lumMod val="20000"/>
+              <a:lumOff val="80000"/>
+            </a:schemeClr>
+          </a:solidFill>
+          <a:ln>
+            <a:solidFill>
+              <a:schemeClr val="accent6">
+                <a:lumMod val="40000"/>
+                <a:lumOff val="60000"/>
+              </a:schemeClr>
+            </a:solidFill>
+          </a:ln>
+        </p:spPr>
+        <p:style>
+          <a:lnRef idx="2">
+            <a:schemeClr val="dk1"/>
+          </a:lnRef>
+          <a:fillRef idx="1">
+            <a:schemeClr val="lt1"/>
+          </a:fillRef>
+          <a:effectRef idx="0">
+            <a:schemeClr val="dk1"/>
+          </a:effectRef>
+          <a:fontRef idx="minor">
+            <a:schemeClr val="dk1"/>
+          </a:fontRef>
+        </p:style>
+        <p:txBody>
+          <a:bodyPr rtlCol="0" anchor="ctr"/>
+          <a:lstStyle/>
+          <a:p>
+            <a:r>
+              <a:rPr lang="en-US" altLang="ko-KR" sz="2000" b="1" dirty="0" smtClean="0">
+                <a:solidFill>
+                  <a:schemeClr val="tx1"/>
+                </a:solidFill>
+              </a:rPr>
+              <a:t>     id, class</a:t>
+            </a:r>
+            <a:r>
+              <a:rPr lang="ko-KR" altLang="en-US" sz="2000" b="1" dirty="0" smtClean="0">
+                <a:solidFill>
+                  <a:schemeClr val="tx1"/>
+                </a:solidFill>
+              </a:rPr>
+              <a:t>를 활용한 스타일 적용</a:t>
+            </a:r>
+            <a:endParaRPr lang="ko-KR" altLang="en-US" sz="2000" b="1" dirty="0">
+              <a:solidFill>
+                <a:schemeClr val="tx1"/>
+              </a:solidFill>
+            </a:endParaRPr>
+          </a:p>
+        </p:txBody>
+      </p:sp>
+      <p:sp>
+        <p:nvSpPr>
+          <p:cNvPr id="12" name="타원 11"/>
+          <p:cNvSpPr/>
+          <p:nvPr/>
+        </p:nvSpPr>
+        <p:spPr>
+          <a:xfrm>
+            <a:off x="1424608" y="2564904"/>
+            <a:ext cx="792088" cy="648072"/>
+          </a:xfrm>
+          <a:prstGeom prst="ellipse">
+            <a:avLst/>
+          </a:prstGeom>
+          <a:solidFill>
+            <a:schemeClr val="accent6">
+              <a:lumMod val="75000"/>
+            </a:schemeClr>
+          </a:solidFill>
+          <a:ln w="12700">
+            <a:solidFill>
+              <a:schemeClr val="accent6">
+                <a:lumMod val="60000"/>
+                <a:lumOff val="40000"/>
+              </a:schemeClr>
+            </a:solidFill>
+          </a:ln>
+        </p:spPr>
+        <p:style>
+          <a:lnRef idx="2">
+            <a:schemeClr val="accent1">
+              <a:shade val="50000"/>
+            </a:schemeClr>
+          </a:lnRef>
+          <a:fillRef idx="1">
+            <a:schemeClr val="accent1"/>
+          </a:fillRef>
+          <a:effectRef idx="0">
+            <a:schemeClr val="accent1"/>
+          </a:effectRef>
+          <a:fontRef idx="minor">
+            <a:schemeClr val="lt1"/>
+          </a:fontRef>
+        </p:style>
+        <p:txBody>
+          <a:bodyPr rtlCol="0" anchor="ctr"/>
+          <a:lstStyle/>
+          <a:p>
+            <a:pPr algn="ctr"/>
+            <a:r>
+              <a:rPr lang="en-US" altLang="ko-KR" dirty="0" smtClean="0"/>
+              <a:t>2</a:t>
+            </a:r>
+            <a:endParaRPr lang="ko-KR" altLang="en-US" dirty="0"/>
+          </a:p>
+        </p:txBody>
+      </p:sp>
+      <p:sp>
+        <p:nvSpPr>
+          <p:cNvPr id="15" name="모서리가 둥근 직사각형 14"/>
+          <p:cNvSpPr/>
+          <p:nvPr/>
+        </p:nvSpPr>
+        <p:spPr>
+          <a:xfrm>
+            <a:off x="1779567" y="4005064"/>
+            <a:ext cx="5261665" cy="792088"/>
+          </a:xfrm>
+          <a:prstGeom prst="roundRect">
+            <a:avLst/>
+          </a:prstGeom>
+          <a:solidFill>
+            <a:schemeClr val="accent6">
+              <a:lumMod val="20000"/>
+              <a:lumOff val="80000"/>
+            </a:schemeClr>
+          </a:solidFill>
+          <a:ln>
+            <a:solidFill>
+              <a:schemeClr val="accent6">
+                <a:lumMod val="40000"/>
+                <a:lumOff val="60000"/>
+              </a:schemeClr>
+            </a:solidFill>
+          </a:ln>
+        </p:spPr>
+        <p:style>
+          <a:lnRef idx="2">
+            <a:schemeClr val="dk1"/>
+          </a:lnRef>
+          <a:fillRef idx="1">
+            <a:schemeClr val="lt1"/>
+          </a:fillRef>
+          <a:effectRef idx="0">
+            <a:schemeClr val="dk1"/>
+          </a:effectRef>
+          <a:fontRef idx="minor">
+            <a:schemeClr val="dk1"/>
+          </a:fontRef>
+        </p:style>
+        <p:txBody>
+          <a:bodyPr rtlCol="0" anchor="ctr"/>
+          <a:lstStyle/>
+          <a:p>
+            <a:r>
+              <a:rPr lang="en-US" altLang="ko-KR" sz="2000" b="1" dirty="0" smtClean="0">
+                <a:solidFill>
+                  <a:schemeClr val="tx1"/>
+                </a:solidFill>
+              </a:rPr>
+              <a:t> </a:t>
+            </a:r>
+            <a:r>
+              <a:rPr lang="en-US" altLang="ko-KR" sz="2000" b="1" dirty="0">
+                <a:solidFill>
+                  <a:schemeClr val="tx1"/>
+                </a:solidFill>
+              </a:rPr>
+              <a:t> </a:t>
+            </a:r>
+            <a:r>
+              <a:rPr lang="en-US" altLang="ko-KR" sz="2000" b="1" dirty="0" smtClean="0">
+                <a:solidFill>
+                  <a:schemeClr val="tx1"/>
+                </a:solidFill>
+              </a:rPr>
+              <a:t>  </a:t>
+            </a:r>
+            <a:r>
+              <a:rPr lang="ko-KR" altLang="en-US" sz="2000" b="1" dirty="0" smtClean="0">
+                <a:solidFill>
+                  <a:schemeClr val="tx1"/>
+                </a:solidFill>
+              </a:rPr>
+              <a:t>배경 </a:t>
+            </a:r>
+            <a:r>
+              <a:rPr lang="ko-KR" altLang="en-US" sz="2000" b="1" dirty="0">
+                <a:solidFill>
+                  <a:schemeClr val="tx1"/>
+                </a:solidFill>
+              </a:rPr>
+              <a:t>관련 스타일 지정하기</a:t>
+            </a:r>
+          </a:p>
+        </p:txBody>
+      </p:sp>
+      <p:sp>
+        <p:nvSpPr>
+          <p:cNvPr id="16" name="타원 15"/>
+          <p:cNvSpPr/>
+          <p:nvPr/>
+        </p:nvSpPr>
+        <p:spPr>
+          <a:xfrm>
+            <a:off x="1424608" y="3717032"/>
+            <a:ext cx="792088" cy="648072"/>
+          </a:xfrm>
+          <a:prstGeom prst="ellipse">
+            <a:avLst/>
+          </a:prstGeom>
+          <a:solidFill>
+            <a:schemeClr val="accent6">
+              <a:lumMod val="75000"/>
+            </a:schemeClr>
+          </a:solidFill>
+          <a:ln w="12700">
+            <a:solidFill>
+              <a:schemeClr val="accent6">
+                <a:lumMod val="60000"/>
+                <a:lumOff val="40000"/>
+              </a:schemeClr>
+            </a:solidFill>
+          </a:ln>
+        </p:spPr>
+        <p:style>
+          <a:lnRef idx="2">
+            <a:schemeClr val="accent1">
+              <a:shade val="50000"/>
+            </a:schemeClr>
+          </a:lnRef>
+          <a:fillRef idx="1">
+            <a:schemeClr val="accent1"/>
+          </a:fillRef>
+          <a:effectRef idx="0">
+            <a:schemeClr val="accent1"/>
+          </a:effectRef>
+          <a:fontRef idx="minor">
+            <a:schemeClr val="lt1"/>
+          </a:fontRef>
+        </p:style>
+        <p:txBody>
+          <a:bodyPr rtlCol="0" anchor="ctr"/>
+          <a:lstStyle/>
+          <a:p>
+            <a:pPr algn="ctr"/>
+            <a:r>
+              <a:rPr lang="en-US" altLang="ko-KR" dirty="0" smtClean="0"/>
+              <a:t>3</a:t>
+            </a:r>
+            <a:endParaRPr lang="ko-KR" altLang="en-US" dirty="0"/>
+          </a:p>
+        </p:txBody>
+      </p:sp>
+    </p:spTree>
+    <p:extLst>
+      <p:ext uri="{BB962C8B-B14F-4D97-AF65-F5344CB8AC3E}">
+        <p14:creationId xmlns:p14="http://schemas.microsoft.com/office/powerpoint/2010/main" val="1892206234"/>
+      </p:ext>
+    </p:extLst>
+  </p:cSld>
+  <p:clrMapOvr>
+    <a:masterClrMapping/>
+  </p:clrMapOvr>
+  <p:timing>
+    <p:tnLst>
+      <p:par>
+        <p:cTn id="1" dur="indefinite" restart="never" nodeType="tmRoot"/>
+      </p:par>
+    </p:tnLst>
+  </p:timing>
+</p:sld>
+</file>
+
+<file path=ppt/slides/slide20.xml><?xml version="1.0" encoding="utf-8"?>
+<p:sld xmlns:a="http://schemas.openxmlformats.org/drawingml/2006/main" xmlns:r="http://schemas.openxmlformats.org/officeDocument/2006/relationships" xmlns:p="http://schemas.openxmlformats.org/presentationml/2006/main">
+  <p:cSld>
+    <p:spTree>
+      <p:nvGrpSpPr>
+        <p:cNvPr id="1" name=""/>
+        <p:cNvGrpSpPr/>
+        <p:nvPr/>
+      </p:nvGrpSpPr>
+      <p:grpSpPr>
+        <a:xfrm>
+          <a:off x="0" y="0"/>
+          <a:ext cx="0" cy="0"/>
+          <a:chOff x="0" y="0"/>
+          <a:chExt cx="0" cy="0"/>
+        </a:xfrm>
+      </p:grpSpPr>
+      <p:sp>
+        <p:nvSpPr>
+          <p:cNvPr id="2" name="제목 1"/>
+          <p:cNvSpPr>
+            <a:spLocks noGrp="1"/>
+          </p:cNvSpPr>
+          <p:nvPr>
+            <p:ph type="title"/>
+          </p:nvPr>
+        </p:nvSpPr>
+        <p:spPr>
+          <a:xfrm>
+            <a:off x="416497" y="197768"/>
+            <a:ext cx="6412780" cy="854968"/>
+          </a:xfrm>
+        </p:spPr>
+        <p:txBody>
+          <a:bodyPr>
+            <a:noAutofit/>
+          </a:bodyPr>
+          <a:lstStyle/>
+          <a:p>
+            <a:pPr algn="ctr"/>
+            <a:r>
+              <a:rPr lang="ko-KR" altLang="en-US" sz="2800" dirty="0"/>
+              <a:t>배경 이미지 넣기</a:t>
+            </a:r>
+          </a:p>
+        </p:txBody>
+      </p:sp>
+      <p:sp>
+        <p:nvSpPr>
+          <p:cNvPr id="4" name="슬라이드 번호 개체 틀 3"/>
+          <p:cNvSpPr>
+            <a:spLocks noGrp="1"/>
+          </p:cNvSpPr>
+          <p:nvPr>
+            <p:ph type="sldNum" sz="quarter" idx="12"/>
+          </p:nvPr>
+        </p:nvSpPr>
+        <p:spPr/>
+        <p:txBody>
+          <a:bodyPr/>
+          <a:lstStyle/>
+          <a:p>
+            <a:fld id="{1BDE3FE7-3AEA-4B05-AC5A-802D1816ACF0}" type="slidenum">
+              <a:rPr lang="ko-KR" altLang="en-US" smtClean="0"/>
+              <a:t>20</a:t>
             </a:fld>
             <a:endParaRPr lang="ko-KR" altLang="en-US"/>
           </a:p>
@@ -7808,8 +8948,20 @@
                 <a:tableStyleId>{5940675A-B579-460E-94D1-54222C63F5DA}</a:tableStyleId>
               </a:tblPr>
               <a:tblGrid>
-                <a:gridCol w="1597643"/>
-                <a:gridCol w="5832648"/>
+                <a:gridCol w="1597643">
+                  <a:extLst>
+                    <a:ext uri="{9D8B030D-6E8A-4147-A177-3AD203B41FA5}">
+                      <a16:colId xmlns:a16="http://schemas.microsoft.com/office/drawing/2014/main" val="20000"/>
+                    </a:ext>
+                  </a:extLst>
+                </a:gridCol>
+                <a:gridCol w="5832648">
+                  <a:extLst>
+                    <a:ext uri="{9D8B030D-6E8A-4147-A177-3AD203B41FA5}">
+                      <a16:colId xmlns:a16="http://schemas.microsoft.com/office/drawing/2014/main" val="20001"/>
+                    </a:ext>
+                  </a:extLst>
+                </a:gridCol>
               </a:tblGrid>
               <a:tr h="370840">
                 <a:tc>
@@ -7860,6 +9012,11 @@
                     </a:solidFill>
                   </a:tcPr>
                 </a:tc>
+                <a:extLst>
+                  <a:ext uri="{0D108BD9-81ED-4DB2-BD59-A6C34878D82A}">
+                    <a16:rowId xmlns:a16="http://schemas.microsoft.com/office/drawing/2014/main" val="10000"/>
+                  </a:ext>
+                </a:extLst>
               </a:tr>
               <a:tr h="370840">
                 <a:tc>
@@ -7907,6 +9064,11 @@
                     </a:lnR>
                   </a:tcPr>
                 </a:tc>
+                <a:extLst>
+                  <a:ext uri="{0D108BD9-81ED-4DB2-BD59-A6C34878D82A}">
+                    <a16:rowId xmlns:a16="http://schemas.microsoft.com/office/drawing/2014/main" val="10001"/>
+                  </a:ext>
+                </a:extLst>
               </a:tr>
               <a:tr h="370840">
                 <a:tc>
@@ -7950,6 +9112,11 @@
                     </a:lnR>
                   </a:tcPr>
                 </a:tc>
+                <a:extLst>
+                  <a:ext uri="{0D108BD9-81ED-4DB2-BD59-A6C34878D82A}">
+                    <a16:rowId xmlns:a16="http://schemas.microsoft.com/office/drawing/2014/main" val="10002"/>
+                  </a:ext>
+                </a:extLst>
               </a:tr>
               <a:tr h="370840">
                 <a:tc>
@@ -8009,6 +9176,11 @@
                     </a:lnR>
                   </a:tcPr>
                 </a:tc>
+                <a:extLst>
+                  <a:ext uri="{0D108BD9-81ED-4DB2-BD59-A6C34878D82A}">
+                    <a16:rowId xmlns:a16="http://schemas.microsoft.com/office/drawing/2014/main" val="10003"/>
+                  </a:ext>
+                </a:extLst>
               </a:tr>
               <a:tr h="370840">
                 <a:tc>
@@ -8056,6 +9228,11 @@
                     </a:lnR>
                   </a:tcPr>
                 </a:tc>
+                <a:extLst>
+                  <a:ext uri="{0D108BD9-81ED-4DB2-BD59-A6C34878D82A}">
+                    <a16:rowId xmlns:a16="http://schemas.microsoft.com/office/drawing/2014/main" val="10004"/>
+                  </a:ext>
+                </a:extLst>
               </a:tr>
             </a:tbl>
           </a:graphicData>
@@ -8118,7 +9295,7 @@
 </p:sld>
 </file>
 
-<file path=ppt/slides/slide19.xml><?xml version="1.0" encoding="utf-8"?>
+<file path=ppt/slides/slide21.xml><?xml version="1.0" encoding="utf-8"?>
 <p:sld xmlns:a="http://schemas.openxmlformats.org/drawingml/2006/main" xmlns:r="http://schemas.openxmlformats.org/officeDocument/2006/relationships" xmlns:p="http://schemas.openxmlformats.org/presentationml/2006/main">
   <p:cSld>
     <p:spTree>
@@ -8186,7 +9363,7 @@
           <a:p>
             <a:fld id="{1BDE3FE7-3AEA-4B05-AC5A-802D1816ACF0}" type="slidenum">
               <a:rPr lang="ko-KR" altLang="en-US" smtClean="0"/>
-              <a:t>19</a:t>
+              <a:t>21</a:t>
             </a:fld>
             <a:endParaRPr lang="ko-KR" altLang="en-US"/>
           </a:p>
@@ -8282,7 +9459,7 @@
 </p:sld>
 </file>
 
-<file path=ppt/slides/slide2.xml><?xml version="1.0" encoding="utf-8"?>
+<file path=ppt/slides/slide22.xml><?xml version="1.0" encoding="utf-8"?>
 <p:sld xmlns:a="http://schemas.openxmlformats.org/drawingml/2006/main" xmlns:r="http://schemas.openxmlformats.org/officeDocument/2006/relationships" xmlns:p="http://schemas.openxmlformats.org/presentationml/2006/main">
   <p:cSld>
     <p:spTree>
@@ -8321,9 +9498,10 @@
           </a:bodyPr>
           <a:lstStyle/>
           <a:p>
+            <a:pPr algn="ctr"/>
             <a:r>
               <a:rPr lang="ko-KR" altLang="en-US" sz="2800" dirty="0" smtClean="0"/>
-              <a:t>    목 차</a:t>
+              <a:t>배경 이미지 크기 조정</a:t>
             </a:r>
             <a:endParaRPr lang="ko-KR" altLang="en-US" sz="2800" dirty="0"/>
           </a:p>
@@ -8346,541 +9524,7 @@
           <a:p>
             <a:fld id="{1BDE3FE7-3AEA-4B05-AC5A-802D1816ACF0}" type="slidenum">
               <a:rPr lang="ko-KR" altLang="en-US" smtClean="0"/>
-              <a:t>2</a:t>
-            </a:fld>
-            <a:endParaRPr lang="ko-KR" altLang="en-US"/>
-          </a:p>
-        </p:txBody>
-      </p:sp>
-      <p:sp>
-        <p:nvSpPr>
-          <p:cNvPr id="3" name="모서리가 둥근 직사각형 2"/>
-          <p:cNvSpPr/>
-          <p:nvPr/>
-        </p:nvSpPr>
-        <p:spPr>
-          <a:xfrm>
-            <a:off x="1779566" y="1628800"/>
-            <a:ext cx="5261665" cy="792088"/>
-          </a:xfrm>
-          <a:prstGeom prst="roundRect">
-            <a:avLst/>
-          </a:prstGeom>
-          <a:solidFill>
-            <a:schemeClr val="accent6">
-              <a:lumMod val="20000"/>
-              <a:lumOff val="80000"/>
-            </a:schemeClr>
-          </a:solidFill>
-          <a:ln>
-            <a:solidFill>
-              <a:schemeClr val="accent6">
-                <a:lumMod val="40000"/>
-                <a:lumOff val="60000"/>
-              </a:schemeClr>
-            </a:solidFill>
-          </a:ln>
-        </p:spPr>
-        <p:style>
-          <a:lnRef idx="2">
-            <a:schemeClr val="dk1"/>
-          </a:lnRef>
-          <a:fillRef idx="1">
-            <a:schemeClr val="lt1"/>
-          </a:fillRef>
-          <a:effectRef idx="0">
-            <a:schemeClr val="dk1"/>
-          </a:effectRef>
-          <a:fontRef idx="minor">
-            <a:schemeClr val="dk1"/>
-          </a:fontRef>
-        </p:style>
-        <p:txBody>
-          <a:bodyPr rtlCol="0" anchor="ctr"/>
-          <a:lstStyle/>
-          <a:p>
-            <a:r>
-              <a:rPr lang="en-US" altLang="ko-KR" sz="2000" b="1" dirty="0" smtClean="0">
-                <a:solidFill>
-                  <a:schemeClr val="tx1"/>
-                </a:solidFill>
-              </a:rPr>
-              <a:t>     CSS</a:t>
-            </a:r>
-            <a:r>
-              <a:rPr lang="ko-KR" altLang="en-US" sz="2000" b="1" dirty="0">
-                <a:solidFill>
-                  <a:schemeClr val="tx1"/>
-                </a:solidFill>
-              </a:rPr>
-              <a:t> </a:t>
-            </a:r>
-            <a:r>
-              <a:rPr lang="ko-KR" altLang="en-US" sz="2000" b="1" dirty="0" err="1" smtClean="0">
-                <a:solidFill>
-                  <a:schemeClr val="tx1"/>
-                </a:solidFill>
-              </a:rPr>
-              <a:t>선택자</a:t>
-            </a:r>
-            <a:r>
-              <a:rPr lang="en-US" altLang="ko-KR" sz="2000" b="1" dirty="0" smtClean="0">
-                <a:solidFill>
-                  <a:schemeClr val="tx1"/>
-                </a:solidFill>
-              </a:rPr>
-              <a:t>(</a:t>
-            </a:r>
-            <a:r>
-              <a:rPr lang="en-US" altLang="ko-KR" sz="2000" b="1" dirty="0" err="1">
-                <a:solidFill>
-                  <a:schemeClr val="tx1"/>
-                </a:solidFill>
-              </a:rPr>
-              <a:t>S</a:t>
-            </a:r>
-            <a:r>
-              <a:rPr lang="en-US" altLang="ko-KR" sz="2000" b="1" dirty="0" err="1" smtClean="0">
-                <a:solidFill>
-                  <a:schemeClr val="tx1"/>
-                </a:solidFill>
-              </a:rPr>
-              <a:t>elctor</a:t>
-            </a:r>
-            <a:r>
-              <a:rPr lang="en-US" altLang="ko-KR" sz="2000" b="1" dirty="0" smtClean="0">
-                <a:solidFill>
-                  <a:schemeClr val="tx1"/>
-                </a:solidFill>
-              </a:rPr>
-              <a:t>)</a:t>
-            </a:r>
-            <a:endParaRPr lang="ko-KR" altLang="en-US" sz="2000" b="1" dirty="0">
-              <a:solidFill>
-                <a:schemeClr val="tx1"/>
-              </a:solidFill>
-            </a:endParaRPr>
-          </a:p>
-        </p:txBody>
-      </p:sp>
-      <p:sp>
-        <p:nvSpPr>
-          <p:cNvPr id="5" name="타원 4"/>
-          <p:cNvSpPr/>
-          <p:nvPr/>
-        </p:nvSpPr>
-        <p:spPr>
-          <a:xfrm>
-            <a:off x="1424608" y="1340768"/>
-            <a:ext cx="792088" cy="648072"/>
-          </a:xfrm>
-          <a:prstGeom prst="ellipse">
-            <a:avLst/>
-          </a:prstGeom>
-          <a:solidFill>
-            <a:schemeClr val="accent6">
-              <a:lumMod val="75000"/>
-            </a:schemeClr>
-          </a:solidFill>
-          <a:ln w="12700">
-            <a:solidFill>
-              <a:schemeClr val="accent6">
-                <a:lumMod val="60000"/>
-                <a:lumOff val="40000"/>
-              </a:schemeClr>
-            </a:solidFill>
-          </a:ln>
-        </p:spPr>
-        <p:style>
-          <a:lnRef idx="2">
-            <a:schemeClr val="accent1">
-              <a:shade val="50000"/>
-            </a:schemeClr>
-          </a:lnRef>
-          <a:fillRef idx="1">
-            <a:schemeClr val="accent1"/>
-          </a:fillRef>
-          <a:effectRef idx="0">
-            <a:schemeClr val="accent1"/>
-          </a:effectRef>
-          <a:fontRef idx="minor">
-            <a:schemeClr val="lt1"/>
-          </a:fontRef>
-        </p:style>
-        <p:txBody>
-          <a:bodyPr rtlCol="0" anchor="ctr"/>
-          <a:lstStyle/>
-          <a:p>
-            <a:pPr algn="ctr"/>
-            <a:r>
-              <a:rPr lang="en-US" altLang="ko-KR" dirty="0" smtClean="0"/>
-              <a:t>1</a:t>
-            </a:r>
-            <a:endParaRPr lang="ko-KR" altLang="en-US" dirty="0"/>
-          </a:p>
-        </p:txBody>
-      </p:sp>
-      <p:sp>
-        <p:nvSpPr>
-          <p:cNvPr id="11" name="모서리가 둥근 직사각형 10"/>
-          <p:cNvSpPr/>
-          <p:nvPr/>
-        </p:nvSpPr>
-        <p:spPr>
-          <a:xfrm>
-            <a:off x="1779567" y="2852936"/>
-            <a:ext cx="5261665" cy="792088"/>
-          </a:xfrm>
-          <a:prstGeom prst="roundRect">
-            <a:avLst/>
-          </a:prstGeom>
-          <a:solidFill>
-            <a:schemeClr val="accent6">
-              <a:lumMod val="20000"/>
-              <a:lumOff val="80000"/>
-            </a:schemeClr>
-          </a:solidFill>
-          <a:ln>
-            <a:solidFill>
-              <a:schemeClr val="accent6">
-                <a:lumMod val="40000"/>
-                <a:lumOff val="60000"/>
-              </a:schemeClr>
-            </a:solidFill>
-          </a:ln>
-        </p:spPr>
-        <p:style>
-          <a:lnRef idx="2">
-            <a:schemeClr val="dk1"/>
-          </a:lnRef>
-          <a:fillRef idx="1">
-            <a:schemeClr val="lt1"/>
-          </a:fillRef>
-          <a:effectRef idx="0">
-            <a:schemeClr val="dk1"/>
-          </a:effectRef>
-          <a:fontRef idx="minor">
-            <a:schemeClr val="dk1"/>
-          </a:fontRef>
-        </p:style>
-        <p:txBody>
-          <a:bodyPr rtlCol="0" anchor="ctr"/>
-          <a:lstStyle/>
-          <a:p>
-            <a:r>
-              <a:rPr lang="en-US" altLang="ko-KR" sz="2000" b="1" dirty="0" smtClean="0">
-                <a:solidFill>
-                  <a:schemeClr val="tx1"/>
-                </a:solidFill>
-              </a:rPr>
-              <a:t>     id, class</a:t>
-            </a:r>
-            <a:r>
-              <a:rPr lang="ko-KR" altLang="en-US" sz="2000" b="1" dirty="0" smtClean="0">
-                <a:solidFill>
-                  <a:schemeClr val="tx1"/>
-                </a:solidFill>
-              </a:rPr>
-              <a:t>를 활용한 스타일 적용</a:t>
-            </a:r>
-            <a:endParaRPr lang="ko-KR" altLang="en-US" sz="2000" b="1" dirty="0">
-              <a:solidFill>
-                <a:schemeClr val="tx1"/>
-              </a:solidFill>
-            </a:endParaRPr>
-          </a:p>
-        </p:txBody>
-      </p:sp>
-      <p:sp>
-        <p:nvSpPr>
-          <p:cNvPr id="12" name="타원 11"/>
-          <p:cNvSpPr/>
-          <p:nvPr/>
-        </p:nvSpPr>
-        <p:spPr>
-          <a:xfrm>
-            <a:off x="1424608" y="2564904"/>
-            <a:ext cx="792088" cy="648072"/>
-          </a:xfrm>
-          <a:prstGeom prst="ellipse">
-            <a:avLst/>
-          </a:prstGeom>
-          <a:solidFill>
-            <a:schemeClr val="accent6">
-              <a:lumMod val="75000"/>
-            </a:schemeClr>
-          </a:solidFill>
-          <a:ln w="12700">
-            <a:solidFill>
-              <a:schemeClr val="accent6">
-                <a:lumMod val="60000"/>
-                <a:lumOff val="40000"/>
-              </a:schemeClr>
-            </a:solidFill>
-          </a:ln>
-        </p:spPr>
-        <p:style>
-          <a:lnRef idx="2">
-            <a:schemeClr val="accent1">
-              <a:shade val="50000"/>
-            </a:schemeClr>
-          </a:lnRef>
-          <a:fillRef idx="1">
-            <a:schemeClr val="accent1"/>
-          </a:fillRef>
-          <a:effectRef idx="0">
-            <a:schemeClr val="accent1"/>
-          </a:effectRef>
-          <a:fontRef idx="minor">
-            <a:schemeClr val="lt1"/>
-          </a:fontRef>
-        </p:style>
-        <p:txBody>
-          <a:bodyPr rtlCol="0" anchor="ctr"/>
-          <a:lstStyle/>
-          <a:p>
-            <a:pPr algn="ctr"/>
-            <a:r>
-              <a:rPr lang="en-US" altLang="ko-KR" dirty="0" smtClean="0"/>
-              <a:t>2</a:t>
-            </a:r>
-            <a:endParaRPr lang="ko-KR" altLang="en-US" dirty="0"/>
-          </a:p>
-        </p:txBody>
-      </p:sp>
-      <p:sp>
-        <p:nvSpPr>
-          <p:cNvPr id="15" name="모서리가 둥근 직사각형 14"/>
-          <p:cNvSpPr/>
-          <p:nvPr/>
-        </p:nvSpPr>
-        <p:spPr>
-          <a:xfrm>
-            <a:off x="1779567" y="4005064"/>
-            <a:ext cx="5261665" cy="792088"/>
-          </a:xfrm>
-          <a:prstGeom prst="roundRect">
-            <a:avLst/>
-          </a:prstGeom>
-          <a:solidFill>
-            <a:schemeClr val="accent6">
-              <a:lumMod val="20000"/>
-              <a:lumOff val="80000"/>
-            </a:schemeClr>
-          </a:solidFill>
-          <a:ln>
-            <a:solidFill>
-              <a:schemeClr val="accent6">
-                <a:lumMod val="40000"/>
-                <a:lumOff val="60000"/>
-              </a:schemeClr>
-            </a:solidFill>
-          </a:ln>
-        </p:spPr>
-        <p:style>
-          <a:lnRef idx="2">
-            <a:schemeClr val="dk1"/>
-          </a:lnRef>
-          <a:fillRef idx="1">
-            <a:schemeClr val="lt1"/>
-          </a:fillRef>
-          <a:effectRef idx="0">
-            <a:schemeClr val="dk1"/>
-          </a:effectRef>
-          <a:fontRef idx="minor">
-            <a:schemeClr val="dk1"/>
-          </a:fontRef>
-        </p:style>
-        <p:txBody>
-          <a:bodyPr rtlCol="0" anchor="ctr"/>
-          <a:lstStyle/>
-          <a:p>
-            <a:r>
-              <a:rPr lang="en-US" altLang="ko-KR" sz="2000" b="1" dirty="0" smtClean="0">
-                <a:solidFill>
-                  <a:schemeClr val="tx1"/>
-                </a:solidFill>
-              </a:rPr>
-              <a:t> </a:t>
-            </a:r>
-            <a:r>
-              <a:rPr lang="en-US" altLang="ko-KR" sz="2000" b="1" dirty="0">
-                <a:solidFill>
-                  <a:schemeClr val="tx1"/>
-                </a:solidFill>
-              </a:rPr>
-              <a:t> </a:t>
-            </a:r>
-            <a:r>
-              <a:rPr lang="en-US" altLang="ko-KR" sz="2000" b="1" dirty="0" smtClean="0">
-                <a:solidFill>
-                  <a:schemeClr val="tx1"/>
-                </a:solidFill>
-              </a:rPr>
-              <a:t>  </a:t>
-            </a:r>
-            <a:r>
-              <a:rPr lang="ko-KR" altLang="en-US" sz="2000" b="1" dirty="0" smtClean="0">
-                <a:solidFill>
-                  <a:schemeClr val="tx1"/>
-                </a:solidFill>
-              </a:rPr>
-              <a:t>배경 </a:t>
-            </a:r>
-            <a:r>
-              <a:rPr lang="ko-KR" altLang="en-US" sz="2000" b="1" dirty="0">
-                <a:solidFill>
-                  <a:schemeClr val="tx1"/>
-                </a:solidFill>
-              </a:rPr>
-              <a:t>관련 스타일 지정하기</a:t>
-            </a:r>
-          </a:p>
-        </p:txBody>
-      </p:sp>
-      <p:sp>
-        <p:nvSpPr>
-          <p:cNvPr id="16" name="타원 15"/>
-          <p:cNvSpPr/>
-          <p:nvPr/>
-        </p:nvSpPr>
-        <p:spPr>
-          <a:xfrm>
-            <a:off x="1424608" y="3717032"/>
-            <a:ext cx="792088" cy="648072"/>
-          </a:xfrm>
-          <a:prstGeom prst="ellipse">
-            <a:avLst/>
-          </a:prstGeom>
-          <a:solidFill>
-            <a:schemeClr val="accent6">
-              <a:lumMod val="75000"/>
-            </a:schemeClr>
-          </a:solidFill>
-          <a:ln w="12700">
-            <a:solidFill>
-              <a:schemeClr val="accent6">
-                <a:lumMod val="60000"/>
-                <a:lumOff val="40000"/>
-              </a:schemeClr>
-            </a:solidFill>
-          </a:ln>
-        </p:spPr>
-        <p:style>
-          <a:lnRef idx="2">
-            <a:schemeClr val="accent1">
-              <a:shade val="50000"/>
-            </a:schemeClr>
-          </a:lnRef>
-          <a:fillRef idx="1">
-            <a:schemeClr val="accent1"/>
-          </a:fillRef>
-          <a:effectRef idx="0">
-            <a:schemeClr val="accent1"/>
-          </a:effectRef>
-          <a:fontRef idx="minor">
-            <a:schemeClr val="lt1"/>
-          </a:fontRef>
-        </p:style>
-        <p:txBody>
-          <a:bodyPr rtlCol="0" anchor="ctr"/>
-          <a:lstStyle/>
-          <a:p>
-            <a:pPr algn="ctr"/>
-            <a:r>
-              <a:rPr lang="en-US" altLang="ko-KR" dirty="0" smtClean="0"/>
-              <a:t>3</a:t>
-            </a:r>
-            <a:endParaRPr lang="ko-KR" altLang="en-US" dirty="0"/>
-          </a:p>
-        </p:txBody>
-      </p:sp>
-    </p:spTree>
-    <p:extLst>
-      <p:ext uri="{BB962C8B-B14F-4D97-AF65-F5344CB8AC3E}">
-        <p14:creationId xmlns:p14="http://schemas.microsoft.com/office/powerpoint/2010/main" val="1892206234"/>
-      </p:ext>
-    </p:extLst>
-  </p:cSld>
-  <p:clrMapOvr>
-    <a:masterClrMapping/>
-  </p:clrMapOvr>
-  <p:timing>
-    <p:tnLst>
-      <p:par>
-        <p:cTn id="1" dur="indefinite" restart="never" nodeType="tmRoot"/>
-      </p:par>
-    </p:tnLst>
-  </p:timing>
-</p:sld>
-</file>
-
-<file path=ppt/slides/slide20.xml><?xml version="1.0" encoding="utf-8"?>
-<p:sld xmlns:a="http://schemas.openxmlformats.org/drawingml/2006/main" xmlns:r="http://schemas.openxmlformats.org/officeDocument/2006/relationships" xmlns:p="http://schemas.openxmlformats.org/presentationml/2006/main">
-  <p:cSld>
-    <p:spTree>
-      <p:nvGrpSpPr>
-        <p:cNvPr id="1" name=""/>
-        <p:cNvGrpSpPr/>
-        <p:nvPr/>
-      </p:nvGrpSpPr>
-      <p:grpSpPr>
-        <a:xfrm>
-          <a:off x="0" y="0"/>
-          <a:ext cx="0" cy="0"/>
-          <a:chOff x="0" y="0"/>
-          <a:chExt cx="0" cy="0"/>
-        </a:xfrm>
-      </p:grpSpPr>
-      <p:sp>
-        <p:nvSpPr>
-          <p:cNvPr id="2" name="제목 1"/>
-          <p:cNvSpPr>
-            <a:spLocks noGrp="1"/>
-          </p:cNvSpPr>
-          <p:nvPr>
-            <p:ph type="title"/>
-          </p:nvPr>
-        </p:nvSpPr>
-        <p:spPr>
-          <a:xfrm>
-            <a:off x="416497" y="197768"/>
-            <a:ext cx="6412780" cy="854968"/>
-          </a:xfrm>
-        </p:spPr>
-        <p:txBody>
-          <a:bodyPr>
-            <a:noAutofit/>
-          </a:bodyPr>
-          <a:lstStyle/>
-          <a:p>
-            <a:pPr algn="ctr"/>
-            <a:r>
-              <a:rPr lang="ko-KR" altLang="en-US" sz="2800" dirty="0" smtClean="0"/>
-              <a:t>배경 이미지 크기 조정</a:t>
-            </a:r>
-            <a:endParaRPr lang="ko-KR" altLang="en-US" sz="2800" dirty="0"/>
-          </a:p>
-        </p:txBody>
-      </p:sp>
-      <p:sp>
-        <p:nvSpPr>
-          <p:cNvPr id="4" name="슬라이드 번호 개체 틀 3"/>
-          <p:cNvSpPr>
-            <a:spLocks noGrp="1"/>
-          </p:cNvSpPr>
-          <p:nvPr>
-            <p:ph type="sldNum" sz="quarter" idx="12"/>
-          </p:nvPr>
-        </p:nvSpPr>
-        <p:spPr/>
-        <p:txBody>
-          <a:bodyPr/>
-          <a:lstStyle/>
-          <a:p>
-            <a:fld id="{1BDE3FE7-3AEA-4B05-AC5A-802D1816ACF0}" type="slidenum">
-              <a:rPr lang="ko-KR" altLang="en-US" smtClean="0"/>
-              <a:t>20</a:t>
+              <a:t>22</a:t>
             </a:fld>
             <a:endParaRPr lang="ko-KR" altLang="en-US"/>
           </a:p>
@@ -8968,8 +9612,20 @@
                 <a:tableStyleId>{5940675A-B579-460E-94D1-54222C63F5DA}</a:tableStyleId>
               </a:tblPr>
               <a:tblGrid>
-                <a:gridCol w="1597643"/>
-                <a:gridCol w="5832648"/>
+                <a:gridCol w="1597643">
+                  <a:extLst>
+                    <a:ext uri="{9D8B030D-6E8A-4147-A177-3AD203B41FA5}">
+                      <a16:colId xmlns:a16="http://schemas.microsoft.com/office/drawing/2014/main" val="20000"/>
+                    </a:ext>
+                  </a:extLst>
+                </a:gridCol>
+                <a:gridCol w="5832648">
+                  <a:extLst>
+                    <a:ext uri="{9D8B030D-6E8A-4147-A177-3AD203B41FA5}">
+                      <a16:colId xmlns:a16="http://schemas.microsoft.com/office/drawing/2014/main" val="20001"/>
+                    </a:ext>
+                  </a:extLst>
+                </a:gridCol>
               </a:tblGrid>
               <a:tr h="408045">
                 <a:tc>
@@ -9020,6 +9676,11 @@
                     </a:solidFill>
                   </a:tcPr>
                 </a:tc>
+                <a:extLst>
+                  <a:ext uri="{0D108BD9-81ED-4DB2-BD59-A6C34878D82A}">
+                    <a16:rowId xmlns:a16="http://schemas.microsoft.com/office/drawing/2014/main" val="10000"/>
+                  </a:ext>
+                </a:extLst>
               </a:tr>
               <a:tr h="408045">
                 <a:tc>
@@ -9067,6 +9728,11 @@
                     </a:lnR>
                   </a:tcPr>
                 </a:tc>
+                <a:extLst>
+                  <a:ext uri="{0D108BD9-81ED-4DB2-BD59-A6C34878D82A}">
+                    <a16:rowId xmlns:a16="http://schemas.microsoft.com/office/drawing/2014/main" val="10001"/>
+                  </a:ext>
+                </a:extLst>
               </a:tr>
               <a:tr h="408045">
                 <a:tc>
@@ -9099,11 +9765,7 @@
                       </a:r>
                       <a:r>
                         <a:rPr lang="ko-KR" altLang="en-US" sz="1600" baseline="0" dirty="0" smtClean="0"/>
-                        <a:t>요소 안에 배경 이미지가 </a:t>
-                      </a:r>
-                      <a:r>
-                        <a:rPr lang="ko-KR" altLang="en-US" sz="1600" baseline="0" dirty="0" smtClean="0"/>
-                        <a:t>비율대로 축소됨</a:t>
+                        <a:t>요소 안에 배경 이미지가 비율대로 축소됨</a:t>
                       </a:r>
                       <a:endParaRPr lang="ko-KR" altLang="en-US" sz="1600" dirty="0"/>
                     </a:p>
@@ -9114,6 +9776,11 @@
                     </a:lnR>
                   </a:tcPr>
                 </a:tc>
+                <a:extLst>
+                  <a:ext uri="{0D108BD9-81ED-4DB2-BD59-A6C34878D82A}">
+                    <a16:rowId xmlns:a16="http://schemas.microsoft.com/office/drawing/2014/main" val="10002"/>
+                  </a:ext>
+                </a:extLst>
               </a:tr>
               <a:tr h="408045">
                 <a:tc>
@@ -9162,11 +9829,7 @@
                       </a:r>
                       <a:r>
                         <a:rPr lang="ko-KR" altLang="en-US" sz="1600" baseline="0" dirty="0" smtClean="0"/>
-                        <a:t>배경 이미지로 요소를 </a:t>
-                      </a:r>
-                      <a:r>
-                        <a:rPr lang="ko-KR" altLang="en-US" sz="1600" baseline="0" dirty="0" smtClean="0"/>
-                        <a:t>꽉 채우고 나머지는 잘림</a:t>
+                        <a:t>배경 이미지로 요소를 꽉 채우고 나머지는 잘림</a:t>
                       </a:r>
                       <a:endParaRPr lang="ko-KR" altLang="en-US" sz="1600" dirty="0" smtClean="0"/>
                     </a:p>
@@ -9177,6 +9840,11 @@
                     </a:lnR>
                   </a:tcPr>
                 </a:tc>
+                <a:extLst>
+                  <a:ext uri="{0D108BD9-81ED-4DB2-BD59-A6C34878D82A}">
+                    <a16:rowId xmlns:a16="http://schemas.microsoft.com/office/drawing/2014/main" val="10003"/>
+                  </a:ext>
+                </a:extLst>
               </a:tr>
               <a:tr h="408045">
                 <a:tc>
@@ -9228,6 +9896,11 @@
                     </a:lnR>
                   </a:tcPr>
                 </a:tc>
+                <a:extLst>
+                  <a:ext uri="{0D108BD9-81ED-4DB2-BD59-A6C34878D82A}">
+                    <a16:rowId xmlns:a16="http://schemas.microsoft.com/office/drawing/2014/main" val="10004"/>
+                  </a:ext>
+                </a:extLst>
               </a:tr>
               <a:tr h="408045">
                 <a:tc>
@@ -9279,6 +9952,11 @@
                     </a:lnR>
                   </a:tcPr>
                 </a:tc>
+                <a:extLst>
+                  <a:ext uri="{0D108BD9-81ED-4DB2-BD59-A6C34878D82A}">
+                    <a16:rowId xmlns:a16="http://schemas.microsoft.com/office/drawing/2014/main" val="10005"/>
+                  </a:ext>
+                </a:extLst>
               </a:tr>
             </a:tbl>
           </a:graphicData>
@@ -9417,7 +10095,7 @@
 </p:sld>
 </file>
 
-<file path=ppt/slides/slide21.xml><?xml version="1.0" encoding="utf-8"?>
+<file path=ppt/slides/slide23.xml><?xml version="1.0" encoding="utf-8"?>
 <p:sld xmlns:a="http://schemas.openxmlformats.org/drawingml/2006/main" xmlns:r="http://schemas.openxmlformats.org/officeDocument/2006/relationships" xmlns:p="http://schemas.openxmlformats.org/presentationml/2006/main">
   <p:cSld>
     <p:spTree>
@@ -9481,7 +10159,7 @@
           <a:p>
             <a:fld id="{1BDE3FE7-3AEA-4B05-AC5A-802D1816ACF0}" type="slidenum">
               <a:rPr lang="ko-KR" altLang="en-US" smtClean="0"/>
-              <a:t>21</a:t>
+              <a:t>23</a:t>
             </a:fld>
             <a:endParaRPr lang="ko-KR" altLang="en-US"/>
           </a:p>
@@ -9836,7 +10514,7 @@
 </p:sld>
 </file>
 
-<file path=ppt/slides/slide22.xml><?xml version="1.0" encoding="utf-8"?>
+<file path=ppt/slides/slide24.xml><?xml version="1.0" encoding="utf-8"?>
 <p:sld xmlns:a="http://schemas.openxmlformats.org/drawingml/2006/main" xmlns:r="http://schemas.openxmlformats.org/officeDocument/2006/relationships" xmlns:p="http://schemas.openxmlformats.org/presentationml/2006/main">
   <p:cSld>
     <p:spTree>
@@ -9900,7 +10578,7 @@
           <a:p>
             <a:fld id="{1BDE3FE7-3AEA-4B05-AC5A-802D1816ACF0}" type="slidenum">
               <a:rPr lang="ko-KR" altLang="en-US" smtClean="0"/>
-              <a:t>22</a:t>
+              <a:t>24</a:t>
             </a:fld>
             <a:endParaRPr lang="ko-KR" altLang="en-US"/>
           </a:p>
@@ -9984,485 +10662,6 @@
     <p:extLst>
       <p:ext uri="{BB962C8B-B14F-4D97-AF65-F5344CB8AC3E}">
         <p14:creationId xmlns:p14="http://schemas.microsoft.com/office/powerpoint/2010/main" val="2741464827"/>
-      </p:ext>
-    </p:extLst>
-  </p:cSld>
-  <p:clrMapOvr>
-    <a:masterClrMapping/>
-  </p:clrMapOvr>
-  <p:timing>
-    <p:tnLst>
-      <p:par>
-        <p:cTn id="1" dur="indefinite" restart="never" nodeType="tmRoot"/>
-      </p:par>
-    </p:tnLst>
-  </p:timing>
-</p:sld>
-</file>
-
-<file path=ppt/slides/slide23.xml><?xml version="1.0" encoding="utf-8"?>
-<p:sld xmlns:a="http://schemas.openxmlformats.org/drawingml/2006/main" xmlns:r="http://schemas.openxmlformats.org/officeDocument/2006/relationships" xmlns:p="http://schemas.openxmlformats.org/presentationml/2006/main">
-  <p:cSld>
-    <p:spTree>
-      <p:nvGrpSpPr>
-        <p:cNvPr id="1" name=""/>
-        <p:cNvGrpSpPr/>
-        <p:nvPr/>
-      </p:nvGrpSpPr>
-      <p:grpSpPr>
-        <a:xfrm>
-          <a:off x="0" y="0"/>
-          <a:ext cx="0" cy="0"/>
-          <a:chOff x="0" y="0"/>
-          <a:chExt cx="0" cy="0"/>
-        </a:xfrm>
-      </p:grpSpPr>
-      <p:sp>
-        <p:nvSpPr>
-          <p:cNvPr id="2" name="제목 1"/>
-          <p:cNvSpPr>
-            <a:spLocks noGrp="1"/>
-          </p:cNvSpPr>
-          <p:nvPr>
-            <p:ph type="title"/>
-          </p:nvPr>
-        </p:nvSpPr>
-        <p:spPr>
-          <a:xfrm>
-            <a:off x="416497" y="197768"/>
-            <a:ext cx="6412780" cy="854968"/>
-          </a:xfrm>
-        </p:spPr>
-        <p:txBody>
-          <a:bodyPr>
-            <a:noAutofit/>
-          </a:bodyPr>
-          <a:lstStyle/>
-          <a:p>
-            <a:pPr algn="ctr"/>
-            <a:r>
-              <a:rPr lang="ko-KR" altLang="en-US" sz="2800" dirty="0"/>
-              <a:t>배경 이미지 </a:t>
-            </a:r>
-            <a:r>
-              <a:rPr lang="ko-KR" altLang="en-US" sz="2800" dirty="0" smtClean="0"/>
-              <a:t>고정하</a:t>
-            </a:r>
-            <a:r>
-              <a:rPr lang="ko-KR" altLang="en-US" sz="2800" dirty="0"/>
-              <a:t>기</a:t>
-            </a:r>
-          </a:p>
-        </p:txBody>
-      </p:sp>
-      <p:sp>
-        <p:nvSpPr>
-          <p:cNvPr id="4" name="슬라이드 번호 개체 틀 3"/>
-          <p:cNvSpPr>
-            <a:spLocks noGrp="1"/>
-          </p:cNvSpPr>
-          <p:nvPr>
-            <p:ph type="sldNum" sz="quarter" idx="12"/>
-          </p:nvPr>
-        </p:nvSpPr>
-        <p:spPr/>
-        <p:txBody>
-          <a:bodyPr/>
-          <a:lstStyle/>
-          <a:p>
-            <a:fld id="{1BDE3FE7-3AEA-4B05-AC5A-802D1816ACF0}" type="slidenum">
-              <a:rPr lang="ko-KR" altLang="en-US" smtClean="0"/>
-              <a:t>23</a:t>
-            </a:fld>
-            <a:endParaRPr lang="ko-KR" altLang="en-US"/>
-          </a:p>
-        </p:txBody>
-      </p:sp>
-      <p:sp>
-        <p:nvSpPr>
-          <p:cNvPr id="7" name="TextBox 6"/>
-          <p:cNvSpPr txBox="1"/>
-          <p:nvPr/>
-        </p:nvSpPr>
-        <p:spPr>
-          <a:xfrm>
-            <a:off x="920552" y="1290826"/>
-            <a:ext cx="6912768" cy="915956"/>
-          </a:xfrm>
-          <a:prstGeom prst="rect">
-            <a:avLst/>
-          </a:prstGeom>
-          <a:noFill/>
-        </p:spPr>
-        <p:txBody>
-          <a:bodyPr wrap="square" rtlCol="0">
-            <a:spAutoFit/>
-          </a:bodyPr>
-          <a:lstStyle/>
-          <a:p>
-            <a:pPr marL="285750" indent="-285750">
-              <a:lnSpc>
-                <a:spcPct val="150000"/>
-              </a:lnSpc>
-              <a:buFont typeface="Wingdings" panose="05000000000000000000" pitchFamily="2" charset="2"/>
-              <a:buChar char="§"/>
-            </a:pPr>
-            <a:r>
-              <a:rPr lang="en-US" altLang="ko-KR" sz="2000" b="1" dirty="0" err="1" smtClean="0">
-                <a:solidFill>
-                  <a:srgbClr val="C00000"/>
-                </a:solidFill>
-              </a:rPr>
-              <a:t>background-attachment:fixed</a:t>
-            </a:r>
-            <a:r>
-              <a:rPr lang="en-US" altLang="ko-KR" dirty="0" smtClean="0">
-                <a:solidFill>
-                  <a:srgbClr val="C00000"/>
-                </a:solidFill>
-              </a:rPr>
-              <a:t> </a:t>
-            </a:r>
-            <a:r>
-              <a:rPr lang="ko-KR" altLang="en-US" dirty="0" smtClean="0">
-                <a:solidFill>
-                  <a:srgbClr val="C00000"/>
-                </a:solidFill>
-              </a:rPr>
-              <a:t>속성 </a:t>
-            </a:r>
-            <a:r>
-              <a:rPr lang="en-US" altLang="ko-KR" dirty="0" smtClean="0">
-                <a:solidFill>
-                  <a:srgbClr val="C00000"/>
-                </a:solidFill>
-              </a:rPr>
-              <a:t>– </a:t>
-            </a:r>
-            <a:r>
-              <a:rPr lang="ko-KR" altLang="en-US" dirty="0" smtClean="0">
-                <a:solidFill>
-                  <a:srgbClr val="C00000"/>
-                </a:solidFill>
-              </a:rPr>
-              <a:t>배경 이미지 고정</a:t>
-            </a:r>
-            <a:endParaRPr lang="en-US" altLang="ko-KR" dirty="0" smtClean="0">
-              <a:solidFill>
-                <a:srgbClr val="C00000"/>
-              </a:solidFill>
-            </a:endParaRPr>
-          </a:p>
-          <a:p>
-            <a:pPr>
-              <a:lnSpc>
-                <a:spcPct val="150000"/>
-              </a:lnSpc>
-            </a:pPr>
-            <a:r>
-              <a:rPr lang="en-US" altLang="ko-KR" dirty="0">
-                <a:solidFill>
-                  <a:srgbClr val="C00000"/>
-                </a:solidFill>
-              </a:rPr>
-              <a:t> </a:t>
-            </a:r>
-            <a:r>
-              <a:rPr lang="en-US" altLang="ko-KR" dirty="0" smtClean="0">
-                <a:solidFill>
-                  <a:srgbClr val="C00000"/>
-                </a:solidFill>
-              </a:rPr>
-              <a:t>  &lt;body&gt; </a:t>
-            </a:r>
-            <a:r>
-              <a:rPr lang="ko-KR" altLang="en-US" dirty="0" err="1" smtClean="0">
-                <a:solidFill>
-                  <a:srgbClr val="C00000"/>
-                </a:solidFill>
-              </a:rPr>
-              <a:t>태그안에</a:t>
-            </a:r>
-            <a:r>
-              <a:rPr lang="ko-KR" altLang="en-US" dirty="0" smtClean="0">
-                <a:solidFill>
-                  <a:srgbClr val="C00000"/>
-                </a:solidFill>
-              </a:rPr>
-              <a:t> 배경 이미지 삽입</a:t>
-            </a:r>
-            <a:endParaRPr lang="en-US" altLang="ko-KR" dirty="0" smtClean="0">
-              <a:solidFill>
-                <a:srgbClr val="C00000"/>
-              </a:solidFill>
-            </a:endParaRPr>
-          </a:p>
-        </p:txBody>
-      </p:sp>
-      <p:pic>
-        <p:nvPicPr>
-          <p:cNvPr id="3" name="그림 2"/>
-          <p:cNvPicPr>
-            <a:picLocks noChangeAspect="1"/>
-          </p:cNvPicPr>
-          <p:nvPr/>
-        </p:nvPicPr>
-        <p:blipFill>
-          <a:blip r:embed="rId2">
-            <a:extLst>
-              <a:ext uri="{28A0092B-C50C-407E-A947-70E740481C1C}">
-                <a14:useLocalDpi xmlns:a14="http://schemas.microsoft.com/office/drawing/2010/main" val="0"/>
-              </a:ext>
-            </a:extLst>
-          </a:blip>
-          <a:stretch>
-            <a:fillRect/>
-          </a:stretch>
-        </p:blipFill>
-        <p:spPr>
-          <a:xfrm>
-            <a:off x="1386566" y="2361792"/>
-            <a:ext cx="6123660" cy="2507368"/>
-          </a:xfrm>
-          <a:prstGeom prst="rect">
-            <a:avLst/>
-          </a:prstGeom>
-          <a:ln>
-            <a:solidFill>
-              <a:schemeClr val="bg1">
-                <a:lumMod val="85000"/>
-              </a:schemeClr>
-            </a:solidFill>
-          </a:ln>
-        </p:spPr>
-      </p:pic>
-    </p:spTree>
-    <p:extLst>
-      <p:ext uri="{BB962C8B-B14F-4D97-AF65-F5344CB8AC3E}">
-        <p14:creationId xmlns:p14="http://schemas.microsoft.com/office/powerpoint/2010/main" val="778514926"/>
-      </p:ext>
-    </p:extLst>
-  </p:cSld>
-  <p:clrMapOvr>
-    <a:masterClrMapping/>
-  </p:clrMapOvr>
-  <p:timing>
-    <p:tnLst>
-      <p:par>
-        <p:cTn id="1" dur="indefinite" restart="never" nodeType="tmRoot"/>
-      </p:par>
-    </p:tnLst>
-  </p:timing>
-</p:sld>
-</file>
-
-<file path=ppt/slides/slide24.xml><?xml version="1.0" encoding="utf-8"?>
-<p:sld xmlns:a="http://schemas.openxmlformats.org/drawingml/2006/main" xmlns:r="http://schemas.openxmlformats.org/officeDocument/2006/relationships" xmlns:p="http://schemas.openxmlformats.org/presentationml/2006/main">
-  <p:cSld>
-    <p:spTree>
-      <p:nvGrpSpPr>
-        <p:cNvPr id="1" name=""/>
-        <p:cNvGrpSpPr/>
-        <p:nvPr/>
-      </p:nvGrpSpPr>
-      <p:grpSpPr>
-        <a:xfrm>
-          <a:off x="0" y="0"/>
-          <a:ext cx="0" cy="0"/>
-          <a:chOff x="0" y="0"/>
-          <a:chExt cx="0" cy="0"/>
-        </a:xfrm>
-      </p:grpSpPr>
-      <p:sp>
-        <p:nvSpPr>
-          <p:cNvPr id="2" name="제목 1"/>
-          <p:cNvSpPr>
-            <a:spLocks noGrp="1"/>
-          </p:cNvSpPr>
-          <p:nvPr>
-            <p:ph type="title"/>
-          </p:nvPr>
-        </p:nvSpPr>
-        <p:spPr>
-          <a:xfrm>
-            <a:off x="416497" y="197768"/>
-            <a:ext cx="6412780" cy="854968"/>
-          </a:xfrm>
-        </p:spPr>
-        <p:txBody>
-          <a:bodyPr>
-            <a:noAutofit/>
-          </a:bodyPr>
-          <a:lstStyle/>
-          <a:p>
-            <a:pPr algn="ctr"/>
-            <a:r>
-              <a:rPr lang="ko-KR" altLang="en-US" sz="2800" dirty="0"/>
-              <a:t>배경 이미지 </a:t>
-            </a:r>
-            <a:r>
-              <a:rPr lang="ko-KR" altLang="en-US" sz="2800" dirty="0" smtClean="0"/>
-              <a:t>고정하</a:t>
-            </a:r>
-            <a:r>
-              <a:rPr lang="ko-KR" altLang="en-US" sz="2800" dirty="0"/>
-              <a:t>기</a:t>
-            </a:r>
-          </a:p>
-        </p:txBody>
-      </p:sp>
-      <p:sp>
-        <p:nvSpPr>
-          <p:cNvPr id="4" name="슬라이드 번호 개체 틀 3"/>
-          <p:cNvSpPr>
-            <a:spLocks noGrp="1"/>
-          </p:cNvSpPr>
-          <p:nvPr>
-            <p:ph type="sldNum" sz="quarter" idx="12"/>
-          </p:nvPr>
-        </p:nvSpPr>
-        <p:spPr/>
-        <p:txBody>
-          <a:bodyPr/>
-          <a:lstStyle/>
-          <a:p>
-            <a:fld id="{1BDE3FE7-3AEA-4B05-AC5A-802D1816ACF0}" type="slidenum">
-              <a:rPr lang="ko-KR" altLang="en-US" smtClean="0"/>
-              <a:t>24</a:t>
-            </a:fld>
-            <a:endParaRPr lang="ko-KR" altLang="en-US"/>
-          </a:p>
-        </p:txBody>
-      </p:sp>
-      <p:pic>
-        <p:nvPicPr>
-          <p:cNvPr id="5" name="그림 4"/>
-          <p:cNvPicPr>
-            <a:picLocks noChangeAspect="1"/>
-          </p:cNvPicPr>
-          <p:nvPr/>
-        </p:nvPicPr>
-        <p:blipFill>
-          <a:blip r:embed="rId2">
-            <a:extLst>
-              <a:ext uri="{28A0092B-C50C-407E-A947-70E740481C1C}">
-                <a14:useLocalDpi xmlns:a14="http://schemas.microsoft.com/office/drawing/2010/main" val="0"/>
-              </a:ext>
-            </a:extLst>
-          </a:blip>
-          <a:stretch>
-            <a:fillRect/>
-          </a:stretch>
-        </p:blipFill>
-        <p:spPr>
-          <a:xfrm>
-            <a:off x="1587287" y="3694202"/>
-            <a:ext cx="5721840" cy="2687126"/>
-          </a:xfrm>
-          <a:prstGeom prst="rect">
-            <a:avLst/>
-          </a:prstGeom>
-          <a:ln>
-            <a:solidFill>
-              <a:schemeClr val="bg1">
-                <a:lumMod val="85000"/>
-              </a:schemeClr>
-            </a:solidFill>
-          </a:ln>
-        </p:spPr>
-      </p:pic>
-      <p:pic>
-        <p:nvPicPr>
-          <p:cNvPr id="6" name="그림 5"/>
-          <p:cNvPicPr>
-            <a:picLocks noChangeAspect="1"/>
-          </p:cNvPicPr>
-          <p:nvPr/>
-        </p:nvPicPr>
-        <p:blipFill>
-          <a:blip r:embed="rId3">
-            <a:extLst>
-              <a:ext uri="{28A0092B-C50C-407E-A947-70E740481C1C}">
-                <a14:useLocalDpi xmlns:a14="http://schemas.microsoft.com/office/drawing/2010/main" val="0"/>
-              </a:ext>
-            </a:extLst>
-          </a:blip>
-          <a:stretch>
-            <a:fillRect/>
-          </a:stretch>
-        </p:blipFill>
-        <p:spPr>
-          <a:xfrm>
-            <a:off x="1587287" y="1462498"/>
-            <a:ext cx="6388828" cy="2087688"/>
-          </a:xfrm>
-          <a:prstGeom prst="rect">
-            <a:avLst/>
-          </a:prstGeom>
-          <a:ln>
-            <a:solidFill>
-              <a:schemeClr val="bg1">
-                <a:lumMod val="85000"/>
-              </a:schemeClr>
-            </a:solidFill>
-          </a:ln>
-        </p:spPr>
-      </p:pic>
-      <p:sp>
-        <p:nvSpPr>
-          <p:cNvPr id="8" name="TextBox 7"/>
-          <p:cNvSpPr txBox="1"/>
-          <p:nvPr/>
-        </p:nvSpPr>
-        <p:spPr>
-          <a:xfrm>
-            <a:off x="5745088" y="1231664"/>
-            <a:ext cx="2282797" cy="461665"/>
-          </a:xfrm>
-          <a:prstGeom prst="rect">
-            <a:avLst/>
-          </a:prstGeom>
-          <a:noFill/>
-        </p:spPr>
-        <p:txBody>
-          <a:bodyPr wrap="square" rtlCol="0">
-            <a:spAutoFit/>
-          </a:bodyPr>
-          <a:lstStyle/>
-          <a:p>
-            <a:pPr>
-              <a:lnSpc>
-                <a:spcPct val="150000"/>
-              </a:lnSpc>
-            </a:pPr>
-            <a:r>
-              <a:rPr lang="en-US" altLang="ko-KR" sz="1600" dirty="0" smtClean="0">
-                <a:solidFill>
-                  <a:srgbClr val="C00000"/>
-                </a:solidFill>
-              </a:rPr>
-              <a:t>bg-attachment.html </a:t>
-            </a:r>
-            <a:r>
-              <a:rPr lang="ko-KR" altLang="en-US" sz="1600" dirty="0" smtClean="0">
-                <a:solidFill>
-                  <a:srgbClr val="C00000"/>
-                </a:solidFill>
-              </a:rPr>
-              <a:t> </a:t>
-            </a:r>
-            <a:endParaRPr lang="en-US" altLang="ko-KR" sz="1600" dirty="0" smtClean="0">
-              <a:solidFill>
-                <a:srgbClr val="C00000"/>
-              </a:solidFill>
-            </a:endParaRPr>
-          </a:p>
-        </p:txBody>
-      </p:sp>
-    </p:spTree>
-    <p:extLst>
-      <p:ext uri="{BB962C8B-B14F-4D97-AF65-F5344CB8AC3E}">
-        <p14:creationId xmlns:p14="http://schemas.microsoft.com/office/powerpoint/2010/main" val="299427315"/>
       </p:ext>
     </p:extLst>
   </p:cSld>
@@ -10520,46 +10719,17 @@
           <a:p>
             <a:pPr algn="ctr"/>
             <a:r>
-              <a:rPr lang="en-US" altLang="ko-KR" sz="2800" dirty="0" smtClean="0"/>
-              <a:t> </a:t>
-            </a:r>
-            <a:r>
-              <a:rPr lang="ko-KR" altLang="en-US" sz="2400" b="1" dirty="0">
-                <a:solidFill>
-                  <a:schemeClr val="tx1"/>
-                </a:solidFill>
-              </a:rPr>
-              <a:t>한 페이지 안에서 이동하는 </a:t>
-            </a:r>
-            <a:r>
-              <a:rPr lang="ko-KR" altLang="en-US" sz="2400" b="1" dirty="0" err="1" smtClean="0">
-                <a:solidFill>
-                  <a:schemeClr val="tx1"/>
-                </a:solidFill>
-              </a:rPr>
-              <a:t>앵커만</a:t>
-            </a:r>
-            <a:r>
-              <a:rPr lang="ko-KR" altLang="en-US" sz="2400" dirty="0" err="1" smtClean="0">
-                <a:solidFill>
-                  <a:schemeClr val="tx1"/>
-                </a:solidFill>
-              </a:rPr>
-              <a:t>들</a:t>
-            </a:r>
-            <a:r>
-              <a:rPr lang="ko-KR" altLang="en-US" sz="2400" dirty="0" err="1">
-                <a:solidFill>
-                  <a:schemeClr val="tx1"/>
-                </a:solidFill>
-              </a:rPr>
+              <a:rPr lang="ko-KR" altLang="en-US" sz="2800" dirty="0"/>
+              <a:t>배경 이미지 </a:t>
+            </a:r>
+            <a:r>
+              <a:rPr lang="ko-KR" altLang="en-US" sz="2800" dirty="0" smtClean="0"/>
+              <a:t>고정하</a:t>
+            </a:r>
+            <a:r>
+              <a:rPr lang="ko-KR" altLang="en-US" sz="2800" dirty="0"/>
               <a:t>기</a:t>
             </a:r>
-            <a:endParaRPr lang="ko-KR" altLang="en-US" sz="2800" dirty="0">
-              <a:solidFill>
-                <a:schemeClr val="tx1"/>
-              </a:solidFill>
-            </a:endParaRPr>
           </a:p>
         </p:txBody>
       </p:sp>
@@ -10588,14 +10758,14 @@
       </p:sp>
       <p:sp>
         <p:nvSpPr>
-          <p:cNvPr id="9" name="TextBox 8"/>
+          <p:cNvPr id="7" name="TextBox 6"/>
           <p:cNvSpPr txBox="1"/>
           <p:nvPr/>
         </p:nvSpPr>
         <p:spPr>
           <a:xfrm>
-            <a:off x="704528" y="1155809"/>
-            <a:ext cx="8568952" cy="1985159"/>
+            <a:off x="920552" y="1290826"/>
+            <a:ext cx="6912768" cy="915956"/>
           </a:xfrm>
           <a:prstGeom prst="rect">
             <a:avLst/>
@@ -10613,178 +10783,103 @@
                 <a:spcPct val="150000"/>
               </a:lnSpc>
               <a:buFont typeface="Wingdings" panose="05000000000000000000" pitchFamily="2" charset="2"/>
-              <a:buChar char="Ø"/>
+              <a:buChar char="§"/>
             </a:pPr>
             <a:r>
-              <a:rPr lang="ko-KR" altLang="en-US" b="1" dirty="0" smtClean="0">
+              <a:rPr lang="en-US" altLang="ko-KR" sz="2000" b="1" dirty="0" err="1" smtClean="0">
                 <a:solidFill>
                   <a:srgbClr val="C00000"/>
                 </a:solidFill>
               </a:rPr>
-              <a:t>한 페이지 안에서 이</a:t>
-            </a:r>
-            <a:r>
-              <a:rPr lang="ko-KR" altLang="en-US" b="1" dirty="0">
+              <a:t>background-attachment:fixed</a:t>
+            </a:r>
+            <a:r>
+              <a:rPr lang="en-US" altLang="ko-KR" dirty="0" smtClean="0">
                 <a:solidFill>
                   <a:srgbClr val="C00000"/>
                 </a:solidFill>
               </a:rPr>
-              <a:t>동</a:t>
-            </a:r>
-            <a:r>
-              <a:rPr lang="ko-KR" altLang="en-US" b="1" dirty="0" smtClean="0">
+              <a:t> </a:t>
+            </a:r>
+            <a:r>
+              <a:rPr lang="ko-KR" altLang="en-US" dirty="0" smtClean="0">
                 <a:solidFill>
                   <a:srgbClr val="C00000"/>
                 </a:solidFill>
               </a:rPr>
-              <a:t>하는 </a:t>
-            </a:r>
-            <a:r>
-              <a:rPr lang="ko-KR" altLang="en-US" b="1" dirty="0" err="1" smtClean="0">
+              <a:t>속성 </a:t>
+            </a:r>
+            <a:r>
+              <a:rPr lang="en-US" altLang="ko-KR" dirty="0" smtClean="0">
                 <a:solidFill>
                   <a:srgbClr val="C00000"/>
                 </a:solidFill>
               </a:rPr>
-              <a:t>앵커만들기</a:t>
-            </a:r>
-            <a:endParaRPr lang="en-US" altLang="ko-KR" b="1" dirty="0" smtClean="0">
+              <a:t>– </a:t>
+            </a:r>
+            <a:r>
+              <a:rPr lang="ko-KR" altLang="en-US" dirty="0" smtClean="0">
+                <a:solidFill>
+                  <a:srgbClr val="C00000"/>
+                </a:solidFill>
+              </a:rPr>
+              <a:t>배경 이미지 고정</a:t>
+            </a:r>
+            <a:endParaRPr lang="en-US" altLang="ko-KR" dirty="0" smtClean="0">
               <a:solidFill>
                 <a:srgbClr val="C00000"/>
               </a:solidFill>
             </a:endParaRPr>
           </a:p>
           <a:p>
-            <a:pPr marL="742950" lvl="1" indent="-285750">
-              <a:lnSpc>
-                <a:spcPct val="150000"/>
-              </a:lnSpc>
-              <a:buFont typeface="Arial" panose="020B0604020202020204" pitchFamily="34" charset="0"/>
-              <a:buChar char="•"/>
-            </a:pPr>
-            <a:r>
-              <a:rPr lang="ko-KR" altLang="en-US" sz="1600" dirty="0" smtClean="0"/>
-              <a:t>앵커를 사용하려면 우선 이동하고 싶은 위치마다 고유 </a:t>
-            </a:r>
-            <a:r>
-              <a:rPr lang="en-US" altLang="ko-KR" sz="1600" dirty="0" smtClean="0"/>
-              <a:t>id</a:t>
-            </a:r>
-            <a:r>
-              <a:rPr lang="ko-KR" altLang="en-US" sz="1600" dirty="0" smtClean="0"/>
-              <a:t>를 이용해 앵커를 만들고</a:t>
-            </a:r>
-            <a:endParaRPr lang="en-US" altLang="ko-KR" sz="1600" dirty="0" smtClean="0"/>
-          </a:p>
-          <a:p>
-            <a:pPr lvl="1">
+            <a:pPr>
               <a:lnSpc>
                 <a:spcPct val="150000"/>
               </a:lnSpc>
             </a:pPr>
             <a:r>
-              <a:rPr lang="ko-KR" altLang="en-US" sz="1600" dirty="0" smtClean="0"/>
-              <a:t>    각각 다른 이름을 지정해야 한다</a:t>
-            </a:r>
-            <a:r>
-              <a:rPr lang="en-US" altLang="ko-KR" sz="1600" dirty="0" smtClean="0"/>
-              <a:t>.</a:t>
-            </a:r>
-          </a:p>
-          <a:p>
-            <a:pPr marL="742950" lvl="1" indent="-285750">
-              <a:lnSpc>
-                <a:spcPct val="150000"/>
-              </a:lnSpc>
-              <a:buFont typeface="Arial" panose="020B0604020202020204" pitchFamily="34" charset="0"/>
-              <a:buChar char="•"/>
-            </a:pPr>
-            <a:r>
-              <a:rPr lang="en-US" altLang="ko-KR" sz="1600" dirty="0" smtClean="0"/>
-              <a:t>&lt;</a:t>
-            </a:r>
-            <a:r>
-              <a:rPr lang="ko-KR" altLang="en-US" sz="1600" dirty="0" smtClean="0"/>
-              <a:t>태그 </a:t>
-            </a:r>
-            <a:r>
-              <a:rPr lang="en-US" altLang="ko-KR" sz="1600" b="1" dirty="0" smtClean="0"/>
-              <a:t>id=“</a:t>
-            </a:r>
-            <a:r>
-              <a:rPr lang="ko-KR" altLang="en-US" sz="1600" b="1" dirty="0" smtClean="0"/>
-              <a:t>앵커 이름</a:t>
-            </a:r>
-            <a:r>
-              <a:rPr lang="en-US" altLang="ko-KR" sz="1600" b="1" dirty="0" smtClean="0"/>
-              <a:t>“</a:t>
-            </a:r>
-            <a:r>
-              <a:rPr lang="en-US" altLang="ko-KR" sz="1600" dirty="0" smtClean="0"/>
-              <a:t>&gt;</a:t>
-            </a:r>
-            <a:r>
-              <a:rPr lang="ko-KR" altLang="en-US" sz="1600" dirty="0" smtClean="0"/>
-              <a:t>텍스트 또는 이미지</a:t>
-            </a:r>
-            <a:r>
-              <a:rPr lang="en-US" altLang="ko-KR" sz="1600" dirty="0" smtClean="0"/>
-              <a:t>&lt;/</a:t>
-            </a:r>
-            <a:r>
-              <a:rPr lang="ko-KR" altLang="en-US" sz="1600" dirty="0" smtClean="0"/>
-              <a:t>태그</a:t>
-            </a:r>
-            <a:r>
-              <a:rPr lang="en-US" altLang="ko-KR" sz="1600" dirty="0" smtClean="0"/>
-              <a:t>&gt;</a:t>
-            </a:r>
-          </a:p>
-          <a:p>
-            <a:pPr marL="742950" lvl="1" indent="-285750">
-              <a:lnSpc>
-                <a:spcPct val="150000"/>
-              </a:lnSpc>
-              <a:buFont typeface="Arial" panose="020B0604020202020204" pitchFamily="34" charset="0"/>
-              <a:buChar char="•"/>
-            </a:pPr>
-            <a:r>
-              <a:rPr lang="en-US" altLang="ko-KR" sz="1600" dirty="0" smtClean="0"/>
-              <a:t>&lt;a </a:t>
-            </a:r>
-            <a:r>
-              <a:rPr lang="en-US" altLang="ko-KR" sz="1600" dirty="0" err="1" smtClean="0"/>
-              <a:t>href</a:t>
-            </a:r>
-            <a:r>
-              <a:rPr lang="en-US" altLang="ko-KR" sz="1600" dirty="0" smtClean="0"/>
-              <a:t>=“</a:t>
-            </a:r>
-            <a:r>
-              <a:rPr lang="en-US" altLang="ko-KR" sz="1600" b="1" dirty="0" smtClean="0"/>
-              <a:t>#</a:t>
-            </a:r>
-            <a:r>
-              <a:rPr lang="ko-KR" altLang="en-US" sz="1600" b="1" dirty="0" smtClean="0"/>
-              <a:t>앵커이름</a:t>
-            </a:r>
-            <a:r>
-              <a:rPr lang="en-US" altLang="ko-KR" sz="1600" dirty="0" smtClean="0"/>
-              <a:t>”&gt;</a:t>
-            </a:r>
-            <a:r>
-              <a:rPr lang="ko-KR" altLang="en-US" sz="1600" dirty="0" smtClean="0"/>
-              <a:t>텍스트 또는 이미지 </a:t>
-            </a:r>
-            <a:r>
-              <a:rPr lang="en-US" altLang="ko-KR" sz="1600" dirty="0" smtClean="0"/>
-              <a:t>&lt;/a&gt;</a:t>
-            </a:r>
+              <a:rPr lang="en-US" altLang="ko-KR" dirty="0">
+                <a:solidFill>
+                  <a:srgbClr val="C00000"/>
+                </a:solidFill>
+              </a:rPr>
+              <a:t> </a:t>
+            </a:r>
+            <a:r>
+              <a:rPr lang="en-US" altLang="ko-KR" dirty="0" smtClean="0">
+                <a:solidFill>
+                  <a:srgbClr val="C00000"/>
+                </a:solidFill>
+              </a:rPr>
+              <a:t>  &lt;body&gt; </a:t>
+            </a:r>
+            <a:r>
+              <a:rPr lang="ko-KR" altLang="en-US" dirty="0" err="1" smtClean="0">
+                <a:solidFill>
+                  <a:srgbClr val="C00000"/>
+                </a:solidFill>
+              </a:rPr>
+              <a:t>태그안에</a:t>
+            </a:r>
+            <a:r>
+              <a:rPr lang="ko-KR" altLang="en-US" dirty="0" smtClean="0">
+                <a:solidFill>
+                  <a:srgbClr val="C00000"/>
+                </a:solidFill>
+              </a:rPr>
+              <a:t> 배경 이미지 삽입</a:t>
+            </a:r>
+            <a:endParaRPr lang="en-US" altLang="ko-KR" dirty="0" smtClean="0">
+              <a:solidFill>
+                <a:srgbClr val="C00000"/>
+              </a:solidFill>
+            </a:endParaRPr>
           </a:p>
         </p:txBody>
       </p:sp>
       <p:pic>
         <p:nvPicPr>
-          <p:cNvPr id="6" name="그림 5"/>
+          <p:cNvPr id="3" name="그림 2"/>
           <p:cNvPicPr>
             <a:picLocks noChangeAspect="1"/>
           </p:cNvPicPr>
@@ -10804,8 +10899,8 @@
         </p:blipFill>
         <p:spPr>
           <a:xfrm>
-            <a:off x="2288703" y="3068960"/>
-            <a:ext cx="3342123" cy="3456384"/>
+            <a:off x="1386566" y="2361792"/>
+            <a:ext cx="6123660" cy="2507368"/>
           </a:xfrm>
           <a:prstGeom prst="rect">
             <a:avLst/>
@@ -10819,61 +10914,10 @@
           </a:ln>
         </p:spPr>
       </p:pic>
-      <p:sp>
-        <p:nvSpPr>
-          <p:cNvPr id="12" name="모서리가 둥근 사각형 설명선 11"/>
-          <p:cNvSpPr/>
-          <p:nvPr/>
-        </p:nvSpPr>
-        <p:spPr>
-          <a:xfrm>
-            <a:off x="6033120" y="4077072"/>
-            <a:ext cx="1624697" cy="576064"/>
-          </a:xfrm>
-          <a:prstGeom prst="wedgeRoundRectCallout">
-            <a:avLst>
-              <a:gd name="adj1" fmla="val -68520"/>
-              <a:gd name="adj2" fmla="val -32342"/>
-              <a:gd name="adj3" fmla="val 16667"/>
-            </a:avLst>
-          </a:prstGeom>
-          <a:ln/>
-        </p:spPr>
-        <p:style>
-          <a:lnRef idx="2">
-            <a:schemeClr val="accent1"/>
-          </a:lnRef>
-          <a:fillRef idx="1">
-            <a:schemeClr val="lt1"/>
-          </a:fillRef>
-          <a:effectRef idx="0">
-            <a:schemeClr val="accent1"/>
-          </a:effectRef>
-          <a:fontRef idx="minor">
-            <a:schemeClr val="dk1"/>
-          </a:fontRef>
-        </p:style>
-        <p:txBody>
-          <a:bodyPr rtlCol="0" anchor="ctr"/>
-          <a:lstStyle/>
-          <a:p>
-            <a:pPr algn="ctr"/>
-            <a:r>
-              <a:rPr lang="ko-KR" altLang="en-US" sz="1400" dirty="0" smtClean="0"/>
-              <a:t>인터넷 서점 </a:t>
-            </a:r>
-            <a:r>
-              <a:rPr lang="en-US" altLang="ko-KR" sz="1400" dirty="0" smtClean="0"/>
-              <a:t>: yes24</a:t>
-            </a:r>
-            <a:endParaRPr lang="ko-KR" altLang="en-US" sz="1400" dirty="0"/>
-          </a:p>
-        </p:txBody>
-      </p:sp>
     </p:spTree>
     <p:extLst>
       <p:ext uri="{BB962C8B-B14F-4D97-AF65-F5344CB8AC3E}">
-        <p14:creationId xmlns:p14="http://schemas.microsoft.com/office/powerpoint/2010/main" val="1056060662"/>
+        <p14:creationId xmlns:p14="http://schemas.microsoft.com/office/powerpoint/2010/main" val="778514926"/>
       </p:ext>
     </p:extLst>
   </p:cSld>
@@ -10907,9 +10951,70 @@
           <a:chExt cx="0" cy="0"/>
         </a:xfrm>
       </p:grpSpPr>
+      <p:sp>
+        <p:nvSpPr>
+          <p:cNvPr id="2" name="제목 1"/>
+          <p:cNvSpPr>
+            <a:spLocks noGrp="1"/>
+          </p:cNvSpPr>
+          <p:nvPr>
+            <p:ph type="title"/>
+          </p:nvPr>
+        </p:nvSpPr>
+        <p:spPr>
+          <a:xfrm>
+            <a:off x="416497" y="197768"/>
+            <a:ext cx="6412780" cy="854968"/>
+          </a:xfrm>
+        </p:spPr>
+        <p:txBody>
+          <a:bodyPr>
+            <a:noAutofit/>
+          </a:bodyPr>
+          <a:lstStyle/>
+          <a:p>
+            <a:pPr algn="ctr"/>
+            <a:r>
+              <a:rPr lang="ko-KR" altLang="en-US" sz="2800" dirty="0"/>
+              <a:t>배경 이미지 </a:t>
+            </a:r>
+            <a:r>
+              <a:rPr lang="ko-KR" altLang="en-US" sz="2800" dirty="0" smtClean="0"/>
+              <a:t>고정하</a:t>
+            </a:r>
+            <a:r>
+              <a:rPr lang="ko-KR" altLang="en-US" sz="2800" dirty="0"/>
+              <a:t>기</a:t>
+            </a:r>
+          </a:p>
+        </p:txBody>
+      </p:sp>
+      <p:sp>
+        <p:nvSpPr>
+          <p:cNvPr id="4" name="슬라이드 번호 개체 틀 3"/>
+          <p:cNvSpPr>
+            <a:spLocks noGrp="1"/>
+          </p:cNvSpPr>
+          <p:nvPr>
+            <p:ph type="sldNum" sz="quarter" idx="12"/>
+          </p:nvPr>
+        </p:nvSpPr>
+        <p:spPr/>
+        <p:txBody>
+          <a:bodyPr/>
+          <a:lstStyle/>
+          <a:p>
+            <a:fld id="{1BDE3FE7-3AEA-4B05-AC5A-802D1816ACF0}" type="slidenum">
+              <a:rPr lang="ko-KR" altLang="en-US" smtClean="0"/>
+              <a:t>26</a:t>
+            </a:fld>
+            <a:endParaRPr lang="ko-KR" altLang="en-US"/>
+          </a:p>
+        </p:txBody>
+      </p:sp>
       <p:pic>
         <p:nvPicPr>
-          <p:cNvPr id="3" name="그림 2"/>
+          <p:cNvPr id="5" name="그림 4"/>
           <p:cNvPicPr>
             <a:picLocks noChangeAspect="1"/>
           </p:cNvPicPr>
@@ -10929,8 +11034,8 @@
         </p:blipFill>
         <p:spPr>
           <a:xfrm>
-            <a:off x="700445" y="2000327"/>
-            <a:ext cx="4421702" cy="3156865"/>
+            <a:off x="1587287" y="3694202"/>
+            <a:ext cx="5721840" cy="2687126"/>
           </a:xfrm>
           <a:prstGeom prst="rect">
             <a:avLst/>
@@ -10944,381 +11049,9 @@
           </a:ln>
         </p:spPr>
       </p:pic>
-      <p:sp>
-        <p:nvSpPr>
-          <p:cNvPr id="2" name="제목 1"/>
-          <p:cNvSpPr>
-            <a:spLocks noGrp="1"/>
-          </p:cNvSpPr>
-          <p:nvPr>
-            <p:ph type="title"/>
-          </p:nvPr>
-        </p:nvSpPr>
-        <p:spPr>
-          <a:xfrm>
-            <a:off x="416497" y="197768"/>
-            <a:ext cx="6412780" cy="854968"/>
-          </a:xfrm>
-        </p:spPr>
-        <p:txBody>
-          <a:bodyPr>
-            <a:noAutofit/>
-          </a:bodyPr>
-          <a:lstStyle/>
-          <a:p>
-            <a:pPr algn="ctr"/>
-            <a:r>
-              <a:rPr lang="en-US" altLang="ko-KR" sz="2400" dirty="0" smtClean="0"/>
-              <a:t> </a:t>
-            </a:r>
-            <a:r>
-              <a:rPr lang="ko-KR" altLang="en-US" sz="2400" b="1" dirty="0">
-                <a:solidFill>
-                  <a:schemeClr val="tx1"/>
-                </a:solidFill>
-              </a:rPr>
-              <a:t>한 페이지 안에서 이동하는 </a:t>
-            </a:r>
-            <a:r>
-              <a:rPr lang="ko-KR" altLang="en-US" sz="2400" b="1" dirty="0" err="1">
-                <a:solidFill>
-                  <a:schemeClr val="tx1"/>
-                </a:solidFill>
-              </a:rPr>
-              <a:t>앵커만</a:t>
-            </a:r>
-            <a:r>
-              <a:rPr lang="ko-KR" altLang="en-US" sz="2400" dirty="0" err="1">
-                <a:solidFill>
-                  <a:schemeClr val="tx1"/>
-                </a:solidFill>
-              </a:rPr>
-              <a:t>들기</a:t>
-            </a:r>
-            <a:endParaRPr lang="ko-KR" altLang="en-US" sz="2400" dirty="0"/>
-          </a:p>
-        </p:txBody>
-      </p:sp>
-      <p:sp>
-        <p:nvSpPr>
-          <p:cNvPr id="4" name="슬라이드 번호 개체 틀 3"/>
-          <p:cNvSpPr>
-            <a:spLocks noGrp="1"/>
-          </p:cNvSpPr>
-          <p:nvPr>
-            <p:ph type="sldNum" sz="quarter" idx="12"/>
-          </p:nvPr>
-        </p:nvSpPr>
-        <p:spPr/>
-        <p:txBody>
-          <a:bodyPr/>
-          <a:lstStyle/>
-          <a:p>
-            <a:fld id="{1BDE3FE7-3AEA-4B05-AC5A-802D1816ACF0}" type="slidenum">
-              <a:rPr lang="ko-KR" altLang="en-US" smtClean="0"/>
-              <a:t>26</a:t>
-            </a:fld>
-            <a:endParaRPr lang="ko-KR" altLang="en-US"/>
-          </a:p>
-        </p:txBody>
-      </p:sp>
-      <p:sp>
-        <p:nvSpPr>
-          <p:cNvPr id="9" name="TextBox 8"/>
-          <p:cNvSpPr txBox="1"/>
-          <p:nvPr/>
-        </p:nvSpPr>
-        <p:spPr>
-          <a:xfrm>
-            <a:off x="632520" y="1268760"/>
-            <a:ext cx="4968552" cy="507831"/>
-          </a:xfrm>
-          <a:prstGeom prst="rect">
-            <a:avLst/>
-          </a:prstGeom>
-          <a:noFill/>
-        </p:spPr>
-        <p:txBody>
-          <a:bodyPr wrap="square" rtlCol="0">
-            <a:spAutoFit/>
-          </a:bodyPr>
-          <a:lstStyle/>
-          <a:p>
-            <a:pPr>
-              <a:lnSpc>
-                <a:spcPct val="150000"/>
-              </a:lnSpc>
-            </a:pPr>
-            <a:r>
-              <a:rPr lang="ko-KR" altLang="en-US" dirty="0" smtClean="0"/>
-              <a:t> </a:t>
-            </a:r>
-            <a:r>
-              <a:rPr lang="ko-KR" altLang="en-US" b="1" dirty="0" smtClean="0"/>
-              <a:t>한 페이지 안에서 점프하는 </a:t>
-            </a:r>
-            <a:r>
-              <a:rPr lang="ko-KR" altLang="en-US" b="1" dirty="0" err="1" smtClean="0"/>
-              <a:t>앵커만들기</a:t>
-            </a:r>
-            <a:endParaRPr lang="en-US" altLang="ko-KR" b="1" dirty="0" smtClean="0"/>
-          </a:p>
-        </p:txBody>
-      </p:sp>
-      <p:sp>
-        <p:nvSpPr>
-          <p:cNvPr id="5" name="모서리가 둥근 사각형 설명선 4"/>
-          <p:cNvSpPr/>
-          <p:nvPr/>
-        </p:nvSpPr>
-        <p:spPr>
-          <a:xfrm>
-            <a:off x="3872880" y="5229200"/>
-            <a:ext cx="1624697" cy="576064"/>
-          </a:xfrm>
-          <a:prstGeom prst="wedgeRoundRectCallout">
-            <a:avLst>
-              <a:gd name="adj1" fmla="val 24295"/>
-              <a:gd name="adj2" fmla="val -81076"/>
-              <a:gd name="adj3" fmla="val 16667"/>
-            </a:avLst>
-          </a:prstGeom>
-          <a:ln/>
-        </p:spPr>
-        <p:style>
-          <a:lnRef idx="2">
-            <a:schemeClr val="accent1"/>
-          </a:lnRef>
-          <a:fillRef idx="1">
-            <a:schemeClr val="lt1"/>
-          </a:fillRef>
-          <a:effectRef idx="0">
-            <a:schemeClr val="accent1"/>
-          </a:effectRef>
-          <a:fontRef idx="minor">
-            <a:schemeClr val="dk1"/>
-          </a:fontRef>
-        </p:style>
-        <p:txBody>
-          <a:bodyPr rtlCol="0" anchor="ctr"/>
-          <a:lstStyle/>
-          <a:p>
-            <a:pPr algn="ctr"/>
-            <a:r>
-              <a:rPr lang="ko-KR" altLang="en-US" sz="1400" dirty="0" smtClean="0"/>
-              <a:t>브라우저 </a:t>
-            </a:r>
-            <a:r>
-              <a:rPr lang="ko-KR" altLang="en-US" sz="1400" dirty="0" err="1" smtClean="0"/>
-              <a:t>창크기를</a:t>
-            </a:r>
-            <a:r>
-              <a:rPr lang="ko-KR" altLang="en-US" sz="1400" dirty="0" smtClean="0"/>
-              <a:t> </a:t>
-            </a:r>
-            <a:r>
-              <a:rPr lang="ko-KR" altLang="en-US" sz="1400" dirty="0" err="1" smtClean="0"/>
-              <a:t>줄인다음</a:t>
-            </a:r>
-            <a:r>
-              <a:rPr lang="ko-KR" altLang="en-US" sz="1400" dirty="0" smtClean="0"/>
-              <a:t> 확인</a:t>
-            </a:r>
-            <a:endParaRPr lang="ko-KR" altLang="en-US" sz="1400" dirty="0"/>
-          </a:p>
-        </p:txBody>
-      </p:sp>
       <p:pic>
         <p:nvPicPr>
-          <p:cNvPr id="8" name="그림 7"/>
-          <p:cNvPicPr>
-            <a:picLocks noChangeAspect="1"/>
-          </p:cNvPicPr>
-          <p:nvPr/>
-        </p:nvPicPr>
-        <p:blipFill rotWithShape="1">
-          <a:blip r:embed="rId3">
-            <a:extLst>
-              <a:ext uri="{28A0092B-C50C-407E-A947-70E740481C1C}">
-                <a14:useLocalDpi xmlns:a14="http://schemas.microsoft.com/office/drawing/2010/main" val="0"/>
-              </a:ext>
-            </a:extLst>
-          </a:blip>
-          <a:srcRect t="7852"/>
-          <a:stretch/>
-        </p:blipFill>
-        <p:spPr>
-          <a:xfrm>
-            <a:off x="5374303" y="2000327"/>
-            <a:ext cx="4237077" cy="3156865"/>
-          </a:xfrm>
-          <a:prstGeom prst="rect">
-            <a:avLst/>
-          </a:prstGeom>
-          <a:ln>
-            <a:solidFill>
-              <a:schemeClr val="bg1">
-                <a:lumMod val="85000"/>
-              </a:schemeClr>
-            </a:solidFill>
-          </a:ln>
-        </p:spPr>
-      </p:pic>
-    </p:spTree>
-    <p:extLst>
-      <p:ext uri="{BB962C8B-B14F-4D97-AF65-F5344CB8AC3E}">
-        <p14:creationId xmlns:p14="http://schemas.microsoft.com/office/powerpoint/2010/main" val="2255236713"/>
-      </p:ext>
-    </p:extLst>
-  </p:cSld>
-  <p:clrMapOvr>
-    <a:masterClrMapping/>
-  </p:clrMapOvr>
-  <p:timing>
-    <p:tnLst>
-      <p:par>
-        <p:cTn id="1" dur="indefinite" restart="never" nodeType="tmRoot"/>
-      </p:par>
-    </p:tnLst>
-  </p:timing>
-</p:sld>
-</file>
-
-<file path=ppt/slides/slide27.xml><?xml version="1.0" encoding="utf-8"?>
-<p:sld xmlns:a="http://schemas.openxmlformats.org/drawingml/2006/main" xmlns:r="http://schemas.openxmlformats.org/officeDocument/2006/relationships" xmlns:p="http://schemas.openxmlformats.org/presentationml/2006/main">
-  <p:cSld>
-    <p:spTree>
-      <p:nvGrpSpPr>
-        <p:cNvPr id="1" name=""/>
-        <p:cNvGrpSpPr/>
-        <p:nvPr/>
-      </p:nvGrpSpPr>
-      <p:grpSpPr>
-        <a:xfrm>
-          <a:off x="0" y="0"/>
-          <a:ext cx="0" cy="0"/>
-          <a:chOff x="0" y="0"/>
-          <a:chExt cx="0" cy="0"/>
-        </a:xfrm>
-      </p:grpSpPr>
-      <p:sp>
-        <p:nvSpPr>
-          <p:cNvPr id="2" name="제목 1"/>
-          <p:cNvSpPr>
-            <a:spLocks noGrp="1"/>
-          </p:cNvSpPr>
-          <p:nvPr>
-            <p:ph type="title"/>
-          </p:nvPr>
-        </p:nvSpPr>
-        <p:spPr>
-          <a:xfrm>
-            <a:off x="416497" y="197768"/>
-            <a:ext cx="6412780" cy="854968"/>
-          </a:xfrm>
-        </p:spPr>
-        <p:txBody>
-          <a:bodyPr>
-            <a:noAutofit/>
-          </a:bodyPr>
-          <a:lstStyle/>
-          <a:p>
-            <a:pPr algn="ctr"/>
-            <a:r>
-              <a:rPr lang="en-US" altLang="ko-KR" sz="2800" dirty="0" smtClean="0"/>
-              <a:t> </a:t>
-            </a:r>
-            <a:r>
-              <a:rPr lang="ko-KR" altLang="en-US" sz="2400" b="1" dirty="0">
-                <a:solidFill>
-                  <a:schemeClr val="tx1"/>
-                </a:solidFill>
-              </a:rPr>
-              <a:t>한 페이지 안에서 이동하는 </a:t>
-            </a:r>
-            <a:r>
-              <a:rPr lang="ko-KR" altLang="en-US" sz="2400" b="1" dirty="0" err="1">
-                <a:solidFill>
-                  <a:schemeClr val="tx1"/>
-                </a:solidFill>
-              </a:rPr>
-              <a:t>앵커만</a:t>
-            </a:r>
-            <a:r>
-              <a:rPr lang="ko-KR" altLang="en-US" sz="2400" dirty="0" err="1">
-                <a:solidFill>
-                  <a:schemeClr val="tx1"/>
-                </a:solidFill>
-              </a:rPr>
-              <a:t>들기</a:t>
-            </a:r>
-            <a:endParaRPr lang="ko-KR" altLang="en-US" sz="2400" dirty="0"/>
-          </a:p>
-        </p:txBody>
-      </p:sp>
-      <p:sp>
-        <p:nvSpPr>
-          <p:cNvPr id="4" name="슬라이드 번호 개체 틀 3"/>
-          <p:cNvSpPr>
-            <a:spLocks noGrp="1"/>
-          </p:cNvSpPr>
-          <p:nvPr>
-            <p:ph type="sldNum" sz="quarter" idx="12"/>
-          </p:nvPr>
-        </p:nvSpPr>
-        <p:spPr/>
-        <p:txBody>
-          <a:bodyPr/>
-          <a:lstStyle/>
-          <a:p>
-            <a:fld id="{1BDE3FE7-3AEA-4B05-AC5A-802D1816ACF0}" type="slidenum">
-              <a:rPr lang="ko-KR" altLang="en-US" smtClean="0"/>
-              <a:t>27</a:t>
-            </a:fld>
-            <a:endParaRPr lang="ko-KR" altLang="en-US"/>
-          </a:p>
-        </p:txBody>
-      </p:sp>
-      <p:pic>
-        <p:nvPicPr>
-          <p:cNvPr id="10" name="그림 9"/>
-          <p:cNvPicPr>
-            <a:picLocks noChangeAspect="1"/>
-          </p:cNvPicPr>
-          <p:nvPr/>
-        </p:nvPicPr>
-        <p:blipFill>
-          <a:blip r:embed="rId2">
-            <a:extLst>
-              <a:ext uri="{28A0092B-C50C-407E-A947-70E740481C1C}">
-                <a14:useLocalDpi xmlns:a14="http://schemas.microsoft.com/office/drawing/2010/main" val="0"/>
-              </a:ext>
-            </a:extLst>
-          </a:blip>
-          <a:stretch>
-            <a:fillRect/>
-          </a:stretch>
-        </p:blipFill>
-        <p:spPr>
-          <a:xfrm>
-            <a:off x="776370" y="1730425"/>
-            <a:ext cx="4270387" cy="3168352"/>
-          </a:xfrm>
-          <a:prstGeom prst="rect">
-            <a:avLst/>
-          </a:prstGeom>
-          <a:ln>
-            <a:solidFill>
-              <a:schemeClr val="bg1">
-                <a:lumMod val="85000"/>
-              </a:schemeClr>
-            </a:solidFill>
-          </a:ln>
-        </p:spPr>
-      </p:pic>
-      <p:pic>
-        <p:nvPicPr>
-          <p:cNvPr id="11" name="그림 10"/>
+          <p:cNvPr id="6" name="그림 5"/>
           <p:cNvPicPr>
             <a:picLocks noChangeAspect="1"/>
           </p:cNvPicPr>
@@ -11338,8 +11071,8 @@
         </p:blipFill>
         <p:spPr>
           <a:xfrm>
-            <a:off x="5254685" y="1721524"/>
-            <a:ext cx="4018795" cy="3177253"/>
+            <a:off x="1587287" y="1462498"/>
+            <a:ext cx="6388828" cy="2087688"/>
           </a:xfrm>
           <a:prstGeom prst="rect">
             <a:avLst/>
@@ -11355,14 +11088,14 @@
       </p:pic>
       <p:sp>
         <p:nvSpPr>
-          <p:cNvPr id="7" name="TextBox 6"/>
+          <p:cNvPr id="8" name="TextBox 7"/>
           <p:cNvSpPr txBox="1"/>
           <p:nvPr/>
         </p:nvSpPr>
         <p:spPr>
           <a:xfrm>
-            <a:off x="7630949" y="1268760"/>
-            <a:ext cx="1512168" cy="461665"/>
+            <a:off x="5745088" y="1231664"/>
+            <a:ext cx="2282797" cy="461665"/>
           </a:xfrm>
           <a:prstGeom prst="rect">
             <a:avLst/>
@@ -11386,7 +11119,7 @@
                   <a:srgbClr val="C00000"/>
                 </a:solidFill>
               </a:rPr>
-              <a:t>anchor.html </a:t>
+              <a:t>bg-attachment.html </a:t>
             </a:r>
             <a:r>
               <a:rPr lang="ko-KR" altLang="en-US" sz="1600" dirty="0" smtClean="0">
@@ -11407,7 +11140,7 @@
     </p:spTree>
     <p:extLst>
       <p:ext uri="{BB962C8B-B14F-4D97-AF65-F5344CB8AC3E}">
-        <p14:creationId xmlns:p14="http://schemas.microsoft.com/office/powerpoint/2010/main" val="2825589046"/>
+        <p14:creationId xmlns:p14="http://schemas.microsoft.com/office/powerpoint/2010/main" val="299427315"/>
       </p:ext>
     </p:extLst>
   </p:cSld>
@@ -12900,17 +12633,13 @@
           </a:bodyPr>
           <a:lstStyle/>
           <a:p>
-            <a:pPr marL="285750" indent="-285750"/>
-            <a:r>
-              <a:rPr lang="ko-KR" altLang="en-US" sz="2800" b="1" dirty="0" smtClean="0"/>
-              <a:t>   </a:t>
-            </a:r>
-            <a:r>
-              <a:rPr lang="ko-KR" altLang="en-US" sz="2800" dirty="0"/>
-              <a:t>태그 </a:t>
-            </a:r>
-            <a:r>
-              <a:rPr lang="ko-KR" altLang="en-US" sz="2800" dirty="0" err="1"/>
+            <a:pPr algn="ctr"/>
+            <a:r>
+              <a:rPr lang="en-US" altLang="ko-KR" sz="2800" dirty="0" smtClean="0"/>
+              <a:t>id &amp; class </a:t>
+            </a:r>
+            <a:r>
+              <a:rPr lang="ko-KR" altLang="en-US" sz="2800" dirty="0" err="1" smtClean="0"/>
               <a:t>선택자</a:t>
             </a:r>
             <a:endParaRPr lang="ko-KR" altLang="en-US" sz="2800" dirty="0"/>
@@ -12935,372 +12664,6 @@
             <a:fld id="{1BDE3FE7-3AEA-4B05-AC5A-802D1816ACF0}" type="slidenum">
               <a:rPr lang="ko-KR" altLang="en-US" smtClean="0"/>
               <a:t>6</a:t>
-            </a:fld>
-            <a:endParaRPr lang="ko-KR" altLang="en-US"/>
-          </a:p>
-        </p:txBody>
-      </p:sp>
-      <p:pic>
-        <p:nvPicPr>
-          <p:cNvPr id="6" name="그림 5"/>
-          <p:cNvPicPr>
-            <a:picLocks noChangeAspect="1"/>
-          </p:cNvPicPr>
-          <p:nvPr/>
-        </p:nvPicPr>
-        <p:blipFill>
-          <a:blip r:embed="rId2">
-            <a:extLst>
-              <a:ext uri="{28A0092B-C50C-407E-A947-70E740481C1C}">
-                <a14:useLocalDpi xmlns:a14="http://schemas.microsoft.com/office/drawing/2010/main" val="0"/>
-              </a:ext>
-            </a:extLst>
-          </a:blip>
-          <a:stretch>
-            <a:fillRect/>
-          </a:stretch>
-        </p:blipFill>
-        <p:spPr>
-          <a:xfrm>
-            <a:off x="1280592" y="1602643"/>
-            <a:ext cx="2023274" cy="2016224"/>
-          </a:xfrm>
-          <a:prstGeom prst="rect">
-            <a:avLst/>
-          </a:prstGeom>
-        </p:spPr>
-      </p:pic>
-      <p:pic>
-        <p:nvPicPr>
-          <p:cNvPr id="12" name="그림 11"/>
-          <p:cNvPicPr>
-            <a:picLocks noChangeAspect="1"/>
-          </p:cNvPicPr>
-          <p:nvPr/>
-        </p:nvPicPr>
-        <p:blipFill>
-          <a:blip r:embed="rId3">
-            <a:extLst>
-              <a:ext uri="{28A0092B-C50C-407E-A947-70E740481C1C}">
-                <a14:useLocalDpi xmlns:a14="http://schemas.microsoft.com/office/drawing/2010/main" val="0"/>
-              </a:ext>
-            </a:extLst>
-          </a:blip>
-          <a:stretch>
-            <a:fillRect/>
-          </a:stretch>
-        </p:blipFill>
-        <p:spPr>
-          <a:xfrm>
-            <a:off x="4016896" y="1607205"/>
-            <a:ext cx="3816645" cy="2011661"/>
-          </a:xfrm>
-          <a:prstGeom prst="rect">
-            <a:avLst/>
-          </a:prstGeom>
-          <a:ln>
-            <a:solidFill>
-              <a:schemeClr val="bg1">
-                <a:lumMod val="85000"/>
-              </a:schemeClr>
-            </a:solidFill>
-          </a:ln>
-        </p:spPr>
-      </p:pic>
-      <p:pic>
-        <p:nvPicPr>
-          <p:cNvPr id="13" name="그림 12"/>
-          <p:cNvPicPr>
-            <a:picLocks noChangeAspect="1"/>
-          </p:cNvPicPr>
-          <p:nvPr/>
-        </p:nvPicPr>
-        <p:blipFill>
-          <a:blip r:embed="rId4">
-            <a:extLst>
-              <a:ext uri="{28A0092B-C50C-407E-A947-70E740481C1C}">
-                <a14:useLocalDpi xmlns:a14="http://schemas.microsoft.com/office/drawing/2010/main" val="0"/>
-              </a:ext>
-            </a:extLst>
-          </a:blip>
-          <a:stretch>
-            <a:fillRect/>
-          </a:stretch>
-        </p:blipFill>
-        <p:spPr>
-          <a:xfrm>
-            <a:off x="1280593" y="3906898"/>
-            <a:ext cx="7200800" cy="1584176"/>
-          </a:xfrm>
-          <a:prstGeom prst="rect">
-            <a:avLst/>
-          </a:prstGeom>
-          <a:ln>
-            <a:solidFill>
-              <a:schemeClr val="bg1">
-                <a:lumMod val="85000"/>
-              </a:schemeClr>
-            </a:solidFill>
-          </a:ln>
-        </p:spPr>
-      </p:pic>
-      <p:sp>
-        <p:nvSpPr>
-          <p:cNvPr id="3" name="직사각형 2"/>
-          <p:cNvSpPr/>
-          <p:nvPr/>
-        </p:nvSpPr>
-        <p:spPr>
-          <a:xfrm>
-            <a:off x="6942028" y="3773454"/>
-            <a:ext cx="1325909" cy="338554"/>
-          </a:xfrm>
-          <a:prstGeom prst="rect">
-            <a:avLst/>
-          </a:prstGeom>
-        </p:spPr>
-        <p:txBody>
-          <a:bodyPr wrap="square">
-            <a:spAutoFit/>
-          </a:bodyPr>
-          <a:lstStyle/>
-          <a:p>
-            <a:r>
-              <a:rPr lang="en-US" altLang="ko-KR" sz="1600" dirty="0" smtClean="0">
-                <a:solidFill>
-                  <a:srgbClr val="C00000"/>
-                </a:solidFill>
-              </a:rPr>
-              <a:t>link.html</a:t>
-            </a:r>
-            <a:endParaRPr lang="ko-KR" altLang="en-US" sz="1600" dirty="0">
-              <a:solidFill>
-                <a:srgbClr val="C00000"/>
-              </a:solidFill>
-            </a:endParaRPr>
-          </a:p>
-        </p:txBody>
-      </p:sp>
-      <p:sp>
-        <p:nvSpPr>
-          <p:cNvPr id="14" name="TextBox 13"/>
-          <p:cNvSpPr txBox="1"/>
-          <p:nvPr/>
-        </p:nvSpPr>
-        <p:spPr>
-          <a:xfrm>
-            <a:off x="7329264" y="1556792"/>
-            <a:ext cx="1594409" cy="374571"/>
-          </a:xfrm>
-          <a:prstGeom prst="roundRect">
-            <a:avLst/>
-          </a:prstGeom>
-        </p:spPr>
-        <p:style>
-          <a:lnRef idx="2">
-            <a:schemeClr val="accent2"/>
-          </a:lnRef>
-          <a:fillRef idx="1">
-            <a:schemeClr val="lt1"/>
-          </a:fillRef>
-          <a:effectRef idx="0">
-            <a:schemeClr val="accent2"/>
-          </a:effectRef>
-          <a:fontRef idx="minor">
-            <a:schemeClr val="dk1"/>
-          </a:fontRef>
-        </p:style>
-        <p:txBody>
-          <a:bodyPr wrap="square" rtlCol="0">
-            <a:spAutoFit/>
-          </a:bodyPr>
-          <a:lstStyle/>
-          <a:p>
-            <a:r>
-              <a:rPr lang="en-US" altLang="ko-KR" sz="1600" smtClean="0"/>
-              <a:t>CSS </a:t>
-            </a:r>
-            <a:r>
-              <a:rPr lang="ko-KR" altLang="en-US" sz="1600" dirty="0" smtClean="0"/>
-              <a:t>적용하기</a:t>
-            </a:r>
-            <a:endParaRPr lang="en-US" altLang="ko-KR" sz="1600" dirty="0" smtClean="0"/>
-          </a:p>
-        </p:txBody>
-      </p:sp>
-      <p:cxnSp>
-        <p:nvCxnSpPr>
-          <p:cNvPr id="15" name="직선 화살표 연결선 14"/>
-          <p:cNvCxnSpPr/>
-          <p:nvPr/>
-        </p:nvCxnSpPr>
-        <p:spPr>
-          <a:xfrm flipH="1">
-            <a:off x="7245120" y="1947169"/>
-            <a:ext cx="444184" cy="270030"/>
-          </a:xfrm>
-          <a:prstGeom prst="straightConnector1">
-            <a:avLst/>
-          </a:prstGeom>
-          <a:ln>
-            <a:solidFill>
-              <a:srgbClr val="C00000"/>
-            </a:solidFill>
-            <a:tailEnd type="triangle"/>
-          </a:ln>
-        </p:spPr>
-        <p:style>
-          <a:lnRef idx="1">
-            <a:schemeClr val="accent1"/>
-          </a:lnRef>
-          <a:fillRef idx="0">
-            <a:schemeClr val="accent1"/>
-          </a:fillRef>
-          <a:effectRef idx="0">
-            <a:schemeClr val="accent1"/>
-          </a:effectRef>
-          <a:fontRef idx="minor">
-            <a:schemeClr val="tx1"/>
-          </a:fontRef>
-        </p:style>
-      </p:cxnSp>
-      <p:sp>
-        <p:nvSpPr>
-          <p:cNvPr id="16" name="직사각형 15"/>
-          <p:cNvSpPr/>
-          <p:nvPr/>
-        </p:nvSpPr>
-        <p:spPr>
-          <a:xfrm>
-            <a:off x="4376936" y="2250714"/>
-            <a:ext cx="3528392" cy="1152128"/>
-          </a:xfrm>
-          <a:prstGeom prst="rect">
-            <a:avLst/>
-          </a:prstGeom>
-          <a:noFill/>
-          <a:ln w="28575">
-            <a:solidFill>
-              <a:srgbClr val="C00000"/>
-            </a:solidFill>
-            <a:prstDash val="sysDot"/>
-          </a:ln>
-        </p:spPr>
-        <p:style>
-          <a:lnRef idx="2">
-            <a:schemeClr val="accent1">
-              <a:shade val="50000"/>
-            </a:schemeClr>
-          </a:lnRef>
-          <a:fillRef idx="1">
-            <a:schemeClr val="accent1"/>
-          </a:fillRef>
-          <a:effectRef idx="0">
-            <a:schemeClr val="accent1"/>
-          </a:effectRef>
-          <a:fontRef idx="minor">
-            <a:schemeClr val="lt1"/>
-          </a:fontRef>
-        </p:style>
-        <p:txBody>
-          <a:bodyPr rtlCol="0" anchor="ctr"/>
-          <a:lstStyle/>
-          <a:p>
-            <a:pPr algn="ctr"/>
-            <a:endParaRPr lang="ko-KR" altLang="en-US"/>
-          </a:p>
-        </p:txBody>
-      </p:sp>
-    </p:spTree>
-    <p:extLst>
-      <p:ext uri="{BB962C8B-B14F-4D97-AF65-F5344CB8AC3E}">
-        <p14:creationId xmlns:p14="http://schemas.microsoft.com/office/powerpoint/2010/main" val="105640441"/>
-      </p:ext>
-    </p:extLst>
-  </p:cSld>
-  <p:clrMapOvr>
-    <a:masterClrMapping/>
-  </p:clrMapOvr>
-  <p:timing>
-    <p:tnLst>
-      <p:par>
-        <p:cTn id="1" dur="indefinite" restart="never" nodeType="tmRoot"/>
-      </p:par>
-    </p:tnLst>
-  </p:timing>
-</p:sld>
-</file>
-
-<file path=ppt/slides/slide7.xml><?xml version="1.0" encoding="utf-8"?>
-<p:sld xmlns:a="http://schemas.openxmlformats.org/drawingml/2006/main" xmlns:r="http://schemas.openxmlformats.org/officeDocument/2006/relationships" xmlns:p="http://schemas.openxmlformats.org/presentationml/2006/main">
-  <p:cSld>
-    <p:spTree>
-      <p:nvGrpSpPr>
-        <p:cNvPr id="1" name=""/>
-        <p:cNvGrpSpPr/>
-        <p:nvPr/>
-      </p:nvGrpSpPr>
-      <p:grpSpPr>
-        <a:xfrm>
-          <a:off x="0" y="0"/>
-          <a:ext cx="0" cy="0"/>
-          <a:chOff x="0" y="0"/>
-          <a:chExt cx="0" cy="0"/>
-        </a:xfrm>
-      </p:grpSpPr>
-      <p:sp>
-        <p:nvSpPr>
-          <p:cNvPr id="2" name="제목 1"/>
-          <p:cNvSpPr>
-            <a:spLocks noGrp="1"/>
-          </p:cNvSpPr>
-          <p:nvPr>
-            <p:ph type="title"/>
-          </p:nvPr>
-        </p:nvSpPr>
-        <p:spPr>
-          <a:xfrm>
-            <a:off x="416497" y="197768"/>
-            <a:ext cx="6412780" cy="854968"/>
-          </a:xfrm>
-        </p:spPr>
-        <p:txBody>
-          <a:bodyPr>
-            <a:noAutofit/>
-          </a:bodyPr>
-          <a:lstStyle/>
-          <a:p>
-            <a:pPr algn="ctr"/>
-            <a:r>
-              <a:rPr lang="en-US" altLang="ko-KR" sz="2800" dirty="0" smtClean="0"/>
-              <a:t>id &amp; class </a:t>
-            </a:r>
-            <a:r>
-              <a:rPr lang="ko-KR" altLang="en-US" sz="2800" dirty="0" err="1" smtClean="0"/>
-              <a:t>선택자</a:t>
-            </a:r>
-            <a:endParaRPr lang="ko-KR" altLang="en-US" sz="2800" dirty="0"/>
-          </a:p>
-        </p:txBody>
-      </p:sp>
-      <p:sp>
-        <p:nvSpPr>
-          <p:cNvPr id="4" name="슬라이드 번호 개체 틀 3"/>
-          <p:cNvSpPr>
-            <a:spLocks noGrp="1"/>
-          </p:cNvSpPr>
-          <p:nvPr>
-            <p:ph type="sldNum" sz="quarter" idx="12"/>
-          </p:nvPr>
-        </p:nvSpPr>
-        <p:spPr/>
-        <p:txBody>
-          <a:bodyPr/>
-          <a:lstStyle/>
-          <a:p>
-            <a:fld id="{1BDE3FE7-3AEA-4B05-AC5A-802D1816ACF0}" type="slidenum">
-              <a:rPr lang="ko-KR" altLang="en-US" smtClean="0"/>
-              <a:t>7</a:t>
             </a:fld>
             <a:endParaRPr lang="ko-KR" altLang="en-US"/>
           </a:p>
@@ -13600,6 +12963,928 @@
 </p:sld>
 </file>
 
+<file path=ppt/slides/slide7.xml><?xml version="1.0" encoding="utf-8"?>
+<p:sld xmlns:a="http://schemas.openxmlformats.org/drawingml/2006/main" xmlns:r="http://schemas.openxmlformats.org/officeDocument/2006/relationships" xmlns:p="http://schemas.openxmlformats.org/presentationml/2006/main">
+  <p:cSld>
+    <p:spTree>
+      <p:nvGrpSpPr>
+        <p:cNvPr id="1" name=""/>
+        <p:cNvGrpSpPr/>
+        <p:nvPr/>
+      </p:nvGrpSpPr>
+      <p:grpSpPr>
+        <a:xfrm>
+          <a:off x="0" y="0"/>
+          <a:ext cx="0" cy="0"/>
+          <a:chOff x="0" y="0"/>
+          <a:chExt cx="0" cy="0"/>
+        </a:xfrm>
+      </p:grpSpPr>
+      <p:sp>
+        <p:nvSpPr>
+          <p:cNvPr id="2" name="제목 1"/>
+          <p:cNvSpPr>
+            <a:spLocks noGrp="1"/>
+          </p:cNvSpPr>
+          <p:nvPr>
+            <p:ph type="title"/>
+          </p:nvPr>
+        </p:nvSpPr>
+        <p:spPr>
+          <a:xfrm>
+            <a:off x="416497" y="197768"/>
+            <a:ext cx="6412780" cy="854968"/>
+          </a:xfrm>
+        </p:spPr>
+        <p:txBody>
+          <a:bodyPr>
+            <a:noAutofit/>
+          </a:bodyPr>
+          <a:lstStyle/>
+          <a:p>
+            <a:pPr algn="ctr"/>
+            <a:r>
+              <a:rPr lang="ko-KR" altLang="en-US" sz="2800" dirty="0" err="1" smtClean="0"/>
+              <a:t>캐스케이딩</a:t>
+            </a:r>
+            <a:r>
+              <a:rPr lang="ko-KR" altLang="en-US" sz="2800" dirty="0" smtClean="0"/>
+              <a:t> 스타일 시트</a:t>
+            </a:r>
+            <a:endParaRPr lang="ko-KR" altLang="en-US" sz="2800" dirty="0"/>
+          </a:p>
+        </p:txBody>
+      </p:sp>
+      <p:sp>
+        <p:nvSpPr>
+          <p:cNvPr id="4" name="슬라이드 번호 개체 틀 3"/>
+          <p:cNvSpPr>
+            <a:spLocks noGrp="1"/>
+          </p:cNvSpPr>
+          <p:nvPr>
+            <p:ph type="sldNum" sz="quarter" idx="12"/>
+          </p:nvPr>
+        </p:nvSpPr>
+        <p:spPr/>
+        <p:txBody>
+          <a:bodyPr/>
+          <a:lstStyle/>
+          <a:p>
+            <a:fld id="{1BDE3FE7-3AEA-4B05-AC5A-802D1816ACF0}" type="slidenum">
+              <a:rPr lang="ko-KR" altLang="en-US" smtClean="0"/>
+              <a:t>7</a:t>
+            </a:fld>
+            <a:endParaRPr lang="ko-KR" altLang="en-US"/>
+          </a:p>
+        </p:txBody>
+      </p:sp>
+      <p:sp>
+        <p:nvSpPr>
+          <p:cNvPr id="9" name="TextBox 8"/>
+          <p:cNvSpPr txBox="1"/>
+          <p:nvPr/>
+        </p:nvSpPr>
+        <p:spPr>
+          <a:xfrm>
+            <a:off x="848544" y="1206314"/>
+            <a:ext cx="4289839" cy="494494"/>
+          </a:xfrm>
+          <a:prstGeom prst="rect">
+            <a:avLst/>
+          </a:prstGeom>
+          <a:noFill/>
+        </p:spPr>
+        <p:txBody>
+          <a:bodyPr wrap="square" rtlCol="0">
+            <a:spAutoFit/>
+          </a:bodyPr>
+          <a:lstStyle/>
+          <a:p>
+            <a:pPr>
+              <a:lnSpc>
+                <a:spcPct val="150000"/>
+              </a:lnSpc>
+            </a:pPr>
+            <a:r>
+              <a:rPr lang="ko-KR" altLang="en-US" sz="2000" b="1" dirty="0" smtClean="0">
+                <a:solidFill>
+                  <a:srgbClr val="C00000"/>
+                </a:solidFill>
+              </a:rPr>
+              <a:t>원칙 </a:t>
+            </a:r>
+            <a:r>
+              <a:rPr lang="en-US" altLang="ko-KR" sz="2000" b="1" dirty="0" smtClean="0">
+                <a:solidFill>
+                  <a:srgbClr val="C00000"/>
+                </a:solidFill>
+              </a:rPr>
+              <a:t>1: </a:t>
+            </a:r>
+            <a:r>
+              <a:rPr lang="ko-KR" altLang="en-US" sz="2000" b="1" dirty="0" smtClean="0">
+                <a:solidFill>
+                  <a:srgbClr val="C00000"/>
+                </a:solidFill>
+              </a:rPr>
+              <a:t>스타일 우선 순위 </a:t>
+            </a:r>
+            <a:endParaRPr lang="en-US" altLang="ko-KR" sz="2000" b="1" dirty="0" smtClean="0">
+              <a:solidFill>
+                <a:srgbClr val="C00000"/>
+              </a:solidFill>
+            </a:endParaRPr>
+          </a:p>
+        </p:txBody>
+      </p:sp>
+      <p:sp>
+        <p:nvSpPr>
+          <p:cNvPr id="10" name="직사각형 9"/>
+          <p:cNvSpPr/>
+          <p:nvPr/>
+        </p:nvSpPr>
+        <p:spPr>
+          <a:xfrm>
+            <a:off x="1712640" y="1844824"/>
+            <a:ext cx="1728192" cy="432048"/>
+          </a:xfrm>
+          <a:prstGeom prst="rect">
+            <a:avLst/>
+          </a:prstGeom>
+          <a:noFill/>
+          <a:ln w="12700"/>
+        </p:spPr>
+        <p:style>
+          <a:lnRef idx="2">
+            <a:schemeClr val="accent1">
+              <a:shade val="50000"/>
+            </a:schemeClr>
+          </a:lnRef>
+          <a:fillRef idx="1">
+            <a:schemeClr val="accent1"/>
+          </a:fillRef>
+          <a:effectRef idx="0">
+            <a:schemeClr val="accent1"/>
+          </a:effectRef>
+          <a:fontRef idx="minor">
+            <a:schemeClr val="lt1"/>
+          </a:fontRef>
+        </p:style>
+        <p:txBody>
+          <a:bodyPr rtlCol="0" anchor="ctr"/>
+          <a:lstStyle/>
+          <a:p>
+            <a:pPr algn="ctr"/>
+            <a:r>
+              <a:rPr lang="en-US" altLang="ko-KR" dirty="0" smtClean="0">
+                <a:solidFill>
+                  <a:sysClr val="windowText" lastClr="000000"/>
+                </a:solidFill>
+              </a:rPr>
+              <a:t>!important</a:t>
+            </a:r>
+            <a:endParaRPr lang="ko-KR" altLang="en-US" dirty="0">
+              <a:solidFill>
+                <a:sysClr val="windowText" lastClr="000000"/>
+              </a:solidFill>
+            </a:endParaRPr>
+          </a:p>
+        </p:txBody>
+      </p:sp>
+      <p:sp>
+        <p:nvSpPr>
+          <p:cNvPr id="11" name="TextBox 10"/>
+          <p:cNvSpPr txBox="1"/>
+          <p:nvPr/>
+        </p:nvSpPr>
+        <p:spPr>
+          <a:xfrm>
+            <a:off x="3512840" y="1916832"/>
+            <a:ext cx="4248472" cy="338554"/>
+          </a:xfrm>
+          <a:prstGeom prst="rect">
+            <a:avLst/>
+          </a:prstGeom>
+          <a:noFill/>
+        </p:spPr>
+        <p:txBody>
+          <a:bodyPr wrap="square" rtlCol="0">
+            <a:spAutoFit/>
+          </a:bodyPr>
+          <a:lstStyle/>
+          <a:p>
+            <a:r>
+              <a:rPr lang="ko-KR" altLang="en-US" sz="1600" dirty="0" smtClean="0">
+                <a:solidFill>
+                  <a:srgbClr val="0070C0"/>
+                </a:solidFill>
+              </a:rPr>
+              <a:t>어떤 스타일보다 우선 적용되는 스타일</a:t>
+            </a:r>
+            <a:endParaRPr lang="ko-KR" altLang="en-US" sz="1600" dirty="0">
+              <a:solidFill>
+                <a:srgbClr val="0070C0"/>
+              </a:solidFill>
+            </a:endParaRPr>
+          </a:p>
+        </p:txBody>
+      </p:sp>
+      <p:sp>
+        <p:nvSpPr>
+          <p:cNvPr id="12" name="아래쪽 화살표 11"/>
+          <p:cNvSpPr/>
+          <p:nvPr/>
+        </p:nvSpPr>
+        <p:spPr>
+          <a:xfrm>
+            <a:off x="2504728" y="2420888"/>
+            <a:ext cx="288032" cy="288032"/>
+          </a:xfrm>
+          <a:prstGeom prst="downArrow">
+            <a:avLst/>
+          </a:prstGeom>
+          <a:solidFill>
+            <a:schemeClr val="bg1">
+              <a:lumMod val="95000"/>
+            </a:schemeClr>
+          </a:solidFill>
+          <a:ln w="12700"/>
+        </p:spPr>
+        <p:style>
+          <a:lnRef idx="2">
+            <a:schemeClr val="accent1">
+              <a:shade val="50000"/>
+            </a:schemeClr>
+          </a:lnRef>
+          <a:fillRef idx="1">
+            <a:schemeClr val="accent1"/>
+          </a:fillRef>
+          <a:effectRef idx="0">
+            <a:schemeClr val="accent1"/>
+          </a:effectRef>
+          <a:fontRef idx="minor">
+            <a:schemeClr val="lt1"/>
+          </a:fontRef>
+        </p:style>
+        <p:txBody>
+          <a:bodyPr rtlCol="0" anchor="ctr"/>
+          <a:lstStyle/>
+          <a:p>
+            <a:pPr algn="ctr"/>
+            <a:endParaRPr lang="ko-KR" altLang="en-US"/>
+          </a:p>
+        </p:txBody>
+      </p:sp>
+      <p:sp>
+        <p:nvSpPr>
+          <p:cNvPr id="13" name="직사각형 12"/>
+          <p:cNvSpPr/>
+          <p:nvPr/>
+        </p:nvSpPr>
+        <p:spPr>
+          <a:xfrm>
+            <a:off x="1712640" y="2780928"/>
+            <a:ext cx="1728192" cy="432048"/>
+          </a:xfrm>
+          <a:prstGeom prst="rect">
+            <a:avLst/>
+          </a:prstGeom>
+          <a:noFill/>
+          <a:ln w="12700"/>
+        </p:spPr>
+        <p:style>
+          <a:lnRef idx="2">
+            <a:schemeClr val="accent1">
+              <a:shade val="50000"/>
+            </a:schemeClr>
+          </a:lnRef>
+          <a:fillRef idx="1">
+            <a:schemeClr val="accent1"/>
+          </a:fillRef>
+          <a:effectRef idx="0">
+            <a:schemeClr val="accent1"/>
+          </a:effectRef>
+          <a:fontRef idx="minor">
+            <a:schemeClr val="lt1"/>
+          </a:fontRef>
+        </p:style>
+        <p:txBody>
+          <a:bodyPr rtlCol="0" anchor="ctr"/>
+          <a:lstStyle/>
+          <a:p>
+            <a:pPr algn="ctr"/>
+            <a:r>
+              <a:rPr lang="ko-KR" altLang="en-US" dirty="0" err="1" smtClean="0">
+                <a:solidFill>
+                  <a:sysClr val="windowText" lastClr="000000"/>
+                </a:solidFill>
+              </a:rPr>
+              <a:t>인라인</a:t>
+            </a:r>
+            <a:r>
+              <a:rPr lang="ko-KR" altLang="en-US" dirty="0" smtClean="0">
+                <a:solidFill>
+                  <a:sysClr val="windowText" lastClr="000000"/>
+                </a:solidFill>
+              </a:rPr>
+              <a:t> 스타일</a:t>
+            </a:r>
+            <a:endParaRPr lang="ko-KR" altLang="en-US" dirty="0">
+              <a:solidFill>
+                <a:sysClr val="windowText" lastClr="000000"/>
+              </a:solidFill>
+            </a:endParaRPr>
+          </a:p>
+        </p:txBody>
+      </p:sp>
+      <p:sp>
+        <p:nvSpPr>
+          <p:cNvPr id="14" name="TextBox 13"/>
+          <p:cNvSpPr txBox="1"/>
+          <p:nvPr/>
+        </p:nvSpPr>
+        <p:spPr>
+          <a:xfrm>
+            <a:off x="3512840" y="2852936"/>
+            <a:ext cx="4248472" cy="338554"/>
+          </a:xfrm>
+          <a:prstGeom prst="rect">
+            <a:avLst/>
+          </a:prstGeom>
+          <a:noFill/>
+        </p:spPr>
+        <p:txBody>
+          <a:bodyPr wrap="square" rtlCol="0">
+            <a:spAutoFit/>
+          </a:bodyPr>
+          <a:lstStyle/>
+          <a:p>
+            <a:r>
+              <a:rPr lang="ko-KR" altLang="en-US" sz="1600" dirty="0" smtClean="0">
+                <a:solidFill>
+                  <a:srgbClr val="0070C0"/>
+                </a:solidFill>
+              </a:rPr>
+              <a:t>해당 태그에만 적용되는 스타일</a:t>
+            </a:r>
+            <a:endParaRPr lang="ko-KR" altLang="en-US" sz="1600" dirty="0">
+              <a:solidFill>
+                <a:srgbClr val="0070C0"/>
+              </a:solidFill>
+            </a:endParaRPr>
+          </a:p>
+        </p:txBody>
+      </p:sp>
+      <p:sp>
+        <p:nvSpPr>
+          <p:cNvPr id="15" name="아래쪽 화살표 14"/>
+          <p:cNvSpPr/>
+          <p:nvPr/>
+        </p:nvSpPr>
+        <p:spPr>
+          <a:xfrm>
+            <a:off x="2504728" y="3356992"/>
+            <a:ext cx="288032" cy="288032"/>
+          </a:xfrm>
+          <a:prstGeom prst="downArrow">
+            <a:avLst/>
+          </a:prstGeom>
+          <a:solidFill>
+            <a:schemeClr val="bg1">
+              <a:lumMod val="95000"/>
+            </a:schemeClr>
+          </a:solidFill>
+          <a:ln w="12700"/>
+        </p:spPr>
+        <p:style>
+          <a:lnRef idx="2">
+            <a:schemeClr val="accent1">
+              <a:shade val="50000"/>
+            </a:schemeClr>
+          </a:lnRef>
+          <a:fillRef idx="1">
+            <a:schemeClr val="accent1"/>
+          </a:fillRef>
+          <a:effectRef idx="0">
+            <a:schemeClr val="accent1"/>
+          </a:effectRef>
+          <a:fontRef idx="minor">
+            <a:schemeClr val="lt1"/>
+          </a:fontRef>
+        </p:style>
+        <p:txBody>
+          <a:bodyPr rtlCol="0" anchor="ctr"/>
+          <a:lstStyle/>
+          <a:p>
+            <a:pPr algn="ctr"/>
+            <a:endParaRPr lang="ko-KR" altLang="en-US"/>
+          </a:p>
+        </p:txBody>
+      </p:sp>
+      <p:sp>
+        <p:nvSpPr>
+          <p:cNvPr id="16" name="직사각형 15"/>
+          <p:cNvSpPr/>
+          <p:nvPr/>
+        </p:nvSpPr>
+        <p:spPr>
+          <a:xfrm>
+            <a:off x="1712640" y="3717032"/>
+            <a:ext cx="1728192" cy="432048"/>
+          </a:xfrm>
+          <a:prstGeom prst="rect">
+            <a:avLst/>
+          </a:prstGeom>
+          <a:noFill/>
+          <a:ln w="12700"/>
+        </p:spPr>
+        <p:style>
+          <a:lnRef idx="2">
+            <a:schemeClr val="accent1">
+              <a:shade val="50000"/>
+            </a:schemeClr>
+          </a:lnRef>
+          <a:fillRef idx="1">
+            <a:schemeClr val="accent1"/>
+          </a:fillRef>
+          <a:effectRef idx="0">
+            <a:schemeClr val="accent1"/>
+          </a:effectRef>
+          <a:fontRef idx="minor">
+            <a:schemeClr val="lt1"/>
+          </a:fontRef>
+        </p:style>
+        <p:txBody>
+          <a:bodyPr rtlCol="0" anchor="ctr"/>
+          <a:lstStyle/>
+          <a:p>
+            <a:pPr algn="ctr"/>
+            <a:r>
+              <a:rPr lang="en-US" altLang="ko-KR" dirty="0">
+                <a:solidFill>
+                  <a:sysClr val="windowText" lastClr="000000"/>
+                </a:solidFill>
+              </a:rPr>
+              <a:t>i</a:t>
+            </a:r>
+            <a:r>
+              <a:rPr lang="en-US" altLang="ko-KR" dirty="0" smtClean="0">
+                <a:solidFill>
+                  <a:sysClr val="windowText" lastClr="000000"/>
+                </a:solidFill>
+              </a:rPr>
+              <a:t>d </a:t>
+            </a:r>
+            <a:r>
+              <a:rPr lang="ko-KR" altLang="en-US" dirty="0" smtClean="0">
+                <a:solidFill>
+                  <a:sysClr val="windowText" lastClr="000000"/>
+                </a:solidFill>
+              </a:rPr>
+              <a:t>스타일</a:t>
+            </a:r>
+            <a:endParaRPr lang="ko-KR" altLang="en-US" dirty="0">
+              <a:solidFill>
+                <a:sysClr val="windowText" lastClr="000000"/>
+              </a:solidFill>
+            </a:endParaRPr>
+          </a:p>
+        </p:txBody>
+      </p:sp>
+      <p:sp>
+        <p:nvSpPr>
+          <p:cNvPr id="17" name="TextBox 16"/>
+          <p:cNvSpPr txBox="1"/>
+          <p:nvPr/>
+        </p:nvSpPr>
+        <p:spPr>
+          <a:xfrm>
+            <a:off x="3512840" y="3789040"/>
+            <a:ext cx="4248472" cy="338554"/>
+          </a:xfrm>
+          <a:prstGeom prst="rect">
+            <a:avLst/>
+          </a:prstGeom>
+          <a:noFill/>
+        </p:spPr>
+        <p:txBody>
+          <a:bodyPr wrap="square" rtlCol="0">
+            <a:spAutoFit/>
+          </a:bodyPr>
+          <a:lstStyle/>
+          <a:p>
+            <a:r>
+              <a:rPr lang="en-US" altLang="ko-KR" sz="1600" dirty="0">
+                <a:solidFill>
+                  <a:srgbClr val="0070C0"/>
+                </a:solidFill>
+              </a:rPr>
+              <a:t>i</a:t>
+            </a:r>
+            <a:r>
+              <a:rPr lang="en-US" altLang="ko-KR" sz="1600" dirty="0" smtClean="0">
+                <a:solidFill>
+                  <a:srgbClr val="0070C0"/>
+                </a:solidFill>
+              </a:rPr>
+              <a:t>d </a:t>
+            </a:r>
+            <a:r>
+              <a:rPr lang="ko-KR" altLang="en-US" sz="1600" dirty="0" smtClean="0">
+                <a:solidFill>
+                  <a:srgbClr val="0070C0"/>
+                </a:solidFill>
+              </a:rPr>
+              <a:t>선택자가 있는 부분에만 적용되는 스타일</a:t>
+            </a:r>
+            <a:endParaRPr lang="ko-KR" altLang="en-US" sz="1600" dirty="0">
+              <a:solidFill>
+                <a:srgbClr val="0070C0"/>
+              </a:solidFill>
+            </a:endParaRPr>
+          </a:p>
+        </p:txBody>
+      </p:sp>
+      <p:sp>
+        <p:nvSpPr>
+          <p:cNvPr id="18" name="아래쪽 화살표 17"/>
+          <p:cNvSpPr/>
+          <p:nvPr/>
+        </p:nvSpPr>
+        <p:spPr>
+          <a:xfrm>
+            <a:off x="2504728" y="4293096"/>
+            <a:ext cx="288032" cy="288032"/>
+          </a:xfrm>
+          <a:prstGeom prst="downArrow">
+            <a:avLst/>
+          </a:prstGeom>
+          <a:solidFill>
+            <a:schemeClr val="bg1">
+              <a:lumMod val="95000"/>
+            </a:schemeClr>
+          </a:solidFill>
+          <a:ln w="12700"/>
+        </p:spPr>
+        <p:style>
+          <a:lnRef idx="2">
+            <a:schemeClr val="accent1">
+              <a:shade val="50000"/>
+            </a:schemeClr>
+          </a:lnRef>
+          <a:fillRef idx="1">
+            <a:schemeClr val="accent1"/>
+          </a:fillRef>
+          <a:effectRef idx="0">
+            <a:schemeClr val="accent1"/>
+          </a:effectRef>
+          <a:fontRef idx="minor">
+            <a:schemeClr val="lt1"/>
+          </a:fontRef>
+        </p:style>
+        <p:txBody>
+          <a:bodyPr rtlCol="0" anchor="ctr"/>
+          <a:lstStyle/>
+          <a:p>
+            <a:pPr algn="ctr"/>
+            <a:endParaRPr lang="ko-KR" altLang="en-US"/>
+          </a:p>
+        </p:txBody>
+      </p:sp>
+      <p:sp>
+        <p:nvSpPr>
+          <p:cNvPr id="19" name="직사각형 18"/>
+          <p:cNvSpPr/>
+          <p:nvPr/>
+        </p:nvSpPr>
+        <p:spPr>
+          <a:xfrm>
+            <a:off x="1712640" y="4725144"/>
+            <a:ext cx="1728192" cy="432048"/>
+          </a:xfrm>
+          <a:prstGeom prst="rect">
+            <a:avLst/>
+          </a:prstGeom>
+          <a:noFill/>
+          <a:ln w="12700"/>
+        </p:spPr>
+        <p:style>
+          <a:lnRef idx="2">
+            <a:schemeClr val="accent1">
+              <a:shade val="50000"/>
+            </a:schemeClr>
+          </a:lnRef>
+          <a:fillRef idx="1">
+            <a:schemeClr val="accent1"/>
+          </a:fillRef>
+          <a:effectRef idx="0">
+            <a:schemeClr val="accent1"/>
+          </a:effectRef>
+          <a:fontRef idx="minor">
+            <a:schemeClr val="lt1"/>
+          </a:fontRef>
+        </p:style>
+        <p:txBody>
+          <a:bodyPr rtlCol="0" anchor="ctr"/>
+          <a:lstStyle/>
+          <a:p>
+            <a:pPr algn="ctr"/>
+            <a:r>
+              <a:rPr lang="en-US" altLang="ko-KR" dirty="0">
+                <a:solidFill>
+                  <a:sysClr val="windowText" lastClr="000000"/>
+                </a:solidFill>
+              </a:rPr>
+              <a:t>c</a:t>
+            </a:r>
+            <a:r>
+              <a:rPr lang="en-US" altLang="ko-KR" dirty="0" smtClean="0">
+                <a:solidFill>
+                  <a:sysClr val="windowText" lastClr="000000"/>
+                </a:solidFill>
+              </a:rPr>
+              <a:t>lass </a:t>
+            </a:r>
+            <a:r>
+              <a:rPr lang="ko-KR" altLang="en-US" dirty="0" smtClean="0">
+                <a:solidFill>
+                  <a:sysClr val="windowText" lastClr="000000"/>
+                </a:solidFill>
+              </a:rPr>
+              <a:t>스타일</a:t>
+            </a:r>
+            <a:endParaRPr lang="ko-KR" altLang="en-US" dirty="0">
+              <a:solidFill>
+                <a:sysClr val="windowText" lastClr="000000"/>
+              </a:solidFill>
+            </a:endParaRPr>
+          </a:p>
+        </p:txBody>
+      </p:sp>
+      <p:sp>
+        <p:nvSpPr>
+          <p:cNvPr id="20" name="TextBox 19"/>
+          <p:cNvSpPr txBox="1"/>
+          <p:nvPr/>
+        </p:nvSpPr>
+        <p:spPr>
+          <a:xfrm>
+            <a:off x="3512840" y="4797152"/>
+            <a:ext cx="5544616" cy="338554"/>
+          </a:xfrm>
+          <a:prstGeom prst="rect">
+            <a:avLst/>
+          </a:prstGeom>
+          <a:noFill/>
+        </p:spPr>
+        <p:txBody>
+          <a:bodyPr wrap="square" rtlCol="0">
+            <a:spAutoFit/>
+          </a:bodyPr>
+          <a:lstStyle/>
+          <a:p>
+            <a:r>
+              <a:rPr lang="en-US" altLang="ko-KR" sz="1600" dirty="0" smtClean="0">
+                <a:solidFill>
+                  <a:srgbClr val="0070C0"/>
+                </a:solidFill>
+              </a:rPr>
+              <a:t>class </a:t>
+            </a:r>
+            <a:r>
+              <a:rPr lang="ko-KR" altLang="en-US" sz="1600" dirty="0">
+                <a:solidFill>
+                  <a:srgbClr val="0070C0"/>
+                </a:solidFill>
+              </a:rPr>
+              <a:t>선택자가 있는 부분에만 적용되는 스타일</a:t>
+            </a:r>
+          </a:p>
+        </p:txBody>
+      </p:sp>
+      <p:sp>
+        <p:nvSpPr>
+          <p:cNvPr id="21" name="아래쪽 화살표 20"/>
+          <p:cNvSpPr/>
+          <p:nvPr/>
+        </p:nvSpPr>
+        <p:spPr>
+          <a:xfrm>
+            <a:off x="2504728" y="5301208"/>
+            <a:ext cx="288032" cy="288032"/>
+          </a:xfrm>
+          <a:prstGeom prst="downArrow">
+            <a:avLst/>
+          </a:prstGeom>
+          <a:solidFill>
+            <a:schemeClr val="bg1">
+              <a:lumMod val="95000"/>
+            </a:schemeClr>
+          </a:solidFill>
+          <a:ln w="12700"/>
+        </p:spPr>
+        <p:style>
+          <a:lnRef idx="2">
+            <a:schemeClr val="accent1">
+              <a:shade val="50000"/>
+            </a:schemeClr>
+          </a:lnRef>
+          <a:fillRef idx="1">
+            <a:schemeClr val="accent1"/>
+          </a:fillRef>
+          <a:effectRef idx="0">
+            <a:schemeClr val="accent1"/>
+          </a:effectRef>
+          <a:fontRef idx="minor">
+            <a:schemeClr val="lt1"/>
+          </a:fontRef>
+        </p:style>
+        <p:txBody>
+          <a:bodyPr rtlCol="0" anchor="ctr"/>
+          <a:lstStyle/>
+          <a:p>
+            <a:pPr algn="ctr"/>
+            <a:endParaRPr lang="ko-KR" altLang="en-US"/>
+          </a:p>
+        </p:txBody>
+      </p:sp>
+      <p:sp>
+        <p:nvSpPr>
+          <p:cNvPr id="22" name="직사각형 21"/>
+          <p:cNvSpPr/>
+          <p:nvPr/>
+        </p:nvSpPr>
+        <p:spPr>
+          <a:xfrm>
+            <a:off x="1712640" y="5733256"/>
+            <a:ext cx="1728192" cy="432048"/>
+          </a:xfrm>
+          <a:prstGeom prst="rect">
+            <a:avLst/>
+          </a:prstGeom>
+          <a:noFill/>
+          <a:ln w="12700"/>
+        </p:spPr>
+        <p:style>
+          <a:lnRef idx="2">
+            <a:schemeClr val="accent1">
+              <a:shade val="50000"/>
+            </a:schemeClr>
+          </a:lnRef>
+          <a:fillRef idx="1">
+            <a:schemeClr val="accent1"/>
+          </a:fillRef>
+          <a:effectRef idx="0">
+            <a:schemeClr val="accent1"/>
+          </a:effectRef>
+          <a:fontRef idx="minor">
+            <a:schemeClr val="lt1"/>
+          </a:fontRef>
+        </p:style>
+        <p:txBody>
+          <a:bodyPr rtlCol="0" anchor="ctr"/>
+          <a:lstStyle/>
+          <a:p>
+            <a:pPr algn="ctr"/>
+            <a:r>
+              <a:rPr lang="ko-KR" altLang="en-US" dirty="0" smtClean="0">
+                <a:solidFill>
+                  <a:sysClr val="windowText" lastClr="000000"/>
+                </a:solidFill>
+              </a:rPr>
+              <a:t>태그 스타일</a:t>
+            </a:r>
+            <a:endParaRPr lang="ko-KR" altLang="en-US" dirty="0">
+              <a:solidFill>
+                <a:sysClr val="windowText" lastClr="000000"/>
+              </a:solidFill>
+            </a:endParaRPr>
+          </a:p>
+        </p:txBody>
+      </p:sp>
+      <p:sp>
+        <p:nvSpPr>
+          <p:cNvPr id="23" name="TextBox 22"/>
+          <p:cNvSpPr txBox="1"/>
+          <p:nvPr/>
+        </p:nvSpPr>
+        <p:spPr>
+          <a:xfrm>
+            <a:off x="3512840" y="5805264"/>
+            <a:ext cx="5112568" cy="338554"/>
+          </a:xfrm>
+          <a:prstGeom prst="rect">
+            <a:avLst/>
+          </a:prstGeom>
+          <a:noFill/>
+        </p:spPr>
+        <p:txBody>
+          <a:bodyPr wrap="square" rtlCol="0">
+            <a:spAutoFit/>
+          </a:bodyPr>
+          <a:lstStyle/>
+          <a:p>
+            <a:r>
+              <a:rPr lang="ko-KR" altLang="en-US" sz="1600" dirty="0" smtClean="0">
+                <a:solidFill>
+                  <a:srgbClr val="0070C0"/>
+                </a:solidFill>
+              </a:rPr>
+              <a:t>태</a:t>
+            </a:r>
+            <a:r>
+              <a:rPr lang="ko-KR" altLang="en-US" sz="1600" dirty="0">
+                <a:solidFill>
+                  <a:srgbClr val="0070C0"/>
+                </a:solidFill>
+              </a:rPr>
+              <a:t>그</a:t>
+            </a:r>
+            <a:r>
+              <a:rPr lang="en-US" altLang="ko-KR" sz="1600" dirty="0" smtClean="0">
+                <a:solidFill>
+                  <a:srgbClr val="0070C0"/>
+                </a:solidFill>
+              </a:rPr>
+              <a:t> </a:t>
+            </a:r>
+            <a:r>
+              <a:rPr lang="ko-KR" altLang="en-US" sz="1600" dirty="0">
+                <a:solidFill>
+                  <a:srgbClr val="0070C0"/>
+                </a:solidFill>
+              </a:rPr>
+              <a:t>선택자가 있는 부분에만 적용되는 스타일</a:t>
+            </a:r>
+          </a:p>
+        </p:txBody>
+      </p:sp>
+      <p:sp>
+        <p:nvSpPr>
+          <p:cNvPr id="24" name="아래쪽 화살표 23"/>
+          <p:cNvSpPr/>
+          <p:nvPr/>
+        </p:nvSpPr>
+        <p:spPr>
+          <a:xfrm>
+            <a:off x="2504728" y="6709874"/>
+            <a:ext cx="288032" cy="288032"/>
+          </a:xfrm>
+          <a:prstGeom prst="downArrow">
+            <a:avLst/>
+          </a:prstGeom>
+          <a:solidFill>
+            <a:schemeClr val="bg1">
+              <a:lumMod val="95000"/>
+            </a:schemeClr>
+          </a:solidFill>
+          <a:ln w="12700"/>
+        </p:spPr>
+        <p:style>
+          <a:lnRef idx="2">
+            <a:schemeClr val="accent1">
+              <a:shade val="50000"/>
+            </a:schemeClr>
+          </a:lnRef>
+          <a:fillRef idx="1">
+            <a:schemeClr val="accent1"/>
+          </a:fillRef>
+          <a:effectRef idx="0">
+            <a:schemeClr val="accent1"/>
+          </a:effectRef>
+          <a:fontRef idx="minor">
+            <a:schemeClr val="lt1"/>
+          </a:fontRef>
+        </p:style>
+        <p:txBody>
+          <a:bodyPr rtlCol="0" anchor="ctr"/>
+          <a:lstStyle/>
+          <a:p>
+            <a:pPr algn="ctr"/>
+            <a:endParaRPr lang="ko-KR" altLang="en-US"/>
+          </a:p>
+        </p:txBody>
+      </p:sp>
+    </p:spTree>
+    <p:extLst>
+      <p:ext uri="{BB962C8B-B14F-4D97-AF65-F5344CB8AC3E}">
+        <p14:creationId xmlns:p14="http://schemas.microsoft.com/office/powerpoint/2010/main" val="3254432476"/>
+      </p:ext>
+    </p:extLst>
+  </p:cSld>
+  <p:clrMapOvr>
+    <a:masterClrMapping/>
+  </p:clrMapOvr>
+  <p:timing>
+    <p:tnLst>
+      <p:par>
+        <p:cTn id="1" dur="indefinite" restart="never" nodeType="tmRoot"/>
+      </p:par>
+    </p:tnLst>
+  </p:timing>
+</p:sld>
+</file>
+
 <file path=ppt/slides/slide8.xml><?xml version="1.0" encoding="utf-8"?>
 <p:sld xmlns:a="http://schemas.openxmlformats.org/drawingml/2006/main" xmlns:r="http://schemas.openxmlformats.org/officeDocument/2006/relationships" xmlns:p="http://schemas.openxmlformats.org/presentationml/2006/main">
   <p:cSld>
@@ -13684,7 +13969,7 @@
         <p:spPr>
           <a:xfrm>
             <a:off x="848544" y="1206314"/>
-            <a:ext cx="4289839" cy="494494"/>
+            <a:ext cx="4289839" cy="553998"/>
           </a:xfrm>
           <a:prstGeom prst="rect">
             <a:avLst/>
@@ -13711,12 +13996,20 @@
               <a:t>원칙 </a:t>
             </a:r>
             <a:r>
+              <a:rPr lang="en-US" altLang="ko-KR" sz="2000" b="1" dirty="0">
+                <a:solidFill>
+                  <a:srgbClr val="C00000"/>
+                </a:solidFill>
+              </a:rPr>
+              <a:t>2</a:t>
+            </a:r>
+            <a:r>
               <a:rPr lang="en-US" altLang="ko-KR" sz="2000" b="1" dirty="0" smtClean="0">
                 <a:solidFill>
                   <a:srgbClr val="C00000"/>
                 </a:solidFill>
               </a:rPr>
-              <a:t>1: </a:t>
+              <a:t>: </a:t>
             </a:r>
             <a:r>
               <a:rPr lang="ko-KR" altLang="en-US" sz="2000" b="1" dirty="0" smtClean="0">
@@ -13724,7 +14017,7 @@
                   <a:srgbClr val="C00000"/>
                 </a:solidFill>
               </a:rPr>
-              <a:t>스타일 우선 순위 </a:t>
+              <a:t>스타일 상속 </a:t>
             </a:r>
             <a:endParaRPr lang="en-US" altLang="ko-KR" sz="2000" b="1" dirty="0" smtClean="0">
               <a:solidFill>
@@ -13736,19 +14029,115 @@
       </p:sp>
       <p:sp>
         <p:nvSpPr>
-          <p:cNvPr id="10" name="직사각형 9"/>
-          <p:cNvSpPr/>
+          <p:cNvPr id="11" name="TextBox 10"/>
+          <p:cNvSpPr txBox="1"/>
           <p:nvPr/>
         </p:nvSpPr>
         <p:spPr>
           <a:xfrm>
-            <a:off x="1712640" y="1844824"/>
-            <a:ext cx="1728192" cy="432048"/>
+            <a:off x="992560" y="1700808"/>
+            <a:ext cx="8064896" cy="1569660"/>
           </a:xfrm>
           <a:prstGeom prst="rect">
             <a:avLst/>
           </a:prstGeom>
           <a:noFill/>
+        </p:spPr>
+        <p:txBody>
+          <a:bodyPr wrap="square" rtlCol="0">
+            <a:spAutoFit/>
+          </a:bodyPr>
+          <a:lstStyle/>
+          <a:p>
+            <a:pPr marL="285750" indent="-285750">
+              <a:lnSpc>
+                <a:spcPct val="150000"/>
+              </a:lnSpc>
+              <a:buFont typeface="Arial" panose="020B0604020202020204" pitchFamily="34" charset="0"/>
+              <a:buChar char="•"/>
+            </a:pPr>
+            <a:r>
+              <a:rPr lang="ko-KR" altLang="en-US" sz="1600" dirty="0" smtClean="0">
+                <a:solidFill>
+                  <a:srgbClr val="0070C0"/>
+                </a:solidFill>
+              </a:rPr>
+              <a:t>자식 요소에서 별도로 스타일을 지정하지 않으면 부모 요소에 있는 스타일 속성들이 자식 요소로 전달됨</a:t>
+            </a:r>
+            <a:endParaRPr lang="en-US" altLang="ko-KR" sz="1600" dirty="0" smtClean="0">
+              <a:solidFill>
+                <a:srgbClr val="0070C0"/>
+              </a:solidFill>
+            </a:endParaRPr>
+          </a:p>
+          <a:p>
+            <a:pPr marL="285750" indent="-285750">
+              <a:lnSpc>
+                <a:spcPct val="150000"/>
+              </a:lnSpc>
+              <a:buFont typeface="Arial" panose="020B0604020202020204" pitchFamily="34" charset="0"/>
+              <a:buChar char="•"/>
+            </a:pPr>
+            <a:r>
+              <a:rPr lang="ko-KR" altLang="en-US" sz="1600" dirty="0" smtClean="0">
+                <a:solidFill>
+                  <a:srgbClr val="0070C0"/>
+                </a:solidFill>
+              </a:rPr>
+              <a:t>상속을 이용하면 스타일 시트를 효과적으로 만들 수 있다</a:t>
+            </a:r>
+            <a:r>
+              <a:rPr lang="en-US" altLang="ko-KR" sz="1600" dirty="0" smtClean="0">
+                <a:solidFill>
+                  <a:srgbClr val="0070C0"/>
+                </a:solidFill>
+              </a:rPr>
+              <a:t>.</a:t>
+            </a:r>
+          </a:p>
+          <a:p>
+            <a:pPr marL="285750" indent="-285750">
+              <a:lnSpc>
+                <a:spcPct val="150000"/>
+              </a:lnSpc>
+              <a:buFont typeface="Arial" panose="020B0604020202020204" pitchFamily="34" charset="0"/>
+              <a:buChar char="•"/>
+            </a:pPr>
+            <a:r>
+              <a:rPr lang="ko-KR" altLang="en-US" sz="1600" dirty="0" smtClean="0">
+                <a:solidFill>
+                  <a:srgbClr val="0070C0"/>
+                </a:solidFill>
+              </a:rPr>
+              <a:t>주의점은 스타일의 모든 속성이 부모 요소에서 자식 요소로 상속되는 것은 아님</a:t>
+            </a:r>
+            <a:endParaRPr lang="ko-KR" altLang="en-US" sz="1600" dirty="0">
+              <a:solidFill>
+                <a:srgbClr val="0070C0"/>
+              </a:solidFill>
+            </a:endParaRPr>
+          </a:p>
+        </p:txBody>
+      </p:sp>
+      <p:sp>
+        <p:nvSpPr>
+          <p:cNvPr id="24" name="아래쪽 화살표 23"/>
+          <p:cNvSpPr/>
+          <p:nvPr/>
+        </p:nvSpPr>
+        <p:spPr>
+          <a:xfrm>
+            <a:off x="2504728" y="6709874"/>
+            <a:ext cx="288032" cy="288032"/>
+          </a:xfrm>
+          <a:prstGeom prst="downArrow">
+            <a:avLst/>
+          </a:prstGeom>
+          <a:solidFill>
+            <a:schemeClr val="bg1">
+              <a:lumMod val="95000"/>
+            </a:schemeClr>
+          </a:solidFill>
           <a:ln w="12700"/>
         </p:spPr>
         <p:style>
@@ -13772,740 +14161,316 @@
           <a:lstStyle/>
           <a:p>
             <a:pPr algn="ctr"/>
-            <a:r>
-              <a:rPr lang="en-US" altLang="ko-KR" dirty="0" smtClean="0">
-                <a:solidFill>
-                  <a:sysClr val="windowText" lastClr="000000"/>
-                </a:solidFill>
-              </a:rPr>
-              <a:t>!important</a:t>
-            </a:r>
-            <a:endParaRPr lang="ko-KR" altLang="en-US" dirty="0">
-              <a:solidFill>
-                <a:sysClr val="windowText" lastClr="000000"/>
-              </a:solidFill>
-            </a:endParaRPr>
-          </a:p>
-        </p:txBody>
-      </p:sp>
-      <p:sp>
-        <p:nvSpPr>
-          <p:cNvPr id="11" name="TextBox 10"/>
-          <p:cNvSpPr txBox="1"/>
+            <a:endParaRPr lang="ko-KR" altLang="en-US"/>
+          </a:p>
+        </p:txBody>
+      </p:sp>
+      <p:pic>
+        <p:nvPicPr>
+          <p:cNvPr id="3" name="그림 2"/>
+          <p:cNvPicPr>
+            <a:picLocks noChangeAspect="1"/>
+          </p:cNvPicPr>
           <p:nvPr/>
-        </p:nvSpPr>
-        <p:spPr>
-          <a:xfrm>
-            <a:off x="3512840" y="1916832"/>
-            <a:ext cx="4248472" cy="338554"/>
+        </p:nvPicPr>
+        <p:blipFill>
+          <a:blip r:embed="rId2">
+            <a:extLst>
+              <a:ext uri="{28A0092B-C50C-407E-A947-70E740481C1C}">
+                <a14:useLocalDpi xmlns:a14="http://schemas.microsoft.com/office/drawing/2010/main" val="0"/>
+              </a:ext>
+            </a:extLst>
+          </a:blip>
+          <a:stretch>
+            <a:fillRect/>
+          </a:stretch>
+        </p:blipFill>
+        <p:spPr>
+          <a:xfrm>
+            <a:off x="3106537" y="3722377"/>
+            <a:ext cx="5446863" cy="1440160"/>
           </a:xfrm>
           <a:prstGeom prst="rect">
             <a:avLst/>
           </a:prstGeom>
-          <a:noFill/>
-        </p:spPr>
+          <a:ln>
+            <a:solidFill>
+              <a:schemeClr val="bg1">
+                <a:lumMod val="85000"/>
+              </a:schemeClr>
+            </a:solidFill>
+          </a:ln>
+        </p:spPr>
+      </p:pic>
+      <p:sp>
+        <p:nvSpPr>
+          <p:cNvPr id="25" name="TextBox 24"/>
+          <p:cNvSpPr txBox="1"/>
+          <p:nvPr/>
+        </p:nvSpPr>
+        <p:spPr>
+          <a:xfrm>
+            <a:off x="1426164" y="3573016"/>
+            <a:ext cx="1177268" cy="374571"/>
+          </a:xfrm>
+          <a:prstGeom prst="roundRect">
+            <a:avLst/>
+          </a:prstGeom>
+          <a:ln w="19050"/>
+        </p:spPr>
+        <p:style>
+          <a:lnRef idx="2">
+            <a:schemeClr val="accent2"/>
+          </a:lnRef>
+          <a:fillRef idx="1">
+            <a:schemeClr val="lt1"/>
+          </a:fillRef>
+          <a:effectRef idx="0">
+            <a:schemeClr val="accent2"/>
+          </a:effectRef>
+          <a:fontRef idx="minor">
+            <a:schemeClr val="dk1"/>
+          </a:fontRef>
+        </p:style>
         <p:txBody>
           <a:bodyPr wrap="square" rtlCol="0">
             <a:spAutoFit/>
           </a:bodyPr>
           <a:lstStyle/>
           <a:p>
-            <a:r>
-              <a:rPr lang="ko-KR" altLang="en-US" sz="1600" dirty="0" smtClean="0">
-                <a:solidFill>
-                  <a:srgbClr val="0070C0"/>
-                </a:solidFill>
-              </a:rPr>
-              <a:t>어떤 스타일보다 우선 적용되는 스타일</a:t>
-            </a:r>
-            <a:endParaRPr lang="ko-KR" altLang="en-US" sz="1600" dirty="0">
-              <a:solidFill>
-                <a:srgbClr val="0070C0"/>
-              </a:solidFill>
-            </a:endParaRPr>
-          </a:p>
-        </p:txBody>
-      </p:sp>
-      <p:sp>
-        <p:nvSpPr>
-          <p:cNvPr id="12" name="아래쪽 화살표 11"/>
-          <p:cNvSpPr/>
+            <a:pPr algn="ctr"/>
+            <a:r>
+              <a:rPr lang="ko-KR" altLang="en-US" sz="1600" smtClean="0"/>
+              <a:t>부모요</a:t>
+            </a:r>
+            <a:r>
+              <a:rPr lang="ko-KR" altLang="en-US" sz="1600"/>
+              <a:t>소</a:t>
+            </a:r>
+            <a:endParaRPr lang="ko-KR" altLang="en-US" sz="1600" dirty="0"/>
+          </a:p>
+        </p:txBody>
+      </p:sp>
+      <p:sp>
+        <p:nvSpPr>
+          <p:cNvPr id="27" name="TextBox 26"/>
+          <p:cNvSpPr txBox="1"/>
           <p:nvPr/>
         </p:nvSpPr>
         <p:spPr>
           <a:xfrm>
-            <a:off x="2504728" y="2420888"/>
-            <a:ext cx="288032" cy="288032"/>
-          </a:xfrm>
-          <a:prstGeom prst="downArrow">
+            <a:off x="1426164" y="4206557"/>
+            <a:ext cx="1177268" cy="374571"/>
+          </a:xfrm>
+          <a:prstGeom prst="roundRect">
             <a:avLst/>
           </a:prstGeom>
-          <a:solidFill>
-            <a:schemeClr val="bg1">
-              <a:lumMod val="95000"/>
-            </a:schemeClr>
-          </a:solidFill>
-          <a:ln w="12700"/>
+          <a:ln w="19050"/>
         </p:spPr>
         <p:style>
           <a:lnRef idx="2">
-            <a:schemeClr val="accent1">
-              <a:shade val="50000"/>
-            </a:schemeClr>
+            <a:schemeClr val="accent2"/>
           </a:lnRef>
           <a:fillRef idx="1">
+            <a:schemeClr val="lt1"/>
+          </a:fillRef>
+          <a:effectRef idx="0">
+            <a:schemeClr val="accent2"/>
+          </a:effectRef>
+          <a:fontRef idx="minor">
+            <a:schemeClr val="dk1"/>
+          </a:fontRef>
+        </p:style>
+        <p:txBody>
+          <a:bodyPr wrap="square" rtlCol="0">
+            <a:spAutoFit/>
+          </a:bodyPr>
+          <a:lstStyle/>
+          <a:p>
+            <a:pPr algn="ctr"/>
+            <a:r>
+              <a:rPr lang="ko-KR" altLang="en-US" sz="1600" dirty="0" smtClean="0"/>
+              <a:t>자</a:t>
+            </a:r>
+            <a:r>
+              <a:rPr lang="ko-KR" altLang="en-US" sz="1600" dirty="0"/>
+              <a:t>식</a:t>
+            </a:r>
+            <a:r>
+              <a:rPr lang="ko-KR" altLang="en-US" sz="1600" dirty="0" smtClean="0"/>
+              <a:t>요소</a:t>
+            </a:r>
+            <a:endParaRPr lang="ko-KR" altLang="en-US" sz="1600" dirty="0"/>
+          </a:p>
+        </p:txBody>
+      </p:sp>
+      <p:sp>
+        <p:nvSpPr>
+          <p:cNvPr id="28" name="TextBox 27"/>
+          <p:cNvSpPr txBox="1"/>
+          <p:nvPr/>
+        </p:nvSpPr>
+        <p:spPr>
+          <a:xfrm>
+            <a:off x="1426164" y="4809670"/>
+            <a:ext cx="1177268" cy="374571"/>
+          </a:xfrm>
+          <a:prstGeom prst="roundRect">
+            <a:avLst/>
+          </a:prstGeom>
+          <a:ln w="19050"/>
+        </p:spPr>
+        <p:style>
+          <a:lnRef idx="2">
+            <a:schemeClr val="accent2"/>
+          </a:lnRef>
+          <a:fillRef idx="1">
+            <a:schemeClr val="lt1"/>
+          </a:fillRef>
+          <a:effectRef idx="0">
+            <a:schemeClr val="accent2"/>
+          </a:effectRef>
+          <a:fontRef idx="minor">
+            <a:schemeClr val="dk1"/>
+          </a:fontRef>
+        </p:style>
+        <p:txBody>
+          <a:bodyPr wrap="square" rtlCol="0">
+            <a:spAutoFit/>
+          </a:bodyPr>
+          <a:lstStyle/>
+          <a:p>
+            <a:pPr algn="ctr"/>
+            <a:r>
+              <a:rPr lang="ko-KR" altLang="en-US" sz="1600" dirty="0" smtClean="0"/>
+              <a:t>형</a:t>
+            </a:r>
+            <a:r>
+              <a:rPr lang="ko-KR" altLang="en-US" sz="1600" dirty="0"/>
+              <a:t>제</a:t>
+            </a:r>
+            <a:r>
+              <a:rPr lang="ko-KR" altLang="en-US" sz="1600" dirty="0" smtClean="0"/>
+              <a:t>요소</a:t>
+            </a:r>
+            <a:endParaRPr lang="ko-KR" altLang="en-US" sz="1600" dirty="0"/>
+          </a:p>
+        </p:txBody>
+      </p:sp>
+      <p:cxnSp>
+        <p:nvCxnSpPr>
+          <p:cNvPr id="29" name="직선 화살표 연결선 28"/>
+          <p:cNvCxnSpPr>
+            <a:stCxn id="25" idx="3"/>
+          </p:cNvCxnSpPr>
+          <p:nvPr/>
+        </p:nvCxnSpPr>
+        <p:spPr>
+          <a:xfrm>
+            <a:off x="2603432" y="3760302"/>
+            <a:ext cx="622931" cy="100747"/>
+          </a:xfrm>
+          <a:prstGeom prst="straightConnector1">
+            <a:avLst/>
+          </a:prstGeom>
+          <a:ln>
+            <a:solidFill>
+              <a:srgbClr val="C00000"/>
+            </a:solidFill>
+            <a:tailEnd type="triangle"/>
+          </a:ln>
+        </p:spPr>
+        <p:style>
+          <a:lnRef idx="1">
+            <a:schemeClr val="accent1"/>
+          </a:lnRef>
+          <a:fillRef idx="0">
             <a:schemeClr val="accent1"/>
           </a:fillRef>
           <a:effectRef idx="0">
             <a:schemeClr val="accent1"/>
           </a:effectRef>
           <a:fontRef idx="minor">
-            <a:schemeClr val="lt1"/>
+            <a:schemeClr val="tx1"/>
           </a:fontRef>
         </p:style>
-        <p:txBody>
-          <a:bodyPr rtlCol="0" anchor="ctr"/>
-          <a:lstStyle/>
-          <a:p>
-            <a:pPr algn="ctr"/>
-            <a:endParaRPr lang="ko-KR" altLang="en-US"/>
-          </a:p>
-        </p:txBody>
-      </p:sp>
-      <p:sp>
-        <p:nvSpPr>
-          <p:cNvPr id="13" name="직사각형 12"/>
-          <p:cNvSpPr/>
+      </p:cxnSp>
+      <p:cxnSp>
+        <p:nvCxnSpPr>
+          <p:cNvPr id="31" name="직선 화살표 연결선 30"/>
+          <p:cNvCxnSpPr/>
           <p:nvPr/>
-        </p:nvSpPr>
-        <p:spPr>
-          <a:xfrm>
-            <a:off x="1712640" y="2780928"/>
-            <a:ext cx="1728192" cy="432048"/>
-          </a:xfrm>
-          <a:prstGeom prst="rect">
+        </p:nvCxnSpPr>
+        <p:spPr>
+          <a:xfrm flipV="1">
+            <a:off x="2603431" y="4077072"/>
+            <a:ext cx="838956" cy="274656"/>
+          </a:xfrm>
+          <a:prstGeom prst="straightConnector1">
             <a:avLst/>
           </a:prstGeom>
-          <a:noFill/>
-          <a:ln w="12700"/>
+          <a:ln>
+            <a:solidFill>
+              <a:srgbClr val="C00000"/>
+            </a:solidFill>
+            <a:tailEnd type="triangle"/>
+          </a:ln>
         </p:spPr>
         <p:style>
-          <a:lnRef idx="2">
-            <a:schemeClr val="accent1">
-              <a:shade val="50000"/>
-            </a:schemeClr>
+          <a:lnRef idx="1">
+            <a:schemeClr val="accent1"/>
           </a:lnRef>
-          <a:fillRef idx="1">
+          <a:fillRef idx="0">
             <a:schemeClr val="accent1"/>
           </a:fillRef>
           <a:effectRef idx="0">
             <a:schemeClr val="accent1"/>
           </a:effectRef>
           <a:fontRef idx="minor">
-            <a:schemeClr val="lt1"/>
+            <a:schemeClr val="tx1"/>
           </a:fontRef>
         </p:style>
-        <p:txBody>
-          <a:bodyPr rtlCol="0" anchor="ctr"/>
-          <a:lstStyle/>
-          <a:p>
-            <a:pPr algn="ctr"/>
-            <a:r>
-              <a:rPr lang="ko-KR" altLang="en-US" dirty="0" err="1" smtClean="0">
-                <a:solidFill>
-                  <a:sysClr val="windowText" lastClr="000000"/>
-                </a:solidFill>
-              </a:rPr>
-              <a:t>인라인</a:t>
-            </a:r>
-            <a:r>
-              <a:rPr lang="ko-KR" altLang="en-US" dirty="0" smtClean="0">
-                <a:solidFill>
-                  <a:sysClr val="windowText" lastClr="000000"/>
-                </a:solidFill>
-              </a:rPr>
-              <a:t> 스타일</a:t>
-            </a:r>
-            <a:endParaRPr lang="ko-KR" altLang="en-US" dirty="0">
-              <a:solidFill>
-                <a:sysClr val="windowText" lastClr="000000"/>
-              </a:solidFill>
-            </a:endParaRPr>
-          </a:p>
-        </p:txBody>
-      </p:sp>
-      <p:sp>
-        <p:nvSpPr>
-          <p:cNvPr id="14" name="TextBox 13"/>
-          <p:cNvSpPr txBox="1"/>
+      </p:cxnSp>
+      <p:cxnSp>
+        <p:nvCxnSpPr>
+          <p:cNvPr id="33" name="직선 화살표 연결선 32"/>
+          <p:cNvCxnSpPr/>
           <p:nvPr/>
-        </p:nvSpPr>
-        <p:spPr>
-          <a:xfrm>
-            <a:off x="3512840" y="2852936"/>
-            <a:ext cx="4248472" cy="338554"/>
-          </a:xfrm>
-          <a:prstGeom prst="rect">
+        </p:nvCxnSpPr>
+        <p:spPr>
+          <a:xfrm flipV="1">
+            <a:off x="2619541" y="4581128"/>
+            <a:ext cx="838956" cy="274656"/>
+          </a:xfrm>
+          <a:prstGeom prst="straightConnector1">
             <a:avLst/>
           </a:prstGeom>
-          <a:noFill/>
-        </p:spPr>
-        <p:txBody>
-          <a:bodyPr wrap="square" rtlCol="0">
-            <a:spAutoFit/>
-          </a:bodyPr>
-          <a:lstStyle/>
-          <a:p>
-            <a:r>
-              <a:rPr lang="ko-KR" altLang="en-US" sz="1600" dirty="0" smtClean="0">
-                <a:solidFill>
-                  <a:srgbClr val="0070C0"/>
-                </a:solidFill>
-              </a:rPr>
-              <a:t>해당 태그에만 적용되는 스타일</a:t>
-            </a:r>
-            <a:endParaRPr lang="ko-KR" altLang="en-US" sz="1600" dirty="0">
-              <a:solidFill>
-                <a:srgbClr val="0070C0"/>
-              </a:solidFill>
-            </a:endParaRPr>
-          </a:p>
-        </p:txBody>
-      </p:sp>
-      <p:sp>
-        <p:nvSpPr>
-          <p:cNvPr id="15" name="아래쪽 화살표 14"/>
-          <p:cNvSpPr/>
-          <p:nvPr/>
-        </p:nvSpPr>
-        <p:spPr>
-          <a:xfrm>
-            <a:off x="2504728" y="3356992"/>
-            <a:ext cx="288032" cy="288032"/>
-          </a:xfrm>
-          <a:prstGeom prst="downArrow">
-            <a:avLst/>
-          </a:prstGeom>
-          <a:solidFill>
-            <a:schemeClr val="bg1">
-              <a:lumMod val="95000"/>
-            </a:schemeClr>
-          </a:solidFill>
-          <a:ln w="12700"/>
+          <a:ln>
+            <a:solidFill>
+              <a:srgbClr val="C00000"/>
+            </a:solidFill>
+            <a:tailEnd type="triangle"/>
+          </a:ln>
         </p:spPr>
         <p:style>
-          <a:lnRef idx="2">
-            <a:schemeClr val="accent1">
-              <a:shade val="50000"/>
-            </a:schemeClr>
+          <a:lnRef idx="1">
+            <a:schemeClr val="accent1"/>
           </a:lnRef>
-          <a:fillRef idx="1">
+          <a:fillRef idx="0">
             <a:schemeClr val="accent1"/>
           </a:fillRef>
           <a:effectRef idx="0">
             <a:schemeClr val="accent1"/>
           </a:effectRef>
           <a:fontRef idx="minor">
-            <a:schemeClr val="lt1"/>
+            <a:schemeClr val="tx1"/>
           </a:fontRef>
         </p:style>
-        <p:txBody>
-          <a:bodyPr rtlCol="0" anchor="ctr"/>
-          <a:lstStyle/>
-          <a:p>
-            <a:pPr algn="ctr"/>
-            <a:endParaRPr lang="ko-KR" altLang="en-US"/>
-          </a:p>
-        </p:txBody>
-      </p:sp>
-      <p:sp>
-        <p:nvSpPr>
-          <p:cNvPr id="16" name="직사각형 15"/>
-          <p:cNvSpPr/>
-          <p:nvPr/>
-        </p:nvSpPr>
-        <p:spPr>
-          <a:xfrm>
-            <a:off x="1712640" y="3717032"/>
-            <a:ext cx="1728192" cy="432048"/>
-          </a:xfrm>
-          <a:prstGeom prst="rect">
-            <a:avLst/>
-          </a:prstGeom>
-          <a:noFill/>
-          <a:ln w="12700"/>
-        </p:spPr>
-        <p:style>
-          <a:lnRef idx="2">
-            <a:schemeClr val="accent1">
-              <a:shade val="50000"/>
-            </a:schemeClr>
-          </a:lnRef>
-          <a:fillRef idx="1">
-            <a:schemeClr val="accent1"/>
-          </a:fillRef>
-          <a:effectRef idx="0">
-            <a:schemeClr val="accent1"/>
-          </a:effectRef>
-          <a:fontRef idx="minor">
-            <a:schemeClr val="lt1"/>
-          </a:fontRef>
-        </p:style>
-        <p:txBody>
-          <a:bodyPr rtlCol="0" anchor="ctr"/>
-          <a:lstStyle/>
-          <a:p>
-            <a:pPr algn="ctr"/>
-            <a:r>
-              <a:rPr lang="en-US" altLang="ko-KR" dirty="0">
-                <a:solidFill>
-                  <a:sysClr val="windowText" lastClr="000000"/>
-                </a:solidFill>
-              </a:rPr>
-              <a:t>i</a:t>
-            </a:r>
-            <a:r>
-              <a:rPr lang="en-US" altLang="ko-KR" dirty="0" smtClean="0">
-                <a:solidFill>
-                  <a:sysClr val="windowText" lastClr="000000"/>
-                </a:solidFill>
-              </a:rPr>
-              <a:t>d </a:t>
-            </a:r>
-            <a:r>
-              <a:rPr lang="ko-KR" altLang="en-US" dirty="0" smtClean="0">
-                <a:solidFill>
-                  <a:sysClr val="windowText" lastClr="000000"/>
-                </a:solidFill>
-              </a:rPr>
-              <a:t>스타일</a:t>
-            </a:r>
-            <a:endParaRPr lang="ko-KR" altLang="en-US" dirty="0">
-              <a:solidFill>
-                <a:sysClr val="windowText" lastClr="000000"/>
-              </a:solidFill>
-            </a:endParaRPr>
-          </a:p>
-        </p:txBody>
-      </p:sp>
-      <p:sp>
-        <p:nvSpPr>
-          <p:cNvPr id="17" name="TextBox 16"/>
-          <p:cNvSpPr txBox="1"/>
-          <p:nvPr/>
-        </p:nvSpPr>
-        <p:spPr>
-          <a:xfrm>
-            <a:off x="3512840" y="3789040"/>
-            <a:ext cx="4248472" cy="338554"/>
-          </a:xfrm>
-          <a:prstGeom prst="rect">
-            <a:avLst/>
-          </a:prstGeom>
-          <a:noFill/>
-        </p:spPr>
-        <p:txBody>
-          <a:bodyPr wrap="square" rtlCol="0">
-            <a:spAutoFit/>
-          </a:bodyPr>
-          <a:lstStyle/>
-          <a:p>
-            <a:r>
-              <a:rPr lang="en-US" altLang="ko-KR" sz="1600" dirty="0">
-                <a:solidFill>
-                  <a:srgbClr val="0070C0"/>
-                </a:solidFill>
-              </a:rPr>
-              <a:t>i</a:t>
-            </a:r>
-            <a:r>
-              <a:rPr lang="en-US" altLang="ko-KR" sz="1600" dirty="0" smtClean="0">
-                <a:solidFill>
-                  <a:srgbClr val="0070C0"/>
-                </a:solidFill>
-              </a:rPr>
-              <a:t>d </a:t>
-            </a:r>
-            <a:r>
-              <a:rPr lang="ko-KR" altLang="en-US" sz="1600" dirty="0" smtClean="0">
-                <a:solidFill>
-                  <a:srgbClr val="0070C0"/>
-                </a:solidFill>
-              </a:rPr>
-              <a:t>선택자가 있는 부분에만 적용되는 스타일</a:t>
-            </a:r>
-            <a:endParaRPr lang="ko-KR" altLang="en-US" sz="1600" dirty="0">
-              <a:solidFill>
-                <a:srgbClr val="0070C0"/>
-              </a:solidFill>
-            </a:endParaRPr>
-          </a:p>
-        </p:txBody>
-      </p:sp>
-      <p:sp>
-        <p:nvSpPr>
-          <p:cNvPr id="18" name="아래쪽 화살표 17"/>
-          <p:cNvSpPr/>
-          <p:nvPr/>
-        </p:nvSpPr>
-        <p:spPr>
-          <a:xfrm>
-            <a:off x="2504728" y="4293096"/>
-            <a:ext cx="288032" cy="288032"/>
-          </a:xfrm>
-          <a:prstGeom prst="downArrow">
-            <a:avLst/>
-          </a:prstGeom>
-          <a:solidFill>
-            <a:schemeClr val="bg1">
-              <a:lumMod val="95000"/>
-            </a:schemeClr>
-          </a:solidFill>
-          <a:ln w="12700"/>
-        </p:spPr>
-        <p:style>
-          <a:lnRef idx="2">
-            <a:schemeClr val="accent1">
-              <a:shade val="50000"/>
-            </a:schemeClr>
-          </a:lnRef>
-          <a:fillRef idx="1">
-            <a:schemeClr val="accent1"/>
-          </a:fillRef>
-          <a:effectRef idx="0">
-            <a:schemeClr val="accent1"/>
-          </a:effectRef>
-          <a:fontRef idx="minor">
-            <a:schemeClr val="lt1"/>
-          </a:fontRef>
-        </p:style>
-        <p:txBody>
-          <a:bodyPr rtlCol="0" anchor="ctr"/>
-          <a:lstStyle/>
-          <a:p>
-            <a:pPr algn="ctr"/>
-            <a:endParaRPr lang="ko-KR" altLang="en-US"/>
-          </a:p>
-        </p:txBody>
-      </p:sp>
-      <p:sp>
-        <p:nvSpPr>
-          <p:cNvPr id="19" name="직사각형 18"/>
-          <p:cNvSpPr/>
-          <p:nvPr/>
-        </p:nvSpPr>
-        <p:spPr>
-          <a:xfrm>
-            <a:off x="1712640" y="4725144"/>
-            <a:ext cx="1728192" cy="432048"/>
-          </a:xfrm>
-          <a:prstGeom prst="rect">
-            <a:avLst/>
-          </a:prstGeom>
-          <a:noFill/>
-          <a:ln w="12700"/>
-        </p:spPr>
-        <p:style>
-          <a:lnRef idx="2">
-            <a:schemeClr val="accent1">
-              <a:shade val="50000"/>
-            </a:schemeClr>
-          </a:lnRef>
-          <a:fillRef idx="1">
-            <a:schemeClr val="accent1"/>
-          </a:fillRef>
-          <a:effectRef idx="0">
-            <a:schemeClr val="accent1"/>
-          </a:effectRef>
-          <a:fontRef idx="minor">
-            <a:schemeClr val="lt1"/>
-          </a:fontRef>
-        </p:style>
-        <p:txBody>
-          <a:bodyPr rtlCol="0" anchor="ctr"/>
-          <a:lstStyle/>
-          <a:p>
-            <a:pPr algn="ctr"/>
-            <a:r>
-              <a:rPr lang="en-US" altLang="ko-KR" dirty="0">
-                <a:solidFill>
-                  <a:sysClr val="windowText" lastClr="000000"/>
-                </a:solidFill>
-              </a:rPr>
-              <a:t>c</a:t>
-            </a:r>
-            <a:r>
-              <a:rPr lang="en-US" altLang="ko-KR" dirty="0" smtClean="0">
-                <a:solidFill>
-                  <a:sysClr val="windowText" lastClr="000000"/>
-                </a:solidFill>
-              </a:rPr>
-              <a:t>lass </a:t>
-            </a:r>
-            <a:r>
-              <a:rPr lang="ko-KR" altLang="en-US" dirty="0" smtClean="0">
-                <a:solidFill>
-                  <a:sysClr val="windowText" lastClr="000000"/>
-                </a:solidFill>
-              </a:rPr>
-              <a:t>스타일</a:t>
-            </a:r>
-            <a:endParaRPr lang="ko-KR" altLang="en-US" dirty="0">
-              <a:solidFill>
-                <a:sysClr val="windowText" lastClr="000000"/>
-              </a:solidFill>
-            </a:endParaRPr>
-          </a:p>
-        </p:txBody>
-      </p:sp>
-      <p:sp>
-        <p:nvSpPr>
-          <p:cNvPr id="20" name="TextBox 19"/>
-          <p:cNvSpPr txBox="1"/>
-          <p:nvPr/>
-        </p:nvSpPr>
-        <p:spPr>
-          <a:xfrm>
-            <a:off x="3512840" y="4797152"/>
-            <a:ext cx="5544616" cy="338554"/>
-          </a:xfrm>
-          <a:prstGeom prst="rect">
-            <a:avLst/>
-          </a:prstGeom>
-          <a:noFill/>
-        </p:spPr>
-        <p:txBody>
-          <a:bodyPr wrap="square" rtlCol="0">
-            <a:spAutoFit/>
-          </a:bodyPr>
-          <a:lstStyle/>
-          <a:p>
-            <a:r>
-              <a:rPr lang="en-US" altLang="ko-KR" sz="1600" dirty="0" smtClean="0">
-                <a:solidFill>
-                  <a:srgbClr val="0070C0"/>
-                </a:solidFill>
-              </a:rPr>
-              <a:t>class </a:t>
-            </a:r>
-            <a:r>
-              <a:rPr lang="ko-KR" altLang="en-US" sz="1600" dirty="0">
-                <a:solidFill>
-                  <a:srgbClr val="0070C0"/>
-                </a:solidFill>
-              </a:rPr>
-              <a:t>선택자가 있는 부분에만 적용되는 스타일</a:t>
-            </a:r>
-          </a:p>
-        </p:txBody>
-      </p:sp>
-      <p:sp>
-        <p:nvSpPr>
-          <p:cNvPr id="21" name="아래쪽 화살표 20"/>
-          <p:cNvSpPr/>
-          <p:nvPr/>
-        </p:nvSpPr>
-        <p:spPr>
-          <a:xfrm>
-            <a:off x="2504728" y="5301208"/>
-            <a:ext cx="288032" cy="288032"/>
-          </a:xfrm>
-          <a:prstGeom prst="downArrow">
-            <a:avLst/>
-          </a:prstGeom>
-          <a:solidFill>
-            <a:schemeClr val="bg1">
-              <a:lumMod val="95000"/>
-            </a:schemeClr>
-          </a:solidFill>
-          <a:ln w="12700"/>
-        </p:spPr>
-        <p:style>
-          <a:lnRef idx="2">
-            <a:schemeClr val="accent1">
-              <a:shade val="50000"/>
-            </a:schemeClr>
-          </a:lnRef>
-          <a:fillRef idx="1">
-            <a:schemeClr val="accent1"/>
-          </a:fillRef>
-          <a:effectRef idx="0">
-            <a:schemeClr val="accent1"/>
-          </a:effectRef>
-          <a:fontRef idx="minor">
-            <a:schemeClr val="lt1"/>
-          </a:fontRef>
-        </p:style>
-        <p:txBody>
-          <a:bodyPr rtlCol="0" anchor="ctr"/>
-          <a:lstStyle/>
-          <a:p>
-            <a:pPr algn="ctr"/>
-            <a:endParaRPr lang="ko-KR" altLang="en-US"/>
-          </a:p>
-        </p:txBody>
-      </p:sp>
-      <p:sp>
-        <p:nvSpPr>
-          <p:cNvPr id="22" name="직사각형 21"/>
-          <p:cNvSpPr/>
-          <p:nvPr/>
-        </p:nvSpPr>
-        <p:spPr>
-          <a:xfrm>
-            <a:off x="1712640" y="5733256"/>
-            <a:ext cx="1728192" cy="432048"/>
-          </a:xfrm>
-          <a:prstGeom prst="rect">
-            <a:avLst/>
-          </a:prstGeom>
-          <a:noFill/>
-          <a:ln w="12700"/>
-        </p:spPr>
-        <p:style>
-          <a:lnRef idx="2">
-            <a:schemeClr val="accent1">
-              <a:shade val="50000"/>
-            </a:schemeClr>
-          </a:lnRef>
-          <a:fillRef idx="1">
-            <a:schemeClr val="accent1"/>
-          </a:fillRef>
-          <a:effectRef idx="0">
-            <a:schemeClr val="accent1"/>
-          </a:effectRef>
-          <a:fontRef idx="minor">
-            <a:schemeClr val="lt1"/>
-          </a:fontRef>
-        </p:style>
-        <p:txBody>
-          <a:bodyPr rtlCol="0" anchor="ctr"/>
-          <a:lstStyle/>
-          <a:p>
-            <a:pPr algn="ctr"/>
-            <a:r>
-              <a:rPr lang="ko-KR" altLang="en-US" dirty="0" smtClean="0">
-                <a:solidFill>
-                  <a:sysClr val="windowText" lastClr="000000"/>
-                </a:solidFill>
-              </a:rPr>
-              <a:t>태그 스타일</a:t>
-            </a:r>
-            <a:endParaRPr lang="ko-KR" altLang="en-US" dirty="0">
-              <a:solidFill>
-                <a:sysClr val="windowText" lastClr="000000"/>
-              </a:solidFill>
-            </a:endParaRPr>
-          </a:p>
-        </p:txBody>
-      </p:sp>
-      <p:sp>
-        <p:nvSpPr>
-          <p:cNvPr id="23" name="TextBox 22"/>
-          <p:cNvSpPr txBox="1"/>
-          <p:nvPr/>
-        </p:nvSpPr>
-        <p:spPr>
-          <a:xfrm>
-            <a:off x="3512840" y="5805264"/>
-            <a:ext cx="5112568" cy="338554"/>
-          </a:xfrm>
-          <a:prstGeom prst="rect">
-            <a:avLst/>
-          </a:prstGeom>
-          <a:noFill/>
-        </p:spPr>
-        <p:txBody>
-          <a:bodyPr wrap="square" rtlCol="0">
-            <a:spAutoFit/>
-          </a:bodyPr>
-          <a:lstStyle/>
-          <a:p>
-            <a:r>
-              <a:rPr lang="ko-KR" altLang="en-US" sz="1600" dirty="0" smtClean="0">
-                <a:solidFill>
-                  <a:srgbClr val="0070C0"/>
-                </a:solidFill>
-              </a:rPr>
-              <a:t>태</a:t>
-            </a:r>
-            <a:r>
-              <a:rPr lang="ko-KR" altLang="en-US" sz="1600" dirty="0">
-                <a:solidFill>
-                  <a:srgbClr val="0070C0"/>
-                </a:solidFill>
-              </a:rPr>
-              <a:t>그</a:t>
-            </a:r>
-            <a:r>
-              <a:rPr lang="en-US" altLang="ko-KR" sz="1600" dirty="0" smtClean="0">
-                <a:solidFill>
-                  <a:srgbClr val="0070C0"/>
-                </a:solidFill>
-              </a:rPr>
-              <a:t> </a:t>
-            </a:r>
-            <a:r>
-              <a:rPr lang="ko-KR" altLang="en-US" sz="1600" dirty="0">
-                <a:solidFill>
-                  <a:srgbClr val="0070C0"/>
-                </a:solidFill>
-              </a:rPr>
-              <a:t>선택자가 있는 부분에만 적용되는 스타일</a:t>
-            </a:r>
-          </a:p>
-        </p:txBody>
-      </p:sp>
-      <p:sp>
-        <p:nvSpPr>
-          <p:cNvPr id="24" name="아래쪽 화살표 23"/>
-          <p:cNvSpPr/>
-          <p:nvPr/>
-        </p:nvSpPr>
-        <p:spPr>
-          <a:xfrm>
-            <a:off x="2504728" y="6709874"/>
-            <a:ext cx="288032" cy="288032"/>
-          </a:xfrm>
-          <a:prstGeom prst="downArrow">
-            <a:avLst/>
-          </a:prstGeom>
-          <a:solidFill>
-            <a:schemeClr val="bg1">
-              <a:lumMod val="95000"/>
-            </a:schemeClr>
-          </a:solidFill>
-          <a:ln w="12700"/>
-        </p:spPr>
-        <p:style>
-          <a:lnRef idx="2">
-            <a:schemeClr val="accent1">
-              <a:shade val="50000"/>
-            </a:schemeClr>
-          </a:lnRef>
-          <a:fillRef idx="1">
-            <a:schemeClr val="accent1"/>
-          </a:fillRef>
-          <a:effectRef idx="0">
-            <a:schemeClr val="accent1"/>
-          </a:effectRef>
-          <a:fontRef idx="minor">
-            <a:schemeClr val="lt1"/>
-          </a:fontRef>
-        </p:style>
-        <p:txBody>
-          <a:bodyPr rtlCol="0" anchor="ctr"/>
-          <a:lstStyle/>
-          <a:p>
-            <a:pPr algn="ctr"/>
-            <a:endParaRPr lang="ko-KR" altLang="en-US"/>
-          </a:p>
-        </p:txBody>
-      </p:sp>
+      </p:cxnSp>
     </p:spTree>
     <p:extLst>
       <p:ext uri="{BB962C8B-B14F-4D97-AF65-F5344CB8AC3E}">
-        <p14:creationId xmlns:p14="http://schemas.microsoft.com/office/powerpoint/2010/main" val="3254432476"/>
+        <p14:creationId xmlns:p14="http://schemas.microsoft.com/office/powerpoint/2010/main" val="2955544707"/>
       </p:ext>
     </p:extLst>
   </p:cSld>
@@ -14599,165 +14564,6 @@
       </p:sp>
       <p:sp>
         <p:nvSpPr>
-          <p:cNvPr id="9" name="TextBox 8"/>
-          <p:cNvSpPr txBox="1"/>
-          <p:nvPr/>
-        </p:nvSpPr>
-        <p:spPr>
-          <a:xfrm>
-            <a:off x="848544" y="1206314"/>
-            <a:ext cx="4289839" cy="553998"/>
-          </a:xfrm>
-          <a:prstGeom prst="rect">
-            <a:avLst/>
-          </a:prstGeom>
-          <a:noFill/>
-        </p:spPr>
-        <p:txBody>
-          <a:bodyPr wrap="square" rtlCol="0">
-            <a:spAutoFit/>
-          </a:bodyPr>
-          <a:lstStyle/>
-          <a:p>
-            <a:pPr>
-              <a:lnSpc>
-                <a:spcPct val="150000"/>
-              </a:lnSpc>
-            </a:pPr>
-            <a:r>
-              <a:rPr lang="ko-KR" altLang="en-US" sz="2000" b="1" dirty="0" smtClean="0">
-                <a:solidFill>
-                  <a:srgbClr val="C00000"/>
-                </a:solidFill>
-              </a:rPr>
-              <a:t>원칙 </a:t>
-            </a:r>
-            <a:r>
-              <a:rPr lang="en-US" altLang="ko-KR" sz="2000" b="1" dirty="0">
-                <a:solidFill>
-                  <a:srgbClr val="C00000"/>
-                </a:solidFill>
-              </a:rPr>
-              <a:t>2</a:t>
-            </a:r>
-            <a:r>
-              <a:rPr lang="en-US" altLang="ko-KR" sz="2000" b="1" dirty="0" smtClean="0">
-                <a:solidFill>
-                  <a:srgbClr val="C00000"/>
-                </a:solidFill>
-              </a:rPr>
-              <a:t>: </a:t>
-            </a:r>
-            <a:r>
-              <a:rPr lang="ko-KR" altLang="en-US" sz="2000" b="1" dirty="0" smtClean="0">
-                <a:solidFill>
-                  <a:srgbClr val="C00000"/>
-                </a:solidFill>
-              </a:rPr>
-              <a:t>스타일 상속 </a:t>
-            </a:r>
-            <a:endParaRPr lang="en-US" altLang="ko-KR" sz="2000" b="1" dirty="0" smtClean="0">
-              <a:solidFill>
-                <a:srgbClr val="C00000"/>
-              </a:solidFill>
-            </a:endParaRPr>
-          </a:p>
-        </p:txBody>
-      </p:sp>
-      <p:sp>
-        <p:nvSpPr>
-          <p:cNvPr id="11" name="TextBox 10"/>
-          <p:cNvSpPr txBox="1"/>
-          <p:nvPr/>
-        </p:nvSpPr>
-        <p:spPr>
-          <a:xfrm>
-            <a:off x="992560" y="1700808"/>
-            <a:ext cx="8064896" cy="1569660"/>
-          </a:xfrm>
-          <a:prstGeom prst="rect">
-            <a:avLst/>
-          </a:prstGeom>
-          <a:noFill/>
-        </p:spPr>
-        <p:txBody>
-          <a:bodyPr wrap="square" rtlCol="0">
-            <a:spAutoFit/>
-          </a:bodyPr>
-          <a:lstStyle/>
-          <a:p>
-            <a:pPr marL="285750" indent="-285750">
-              <a:lnSpc>
-                <a:spcPct val="150000"/>
-              </a:lnSpc>
-              <a:buFont typeface="Arial" panose="020B0604020202020204" pitchFamily="34" charset="0"/>
-              <a:buChar char="•"/>
-            </a:pPr>
-            <a:r>
-              <a:rPr lang="ko-KR" altLang="en-US" sz="1600" dirty="0" smtClean="0">
-                <a:solidFill>
-                  <a:srgbClr val="0070C0"/>
-                </a:solidFill>
-              </a:rPr>
-              <a:t>자식 요소에서 별도로 스타일을 지정하지 않으면 부모 요소에 있는 스타일 속성들이 자식 요소로 전달됨</a:t>
-            </a:r>
-            <a:endParaRPr lang="en-US" altLang="ko-KR" sz="1600" dirty="0" smtClean="0">
-              <a:solidFill>
-                <a:srgbClr val="0070C0"/>
-              </a:solidFill>
-            </a:endParaRPr>
-          </a:p>
-          <a:p>
-            <a:pPr marL="285750" indent="-285750">
-              <a:lnSpc>
-                <a:spcPct val="150000"/>
-              </a:lnSpc>
-              <a:buFont typeface="Arial" panose="020B0604020202020204" pitchFamily="34" charset="0"/>
-              <a:buChar char="•"/>
-            </a:pPr>
-            <a:r>
-              <a:rPr lang="ko-KR" altLang="en-US" sz="1600" dirty="0" smtClean="0">
-                <a:solidFill>
-                  <a:srgbClr val="0070C0"/>
-                </a:solidFill>
-              </a:rPr>
-              <a:t>상속을 이용하면 스타일 시트를 효과적으로 만들 수 있다</a:t>
-            </a:r>
-            <a:r>
-              <a:rPr lang="en-US" altLang="ko-KR" sz="1600" dirty="0" smtClean="0">
-                <a:solidFill>
-                  <a:srgbClr val="0070C0"/>
-                </a:solidFill>
-              </a:rPr>
-              <a:t>.</a:t>
-            </a:r>
-          </a:p>
-          <a:p>
-            <a:pPr marL="285750" indent="-285750">
-              <a:lnSpc>
-                <a:spcPct val="150000"/>
-              </a:lnSpc>
-              <a:buFont typeface="Arial" panose="020B0604020202020204" pitchFamily="34" charset="0"/>
-              <a:buChar char="•"/>
-            </a:pPr>
-            <a:r>
-              <a:rPr lang="ko-KR" altLang="en-US" sz="1600" dirty="0" smtClean="0">
-                <a:solidFill>
-                  <a:srgbClr val="0070C0"/>
-                </a:solidFill>
-              </a:rPr>
-              <a:t>주의점은 스타일의 모든 속성이 부모 요소에서 자식 요소로 상속되는 것은 아님</a:t>
-            </a:r>
-            <a:endParaRPr lang="ko-KR" altLang="en-US" sz="1600" dirty="0">
-              <a:solidFill>
-                <a:srgbClr val="0070C0"/>
-              </a:solidFill>
-            </a:endParaRPr>
-          </a:p>
-        </p:txBody>
-      </p:sp>
-      <p:sp>
-        <p:nvSpPr>
           <p:cNvPr id="24" name="아래쪽 화살표 23"/>
           <p:cNvSpPr/>
           <p:nvPr/>
@@ -14824,8 +14630,8 @@
         </p:blipFill>
         <p:spPr>
           <a:xfrm>
-            <a:off x="3106537" y="3722377"/>
-            <a:ext cx="5446863" cy="1440160"/>
+            <a:off x="995491" y="3789040"/>
+            <a:ext cx="8640960" cy="2038457"/>
           </a:xfrm>
           <a:prstGeom prst="rect">
             <a:avLst/>
@@ -14841,273 +14647,128 @@
       </p:pic>
       <p:sp>
         <p:nvSpPr>
-          <p:cNvPr id="25" name="TextBox 24"/>
+          <p:cNvPr id="9" name="TextBox 8"/>
           <p:cNvSpPr txBox="1"/>
           <p:nvPr/>
         </p:nvSpPr>
         <p:spPr>
           <a:xfrm>
-            <a:off x="1426164" y="3573016"/>
-            <a:ext cx="1177268" cy="374571"/>
-          </a:xfrm>
-          <a:prstGeom prst="roundRect">
+            <a:off x="1009446" y="3211503"/>
+            <a:ext cx="1800200" cy="461665"/>
+          </a:xfrm>
+          <a:prstGeom prst="rect">
             <a:avLst/>
           </a:prstGeom>
-          <a:ln w="19050"/>
-        </p:spPr>
-        <p:style>
-          <a:lnRef idx="2">
-            <a:schemeClr val="accent2"/>
-          </a:lnRef>
-          <a:fillRef idx="1">
-            <a:schemeClr val="lt1"/>
-          </a:fillRef>
-          <a:effectRef idx="0">
-            <a:schemeClr val="accent2"/>
-          </a:effectRef>
-          <a:fontRef idx="minor">
-            <a:schemeClr val="dk1"/>
-          </a:fontRef>
-        </p:style>
+          <a:noFill/>
+        </p:spPr>
         <p:txBody>
           <a:bodyPr wrap="square" rtlCol="0">
             <a:spAutoFit/>
           </a:bodyPr>
           <a:lstStyle/>
           <a:p>
-            <a:pPr algn="ctr"/>
-            <a:r>
-              <a:rPr lang="ko-KR" altLang="en-US" sz="1600" smtClean="0"/>
-              <a:t>부모요</a:t>
-            </a:r>
-            <a:r>
-              <a:rPr lang="ko-KR" altLang="en-US" sz="1600"/>
-              <a:t>소</a:t>
-            </a:r>
-            <a:endParaRPr lang="ko-KR" altLang="en-US" sz="1600" dirty="0"/>
-          </a:p>
-        </p:txBody>
-      </p:sp>
-      <p:sp>
-        <p:nvSpPr>
-          <p:cNvPr id="27" name="TextBox 26"/>
-          <p:cNvSpPr txBox="1"/>
+            <a:pPr>
+              <a:lnSpc>
+                <a:spcPct val="150000"/>
+              </a:lnSpc>
+            </a:pPr>
+            <a:r>
+              <a:rPr lang="en-US" altLang="ko-KR" sz="1600" dirty="0">
+                <a:solidFill>
+                  <a:srgbClr val="C00000"/>
+                </a:solidFill>
+              </a:rPr>
+              <a:t>c</a:t>
+            </a:r>
+            <a:r>
+              <a:rPr lang="en-US" altLang="ko-KR" sz="1600" dirty="0" smtClean="0">
+                <a:solidFill>
+                  <a:srgbClr val="C00000"/>
+                </a:solidFill>
+              </a:rPr>
+              <a:t>ascading.html</a:t>
+            </a:r>
+          </a:p>
+        </p:txBody>
+      </p:sp>
+      <p:pic>
+        <p:nvPicPr>
+          <p:cNvPr id="5" name="그림 4"/>
+          <p:cNvPicPr>
+            <a:picLocks noChangeAspect="1"/>
+          </p:cNvPicPr>
           <p:nvPr/>
-        </p:nvSpPr>
-        <p:spPr>
-          <a:xfrm>
-            <a:off x="1426164" y="4206557"/>
-            <a:ext cx="1177268" cy="374571"/>
-          </a:xfrm>
-          <a:prstGeom prst="roundRect">
-            <a:avLst/>
-          </a:prstGeom>
-          <a:ln w="19050"/>
-        </p:spPr>
-        <p:style>
-          <a:lnRef idx="2">
-            <a:schemeClr val="accent2"/>
-          </a:lnRef>
-          <a:fillRef idx="1">
-            <a:schemeClr val="lt1"/>
-          </a:fillRef>
-          <a:effectRef idx="0">
-            <a:schemeClr val="accent2"/>
-          </a:effectRef>
-          <a:fontRef idx="minor">
-            <a:schemeClr val="dk1"/>
-          </a:fontRef>
-        </p:style>
-        <p:txBody>
-          <a:bodyPr wrap="square" rtlCol="0">
-            <a:spAutoFit/>
-          </a:bodyPr>
-          <a:lstStyle/>
-          <a:p>
-            <a:pPr algn="ctr"/>
-            <a:r>
-              <a:rPr lang="ko-KR" altLang="en-US" sz="1600" dirty="0" smtClean="0"/>
-              <a:t>자</a:t>
-            </a:r>
-            <a:r>
-              <a:rPr lang="ko-KR" altLang="en-US" sz="1600" dirty="0"/>
-              <a:t>식</a:t>
-            </a:r>
-            <a:r>
-              <a:rPr lang="ko-KR" altLang="en-US" sz="1600" dirty="0" smtClean="0"/>
-              <a:t>요소</a:t>
-            </a:r>
-            <a:endParaRPr lang="ko-KR" altLang="en-US" sz="1600" dirty="0"/>
-          </a:p>
-        </p:txBody>
-      </p:sp>
-      <p:sp>
-        <p:nvSpPr>
-          <p:cNvPr id="28" name="TextBox 27"/>
-          <p:cNvSpPr txBox="1"/>
-          <p:nvPr/>
-        </p:nvSpPr>
-        <p:spPr>
-          <a:xfrm>
-            <a:off x="1426164" y="4809670"/>
-            <a:ext cx="1177268" cy="374571"/>
-          </a:xfrm>
-          <a:prstGeom prst="roundRect">
-            <a:avLst/>
-          </a:prstGeom>
-          <a:ln w="19050"/>
-        </p:spPr>
-        <p:style>
-          <a:lnRef idx="2">
-            <a:schemeClr val="accent2"/>
-          </a:lnRef>
-          <a:fillRef idx="1">
-            <a:schemeClr val="lt1"/>
-          </a:fillRef>
-          <a:effectRef idx="0">
-            <a:schemeClr val="accent2"/>
-          </a:effectRef>
-          <a:fontRef idx="minor">
-            <a:schemeClr val="dk1"/>
-          </a:fontRef>
-        </p:style>
-        <p:txBody>
-          <a:bodyPr wrap="square" rtlCol="0">
-            <a:spAutoFit/>
-          </a:bodyPr>
-          <a:lstStyle/>
-          <a:p>
-            <a:pPr algn="ctr"/>
-            <a:r>
-              <a:rPr lang="ko-KR" altLang="en-US" sz="1600" dirty="0" smtClean="0"/>
-              <a:t>형</a:t>
-            </a:r>
-            <a:r>
-              <a:rPr lang="ko-KR" altLang="en-US" sz="1600" dirty="0"/>
-              <a:t>제</a:t>
-            </a:r>
-            <a:r>
-              <a:rPr lang="ko-KR" altLang="en-US" sz="1600" dirty="0" smtClean="0"/>
-              <a:t>요소</a:t>
-            </a:r>
-            <a:endParaRPr lang="ko-KR" altLang="en-US" sz="1600" dirty="0"/>
-          </a:p>
-        </p:txBody>
-      </p:sp>
-      <p:cxnSp>
-        <p:nvCxnSpPr>
-          <p:cNvPr id="29" name="직선 화살표 연결선 28"/>
-          <p:cNvCxnSpPr>
-            <a:stCxn id="25" idx="3"/>
-          </p:cNvCxnSpPr>
-          <p:nvPr/>
-        </p:nvCxnSpPr>
-        <p:spPr>
-          <a:xfrm>
-            <a:off x="2603432" y="3760302"/>
-            <a:ext cx="622931" cy="100747"/>
-          </a:xfrm>
-          <a:prstGeom prst="straightConnector1">
+        </p:nvPicPr>
+        <p:blipFill>
+          <a:blip r:embed="rId3">
+            <a:extLst>
+              <a:ext uri="{28A0092B-C50C-407E-A947-70E740481C1C}">
+                <a14:useLocalDpi xmlns:a14="http://schemas.microsoft.com/office/drawing/2010/main" val="0"/>
+              </a:ext>
+            </a:extLst>
+          </a:blip>
+          <a:stretch>
+            <a:fillRect/>
+          </a:stretch>
+        </p:blipFill>
+        <p:spPr>
+          <a:xfrm>
+            <a:off x="962255" y="1574821"/>
+            <a:ext cx="5718938" cy="1448400"/>
+          </a:xfrm>
+          <a:prstGeom prst="rect">
             <a:avLst/>
           </a:prstGeom>
           <a:ln>
             <a:solidFill>
-              <a:srgbClr val="C00000"/>
+              <a:schemeClr val="bg1">
+                <a:lumMod val="85000"/>
+              </a:schemeClr>
             </a:solidFill>
-            <a:tailEnd type="triangle"/>
           </a:ln>
         </p:spPr>
-        <p:style>
-          <a:lnRef idx="1">
-            <a:schemeClr val="accent1"/>
-          </a:lnRef>
-          <a:fillRef idx="0">
-            <a:schemeClr val="accent1"/>
-          </a:fillRef>
-          <a:effectRef idx="0">
-            <a:schemeClr val="accent1"/>
-          </a:effectRef>
-          <a:fontRef idx="minor">
-            <a:schemeClr val="tx1"/>
-          </a:fontRef>
-        </p:style>
-      </p:cxnSp>
-      <p:cxnSp>
-        <p:nvCxnSpPr>
-          <p:cNvPr id="31" name="직선 화살표 연결선 30"/>
-          <p:cNvCxnSpPr/>
+      </p:pic>
+      <p:pic>
+        <p:nvPicPr>
+          <p:cNvPr id="8" name="그림 7"/>
+          <p:cNvPicPr>
+            <a:picLocks noChangeAspect="1"/>
+          </p:cNvPicPr>
           <p:nvPr/>
-        </p:nvCxnSpPr>
-        <p:spPr>
-          <a:xfrm flipV="1">
-            <a:off x="2603431" y="4077072"/>
-            <a:ext cx="838956" cy="274656"/>
-          </a:xfrm>
-          <a:prstGeom prst="straightConnector1">
+        </p:nvPicPr>
+        <p:blipFill>
+          <a:blip r:embed="rId4">
+            <a:extLst>
+              <a:ext uri="{28A0092B-C50C-407E-A947-70E740481C1C}">
+                <a14:useLocalDpi xmlns:a14="http://schemas.microsoft.com/office/drawing/2010/main" val="0"/>
+              </a:ext>
+            </a:extLst>
+          </a:blip>
+          <a:stretch>
+            <a:fillRect/>
+          </a:stretch>
+        </p:blipFill>
+        <p:spPr>
+          <a:xfrm>
+            <a:off x="6825208" y="1691073"/>
+            <a:ext cx="2584367" cy="2664296"/>
+          </a:xfrm>
+          <a:prstGeom prst="rect">
             <a:avLst/>
           </a:prstGeom>
           <a:ln>
             <a:solidFill>
-              <a:srgbClr val="C00000"/>
+              <a:schemeClr val="bg1">
+                <a:lumMod val="85000"/>
+              </a:schemeClr>
             </a:solidFill>
-            <a:tailEnd type="triangle"/>
           </a:ln>
         </p:spPr>
-        <p:style>
-          <a:lnRef idx="1">
-            <a:schemeClr val="accent1"/>
-          </a:lnRef>
-          <a:fillRef idx="0">
-            <a:schemeClr val="accent1"/>
-          </a:fillRef>
-          <a:effectRef idx="0">
-            <a:schemeClr val="accent1"/>
-          </a:effectRef>
-          <a:fontRef idx="minor">
-            <a:schemeClr val="tx1"/>
-          </a:fontRef>
-        </p:style>
-      </p:cxnSp>
-      <p:cxnSp>
-        <p:nvCxnSpPr>
-          <p:cNvPr id="33" name="직선 화살표 연결선 32"/>
-          <p:cNvCxnSpPr/>
-          <p:nvPr/>
-        </p:nvCxnSpPr>
-        <p:spPr>
-          <a:xfrm flipV="1">
-            <a:off x="2619541" y="4581128"/>
-            <a:ext cx="838956" cy="274656"/>
-          </a:xfrm>
-          <a:prstGeom prst="straightConnector1">
-            <a:avLst/>
-          </a:prstGeom>
-          <a:ln>
-            <a:solidFill>
-              <a:srgbClr val="C00000"/>
-            </a:solidFill>
-            <a:tailEnd type="triangle"/>
-          </a:ln>
-        </p:spPr>
-        <p:style>
-          <a:lnRef idx="1">
-            <a:schemeClr val="accent1"/>
-          </a:lnRef>
-          <a:fillRef idx="0">
-            <a:schemeClr val="accent1"/>
-          </a:fillRef>
-          <a:effectRef idx="0">
-            <a:schemeClr val="accent1"/>
-          </a:effectRef>
-          <a:fontRef idx="minor">
-            <a:schemeClr val="tx1"/>
-          </a:fontRef>
-        </p:style>
-      </p:cxnSp>
+      </p:pic>
     </p:spTree>
     <p:extLst>
       <p:ext uri="{BB962C8B-B14F-4D97-AF65-F5344CB8AC3E}">
-        <p14:creationId xmlns:p14="http://schemas.microsoft.com/office/powerpoint/2010/main" val="2955544707"/>
+        <p14:creationId xmlns:p14="http://schemas.microsoft.com/office/powerpoint/2010/main" val="4195732437"/>
       </p:ext>
     </p:extLst>
   </p:cSld>
@@ -15117,7 +14778,83 @@
   <p:timing>
     <p:tnLst>
       <p:par>
-        <p:cTn id="1" dur="indefinite" restart="never" nodeType="tmRoot"/>
+        <p:cTn id="1" dur="indefinite" restart="never" nodeType="tmRoot">
+          <p:childTnLst>
+            <p:seq concurrent="1" nextAc="seek">
+              <p:cTn id="2" dur="indefinite" nodeType="mainSeq">
+                <p:childTnLst>
+                  <p:par>
+                    <p:cTn id="3" fill="hold">
+                      <p:stCondLst>
+                        <p:cond delay="indefinite"/>
+                      </p:stCondLst>
+                      <p:childTnLst>
+                        <p:par>
+                          <p:cTn id="4" fill="hold">
+                            <p:stCondLst>
+                              <p:cond delay="0"/>
+                            </p:stCondLst>
+                            <p:childTnLst>
+                              <p:par>
+                                <p:cTn id="5" presetID="10" presetClass="entr" presetSubtype="0" fill="hold" nodeType="clickEffect">
+                                  <p:stCondLst>
+                                    <p:cond delay="0"/>
+                                  </p:stCondLst>
+                                  <p:childTnLst>
+                                    <p:set>
+                                      <p:cBhvr>
+                                        <p:cTn id="6" dur="1" fill="hold">
+                                          <p:stCondLst>
+                                            <p:cond delay="0"/>
+                                          </p:stCondLst>
+                                        </p:cTn>
+                                        <p:tgtEl>
+                                          <p:spTgt spid="8"/>
+                                        </p:tgtEl>
+                                        <p:attrNameLst>
+                                          <p:attrName>style.visibility</p:attrName>
+                                        </p:attrNameLst>
+                                      </p:cBhvr>
+                                      <p:to>
+                                        <p:strVal val="visible"/>
+                                      </p:to>
+                                    </p:set>
+                                    <p:animEffect transition="in" filter="fade">
+                                      <p:cBhvr>
+                                        <p:cTn id="7" dur="500"/>
+                                        <p:tgtEl>
+                                          <p:spTgt spid="8"/>
+                                        </p:tgtEl>
+                                      </p:cBhvr>
+                                    </p:animEffect>
+                                  </p:childTnLst>
+                                </p:cTn>
+                              </p:par>
+                            </p:childTnLst>
+                          </p:cTn>
+                        </p:par>
+                      </p:childTnLst>
+                    </p:cTn>
+                  </p:par>
+                </p:childTnLst>
+              </p:cTn>
+              <p:prevCondLst>
+                <p:cond evt="onPrev" delay="0">
+                  <p:tgtEl>
+                    <p:sldTgt/>
+                  </p:tgtEl>
+                </p:cond>
+              </p:prevCondLst>
+              <p:nextCondLst>
+                <p:cond evt="onNext" delay="0">
+                  <p:tgtEl>
+                    <p:sldTgt/>
+                  </p:tgtEl>
+                </p:cond>
+              </p:nextCondLst>
+            </p:seq>
+          </p:childTnLst>
+        </p:cTn>
       </p:par>
     </p:tnLst>
   </p:timing>
